--- a/Cioara_Mario_Prezentare_AIA_Licenta.pptx
+++ b/Cioara_Mario_Prezentare_AIA_Licenta.pptx
@@ -3594,8 +3594,8 @@
         </p:nvSpPr>
         <p:spPr>
           <a:xfrm>
-            <a:off x="1371600" y="1645920"/>
-            <a:ext cx="9144000" cy="914400"/>
+            <a:off x="1523847" y="724411"/>
+            <a:ext cx="9144000" cy="1107996"/>
           </a:xfrm>
           <a:prstGeom prst="rect">
             <a:avLst/>
@@ -3617,6 +3617,10 @@
               </a:defRPr>
             </a:pPr>
             <a:r>
+              <a:rPr sz="6600" dirty="0">
+                <a:latin typeface="Arial" panose="020B0604020202020204" pitchFamily="34" charset="0"/>
+                <a:cs typeface="Arial" panose="020B0604020202020204" pitchFamily="34" charset="0"/>
+              </a:rPr>
               <a:t>RIFT PULSE</a:t>
             </a:r>
           </a:p>
@@ -3630,8 +3634,8 @@
         </p:nvSpPr>
         <p:spPr>
           <a:xfrm>
-            <a:off x="1371600" y="2560320"/>
-            <a:ext cx="9144000" cy="461665"/>
+            <a:off x="1371600" y="1717524"/>
+            <a:ext cx="9144000" cy="1323439"/>
           </a:xfrm>
           <a:prstGeom prst="rect">
             <a:avLst/>
@@ -3653,55 +3657,16 @@
               </a:defRPr>
             </a:pPr>
             <a:r>
-              <a:rPr lang="ro-RO" dirty="0"/>
+              <a:rPr lang="ro-RO" sz="4000" dirty="0">
+                <a:latin typeface="Arial" panose="020B0604020202020204" pitchFamily="34" charset="0"/>
+                <a:cs typeface="Arial" panose="020B0604020202020204" pitchFamily="34" charset="0"/>
+              </a:rPr>
               <a:t>Aplicație web pentru pasionații de League of Legends esports</a:t>
             </a:r>
-            <a:endParaRPr dirty="0"/>
-          </a:p>
-        </p:txBody>
-      </p:sp>
-      <p:sp>
-        <p:nvSpPr>
-          <p:cNvPr id="5" name="Rectangle 4"/>
-          <p:cNvSpPr/>
-          <p:nvPr/>
-        </p:nvSpPr>
-        <p:spPr>
-          <a:xfrm>
-            <a:off x="4572000" y="3383280"/>
-            <a:ext cx="3047695" cy="50800"/>
-          </a:xfrm>
-          <a:prstGeom prst="rect">
-            <a:avLst/>
-          </a:prstGeom>
-          <a:solidFill>
-            <a:srgbClr val="7C3AED"/>
-          </a:solidFill>
-          <a:ln>
-            <a:noFill/>
-          </a:ln>
-          <a:effectLst/>
-        </p:spPr>
-        <p:style>
-          <a:lnRef idx="1">
-            <a:schemeClr val="accent1"/>
-          </a:lnRef>
-          <a:fillRef idx="3">
-            <a:schemeClr val="accent1"/>
-          </a:fillRef>
-          <a:effectRef idx="2">
-            <a:schemeClr val="accent1"/>
-          </a:effectRef>
-          <a:fontRef idx="minor">
-            <a:schemeClr val="lt1"/>
-          </a:fontRef>
-        </p:style>
-        <p:txBody>
-          <a:bodyPr rtlCol="0" anchor="ctr"/>
-          <a:lstStyle/>
-          <a:p>
-            <a:pPr algn="ctr"/>
-            <a:endParaRPr/>
+            <a:endParaRPr sz="4000" dirty="0">
+              <a:latin typeface="Arial" panose="020B0604020202020204" pitchFamily="34" charset="0"/>
+              <a:cs typeface="Arial" panose="020B0604020202020204" pitchFamily="34" charset="0"/>
+            </a:endParaRPr>
           </a:p>
         </p:txBody>
       </p:sp>
@@ -3713,8 +3678,8 @@
         </p:nvSpPr>
         <p:spPr>
           <a:xfrm>
-            <a:off x="1371600" y="3840480"/>
-            <a:ext cx="9144000" cy="400110"/>
+            <a:off x="1523847" y="3227623"/>
+            <a:ext cx="9144000" cy="523220"/>
           </a:xfrm>
           <a:prstGeom prst="rect">
             <a:avLst/>
@@ -3736,18 +3701,30 @@
               </a:defRPr>
             </a:pPr>
             <a:r>
-              <a:rPr dirty="0" err="1"/>
+              <a:rPr sz="2800" dirty="0" err="1">
+                <a:latin typeface="Arial" panose="020B0604020202020204" pitchFamily="34" charset="0"/>
+                <a:cs typeface="Arial" panose="020B0604020202020204" pitchFamily="34" charset="0"/>
+              </a:rPr>
               <a:t>Lucrare</a:t>
             </a:r>
             <a:r>
-              <a:rPr dirty="0"/>
+              <a:rPr sz="2800" dirty="0">
+                <a:latin typeface="Arial" panose="020B0604020202020204" pitchFamily="34" charset="0"/>
+                <a:cs typeface="Arial" panose="020B0604020202020204" pitchFamily="34" charset="0"/>
+              </a:rPr>
               <a:t> de Lice</a:t>
             </a:r>
             <a:r>
-              <a:rPr lang="ro-RO" dirty="0"/>
+              <a:rPr lang="ro-RO" sz="2800" dirty="0">
+                <a:latin typeface="Arial" panose="020B0604020202020204" pitchFamily="34" charset="0"/>
+                <a:cs typeface="Arial" panose="020B0604020202020204" pitchFamily="34" charset="0"/>
+              </a:rPr>
               <a:t>nță</a:t>
             </a:r>
-            <a:endParaRPr dirty="0"/>
+            <a:endParaRPr sz="2800" dirty="0">
+              <a:latin typeface="Arial" panose="020B0604020202020204" pitchFamily="34" charset="0"/>
+              <a:cs typeface="Arial" panose="020B0604020202020204" pitchFamily="34" charset="0"/>
+            </a:endParaRPr>
           </a:p>
         </p:txBody>
       </p:sp>
@@ -3759,8 +3736,8 @@
         </p:nvSpPr>
         <p:spPr>
           <a:xfrm>
-            <a:off x="1371600" y="4434840"/>
-            <a:ext cx="9144000" cy="307777"/>
+            <a:off x="1523847" y="3963920"/>
+            <a:ext cx="9144000" cy="400110"/>
           </a:xfrm>
           <a:prstGeom prst="rect">
             <a:avLst/>
@@ -3782,70 +3759,121 @@
               </a:defRPr>
             </a:pPr>
             <a:r>
-              <a:rPr dirty="0" err="1"/>
+              <a:rPr sz="2000" dirty="0" err="1">
+                <a:latin typeface="Arial" panose="020B0604020202020204" pitchFamily="34" charset="0"/>
+                <a:cs typeface="Arial" panose="020B0604020202020204" pitchFamily="34" charset="0"/>
+              </a:rPr>
               <a:t>Universitatea</a:t>
             </a:r>
             <a:r>
-              <a:rPr dirty="0"/>
+              <a:rPr sz="2000" dirty="0">
+                <a:latin typeface="Arial" panose="020B0604020202020204" pitchFamily="34" charset="0"/>
+                <a:cs typeface="Arial" panose="020B0604020202020204" pitchFamily="34" charset="0"/>
+              </a:rPr>
               <a:t> </a:t>
             </a:r>
             <a:r>
-              <a:rPr dirty="0" err="1"/>
+              <a:rPr sz="2000" dirty="0" err="1">
+                <a:latin typeface="Arial" panose="020B0604020202020204" pitchFamily="34" charset="0"/>
+                <a:cs typeface="Arial" panose="020B0604020202020204" pitchFamily="34" charset="0"/>
+              </a:rPr>
               <a:t>Politehnica</a:t>
             </a:r>
             <a:r>
-              <a:rPr dirty="0"/>
+              <a:rPr sz="2000" dirty="0">
+                <a:latin typeface="Arial" panose="020B0604020202020204" pitchFamily="34" charset="0"/>
+                <a:cs typeface="Arial" panose="020B0604020202020204" pitchFamily="34" charset="0"/>
+              </a:rPr>
               <a:t> </a:t>
             </a:r>
             <a:r>
-              <a:rPr dirty="0" err="1"/>
+              <a:rPr sz="2000" dirty="0" err="1">
+                <a:latin typeface="Arial" panose="020B0604020202020204" pitchFamily="34" charset="0"/>
+                <a:cs typeface="Arial" panose="020B0604020202020204" pitchFamily="34" charset="0"/>
+              </a:rPr>
               <a:t>Timi</a:t>
             </a:r>
             <a:r>
-              <a:rPr lang="ro-RO" dirty="0"/>
+              <a:rPr lang="ro-RO" sz="2000" dirty="0">
+                <a:latin typeface="Arial" panose="020B0604020202020204" pitchFamily="34" charset="0"/>
+                <a:cs typeface="Arial" panose="020B0604020202020204" pitchFamily="34" charset="0"/>
+              </a:rPr>
               <a:t>ș</a:t>
             </a:r>
             <a:r>
-              <a:rPr dirty="0" err="1"/>
+              <a:rPr sz="2000" dirty="0" err="1">
+                <a:latin typeface="Arial" panose="020B0604020202020204" pitchFamily="34" charset="0"/>
+                <a:cs typeface="Arial" panose="020B0604020202020204" pitchFamily="34" charset="0"/>
+              </a:rPr>
               <a:t>oara</a:t>
             </a:r>
             <a:r>
-              <a:rPr dirty="0"/>
+              <a:rPr sz="2000" dirty="0">
+                <a:latin typeface="Arial" panose="020B0604020202020204" pitchFamily="34" charset="0"/>
+                <a:cs typeface="Arial" panose="020B0604020202020204" pitchFamily="34" charset="0"/>
+              </a:rPr>
               <a:t>  |  </a:t>
             </a:r>
             <a:r>
-              <a:rPr dirty="0" err="1"/>
+              <a:rPr sz="2000" dirty="0" err="1">
+                <a:latin typeface="Arial" panose="020B0604020202020204" pitchFamily="34" charset="0"/>
+                <a:cs typeface="Arial" panose="020B0604020202020204" pitchFamily="34" charset="0"/>
+              </a:rPr>
               <a:t>Facultatea</a:t>
             </a:r>
             <a:r>
-              <a:rPr dirty="0"/>
+              <a:rPr sz="2000" dirty="0">
+                <a:latin typeface="Arial" panose="020B0604020202020204" pitchFamily="34" charset="0"/>
+                <a:cs typeface="Arial" panose="020B0604020202020204" pitchFamily="34" charset="0"/>
+              </a:rPr>
               <a:t> de Automatic</a:t>
             </a:r>
             <a:r>
-              <a:rPr lang="ro-RO" dirty="0"/>
+              <a:rPr lang="ro-RO" sz="2000" dirty="0">
+                <a:latin typeface="Arial" panose="020B0604020202020204" pitchFamily="34" charset="0"/>
+                <a:cs typeface="Arial" panose="020B0604020202020204" pitchFamily="34" charset="0"/>
+              </a:rPr>
               <a:t>ă</a:t>
             </a:r>
             <a:r>
-              <a:rPr dirty="0"/>
+              <a:rPr sz="2000" dirty="0">
+                <a:latin typeface="Arial" panose="020B0604020202020204" pitchFamily="34" charset="0"/>
+                <a:cs typeface="Arial" panose="020B0604020202020204" pitchFamily="34" charset="0"/>
+              </a:rPr>
               <a:t> </a:t>
             </a:r>
             <a:r>
-              <a:rPr lang="ro-RO" dirty="0"/>
+              <a:rPr lang="ro-RO" sz="2000" dirty="0">
+                <a:latin typeface="Arial" panose="020B0604020202020204" pitchFamily="34" charset="0"/>
+                <a:cs typeface="Arial" panose="020B0604020202020204" pitchFamily="34" charset="0"/>
+              </a:rPr>
               <a:t>ș</a:t>
             </a:r>
             <a:r>
-              <a:rPr dirty="0" err="1"/>
+              <a:rPr sz="2000" dirty="0" err="1">
+                <a:latin typeface="Arial" panose="020B0604020202020204" pitchFamily="34" charset="0"/>
+                <a:cs typeface="Arial" panose="020B0604020202020204" pitchFamily="34" charset="0"/>
+              </a:rPr>
               <a:t>i</a:t>
             </a:r>
             <a:r>
-              <a:rPr dirty="0"/>
+              <a:rPr sz="2000" dirty="0">
+                <a:latin typeface="Arial" panose="020B0604020202020204" pitchFamily="34" charset="0"/>
+                <a:cs typeface="Arial" panose="020B0604020202020204" pitchFamily="34" charset="0"/>
+              </a:rPr>
               <a:t> </a:t>
             </a:r>
             <a:r>
-              <a:rPr dirty="0" err="1"/>
+              <a:rPr sz="2000" dirty="0" err="1">
+                <a:latin typeface="Arial" panose="020B0604020202020204" pitchFamily="34" charset="0"/>
+                <a:cs typeface="Arial" panose="020B0604020202020204" pitchFamily="34" charset="0"/>
+              </a:rPr>
               <a:t>Calculatoare</a:t>
             </a:r>
-            <a:endParaRPr dirty="0"/>
+            <a:endParaRPr sz="2000" dirty="0">
+              <a:latin typeface="Arial" panose="020B0604020202020204" pitchFamily="34" charset="0"/>
+              <a:cs typeface="Arial" panose="020B0604020202020204" pitchFamily="34" charset="0"/>
+            </a:endParaRPr>
           </a:p>
         </p:txBody>
       </p:sp>
@@ -3857,8 +3885,8 @@
         </p:nvSpPr>
         <p:spPr>
           <a:xfrm>
-            <a:off x="1371600" y="5074920"/>
-            <a:ext cx="9144000" cy="323165"/>
+            <a:off x="1098021" y="4625484"/>
+            <a:ext cx="9995647" cy="400110"/>
           </a:xfrm>
           <a:prstGeom prst="rect">
             <a:avLst/>
@@ -3880,62 +3908,107 @@
               </a:defRPr>
             </a:pPr>
             <a:r>
-              <a:rPr lang="ro-RO" dirty="0"/>
+              <a:rPr lang="ro-RO" sz="2000" dirty="0">
+                <a:latin typeface="Arial" panose="020B0604020202020204" pitchFamily="34" charset="0"/>
+                <a:cs typeface="Arial" panose="020B0604020202020204" pitchFamily="34" charset="0"/>
+              </a:rPr>
               <a:t>Candidat</a:t>
             </a:r>
             <a:r>
-              <a:rPr dirty="0"/>
+              <a:rPr sz="2000" dirty="0">
+                <a:latin typeface="Arial" panose="020B0604020202020204" pitchFamily="34" charset="0"/>
+                <a:cs typeface="Arial" panose="020B0604020202020204" pitchFamily="34" charset="0"/>
+              </a:rPr>
               <a:t>: Cioara Mario R</a:t>
             </a:r>
             <a:r>
-              <a:rPr lang="ro-RO" dirty="0"/>
+              <a:rPr lang="ro-RO" sz="2000" dirty="0">
+                <a:latin typeface="Arial" panose="020B0604020202020204" pitchFamily="34" charset="0"/>
+                <a:cs typeface="Arial" panose="020B0604020202020204" pitchFamily="34" charset="0"/>
+              </a:rPr>
               <a:t>ă</a:t>
             </a:r>
             <a:r>
-              <a:rPr dirty="0" err="1"/>
+              <a:rPr sz="2000" dirty="0" err="1">
+                <a:latin typeface="Arial" panose="020B0604020202020204" pitchFamily="34" charset="0"/>
+                <a:cs typeface="Arial" panose="020B0604020202020204" pitchFamily="34" charset="0"/>
+              </a:rPr>
               <a:t>zvan</a:t>
             </a:r>
             <a:r>
-              <a:rPr dirty="0"/>
+              <a:rPr sz="2000" dirty="0">
+                <a:latin typeface="Arial" panose="020B0604020202020204" pitchFamily="34" charset="0"/>
+                <a:cs typeface="Arial" panose="020B0604020202020204" pitchFamily="34" charset="0"/>
+              </a:rPr>
               <a:t>          </a:t>
             </a:r>
             <a:r>
-              <a:rPr dirty="0" err="1"/>
+              <a:rPr sz="2000" dirty="0" err="1">
+                <a:latin typeface="Arial" panose="020B0604020202020204" pitchFamily="34" charset="0"/>
+                <a:cs typeface="Arial" panose="020B0604020202020204" pitchFamily="34" charset="0"/>
+              </a:rPr>
               <a:t>Coordonator</a:t>
             </a:r>
             <a:r>
-              <a:rPr lang="ro-RO" dirty="0"/>
+              <a:rPr lang="ro-RO" sz="2000" dirty="0">
+                <a:latin typeface="Arial" panose="020B0604020202020204" pitchFamily="34" charset="0"/>
+                <a:cs typeface="Arial" panose="020B0604020202020204" pitchFamily="34" charset="0"/>
+              </a:rPr>
               <a:t> științific</a:t>
             </a:r>
             <a:r>
-              <a:rPr dirty="0"/>
+              <a:rPr sz="2000" dirty="0">
+                <a:latin typeface="Arial" panose="020B0604020202020204" pitchFamily="34" charset="0"/>
+                <a:cs typeface="Arial" panose="020B0604020202020204" pitchFamily="34" charset="0"/>
+              </a:rPr>
               <a:t>: Adriana </a:t>
             </a:r>
             <a:r>
-              <a:rPr dirty="0" err="1"/>
+              <a:rPr sz="2000" dirty="0" err="1">
+                <a:latin typeface="Arial" panose="020B0604020202020204" pitchFamily="34" charset="0"/>
+                <a:cs typeface="Arial" panose="020B0604020202020204" pitchFamily="34" charset="0"/>
+              </a:rPr>
               <a:t>Albu</a:t>
             </a:r>
             <a:r>
-              <a:rPr dirty="0"/>
+              <a:rPr sz="2000" dirty="0">
+                <a:latin typeface="Arial" panose="020B0604020202020204" pitchFamily="34" charset="0"/>
+                <a:cs typeface="Arial" panose="020B0604020202020204" pitchFamily="34" charset="0"/>
+              </a:rPr>
               <a:t>-H</a:t>
             </a:r>
             <a:r>
-              <a:rPr lang="ro-RO" dirty="0"/>
+              <a:rPr lang="ro-RO" sz="2000" dirty="0">
+                <a:latin typeface="Arial" panose="020B0604020202020204" pitchFamily="34" charset="0"/>
+                <a:cs typeface="Arial" panose="020B0604020202020204" pitchFamily="34" charset="0"/>
+              </a:rPr>
               <a:t>ă</a:t>
             </a:r>
             <a:r>
-              <a:rPr dirty="0"/>
+              <a:rPr sz="2000" dirty="0">
+                <a:latin typeface="Arial" panose="020B0604020202020204" pitchFamily="34" charset="0"/>
+                <a:cs typeface="Arial" panose="020B0604020202020204" pitchFamily="34" charset="0"/>
+              </a:rPr>
               <a:t>r</a:t>
             </a:r>
             <a:r>
-              <a:rPr lang="ro-RO" dirty="0"/>
+              <a:rPr lang="ro-RO" sz="2000" dirty="0">
+                <a:latin typeface="Arial" panose="020B0604020202020204" pitchFamily="34" charset="0"/>
+                <a:cs typeface="Arial" panose="020B0604020202020204" pitchFamily="34" charset="0"/>
+              </a:rPr>
               <a:t>ș</a:t>
             </a:r>
             <a:r>
-              <a:rPr dirty="0" err="1"/>
+              <a:rPr sz="2000" dirty="0" err="1">
+                <a:latin typeface="Arial" panose="020B0604020202020204" pitchFamily="34" charset="0"/>
+                <a:cs typeface="Arial" panose="020B0604020202020204" pitchFamily="34" charset="0"/>
+              </a:rPr>
               <a:t>ian</a:t>
             </a:r>
-            <a:endParaRPr dirty="0"/>
+            <a:endParaRPr sz="2000" dirty="0">
+              <a:latin typeface="Arial" panose="020B0604020202020204" pitchFamily="34" charset="0"/>
+              <a:cs typeface="Arial" panose="020B0604020202020204" pitchFamily="34" charset="0"/>
+            </a:endParaRPr>
           </a:p>
         </p:txBody>
       </p:sp>
@@ -3947,8 +4020,8 @@
         </p:nvSpPr>
         <p:spPr>
           <a:xfrm>
-            <a:off x="1371600" y="5669280"/>
-            <a:ext cx="9144000" cy="307777"/>
+            <a:off x="1523845" y="5238762"/>
+            <a:ext cx="9144000" cy="400110"/>
           </a:xfrm>
           <a:prstGeom prst="rect">
             <a:avLst/>
@@ -3970,11 +4043,17 @@
               </a:defRPr>
             </a:pPr>
             <a:r>
-              <a:rPr lang="ro-RO" dirty="0"/>
+              <a:rPr lang="ro-RO" sz="2000" dirty="0">
+                <a:latin typeface="Arial" panose="020B0604020202020204" pitchFamily="34" charset="0"/>
+                <a:cs typeface="Arial" panose="020B0604020202020204" pitchFamily="34" charset="0"/>
+              </a:rPr>
               <a:t>Sesiunea: Februarie</a:t>
             </a:r>
             <a:r>
-              <a:rPr dirty="0"/>
+              <a:rPr sz="2000" dirty="0">
+                <a:latin typeface="Arial" panose="020B0604020202020204" pitchFamily="34" charset="0"/>
+                <a:cs typeface="Arial" panose="020B0604020202020204" pitchFamily="34" charset="0"/>
+              </a:rPr>
               <a:t> 2026</a:t>
             </a:r>
           </a:p>
@@ -4089,34 +4168,58 @@
               </a:defRPr>
             </a:pPr>
             <a:r>
-              <a:rPr dirty="0" err="1"/>
+              <a:rPr dirty="0" err="1">
+                <a:latin typeface="Arial" panose="020B0604020202020204" pitchFamily="34" charset="0"/>
+                <a:cs typeface="Arial" panose="020B0604020202020204" pitchFamily="34" charset="0"/>
+              </a:rPr>
               <a:t>Contextul</a:t>
             </a:r>
             <a:r>
-              <a:rPr dirty="0"/>
+              <a:rPr dirty="0">
+                <a:latin typeface="Arial" panose="020B0604020202020204" pitchFamily="34" charset="0"/>
+                <a:cs typeface="Arial" panose="020B0604020202020204" pitchFamily="34" charset="0"/>
+              </a:rPr>
               <a:t> </a:t>
             </a:r>
             <a:r>
-              <a:rPr lang="ro-RO" dirty="0"/>
+              <a:rPr lang="ro-RO" dirty="0">
+                <a:latin typeface="Arial" panose="020B0604020202020204" pitchFamily="34" charset="0"/>
+                <a:cs typeface="Arial" panose="020B0604020202020204" pitchFamily="34" charset="0"/>
+              </a:rPr>
               <a:t>ș</a:t>
             </a:r>
             <a:r>
-              <a:rPr dirty="0" err="1"/>
+              <a:rPr dirty="0" err="1">
+                <a:latin typeface="Arial" panose="020B0604020202020204" pitchFamily="34" charset="0"/>
+                <a:cs typeface="Arial" panose="020B0604020202020204" pitchFamily="34" charset="0"/>
+              </a:rPr>
               <a:t>i</a:t>
             </a:r>
             <a:r>
-              <a:rPr dirty="0"/>
+              <a:rPr dirty="0">
+                <a:latin typeface="Arial" panose="020B0604020202020204" pitchFamily="34" charset="0"/>
+                <a:cs typeface="Arial" panose="020B0604020202020204" pitchFamily="34" charset="0"/>
+              </a:rPr>
               <a:t> </a:t>
             </a:r>
             <a:r>
-              <a:rPr lang="ro-RO" dirty="0"/>
+              <a:rPr lang="ro-RO" dirty="0">
+                <a:latin typeface="Arial" panose="020B0604020202020204" pitchFamily="34" charset="0"/>
+                <a:cs typeface="Arial" panose="020B0604020202020204" pitchFamily="34" charset="0"/>
+              </a:rPr>
               <a:t>p</a:t>
             </a:r>
             <a:r>
-              <a:rPr dirty="0" err="1"/>
+              <a:rPr dirty="0" err="1">
+                <a:latin typeface="Arial" panose="020B0604020202020204" pitchFamily="34" charset="0"/>
+                <a:cs typeface="Arial" panose="020B0604020202020204" pitchFamily="34" charset="0"/>
+              </a:rPr>
               <a:t>roblema</a:t>
             </a:r>
-            <a:endParaRPr dirty="0"/>
+            <a:endParaRPr dirty="0">
+              <a:latin typeface="Arial" panose="020B0604020202020204" pitchFamily="34" charset="0"/>
+              <a:cs typeface="Arial" panose="020B0604020202020204" pitchFamily="34" charset="0"/>
+            </a:endParaRPr>
           </a:p>
         </p:txBody>
       </p:sp>
@@ -4220,8 +4323,8 @@
         </p:nvSpPr>
         <p:spPr>
           <a:xfrm>
-            <a:off x="1005840" y="1508760"/>
-            <a:ext cx="4572000" cy="400110"/>
+            <a:off x="1104453" y="1475125"/>
+            <a:ext cx="4937760" cy="461665"/>
           </a:xfrm>
           <a:prstGeom prst="rect">
             <a:avLst/>
@@ -4243,16 +4346,32 @@
               </a:defRPr>
             </a:pPr>
             <a:r>
-              <a:rPr lang="ro-RO" dirty="0"/>
-              <a:t>	</a:t>
-            </a:r>
-            <a:r>
-              <a:rPr dirty="0" err="1"/>
+              <a:rPr sz="2400" dirty="0" err="1">
+                <a:latin typeface="Arial" panose="020B0604020202020204" pitchFamily="34" charset="0"/>
+                <a:cs typeface="Arial" panose="020B0604020202020204" pitchFamily="34" charset="0"/>
+              </a:rPr>
               <a:t>Esportul</a:t>
             </a:r>
             <a:r>
-              <a:rPr dirty="0"/>
-              <a:t> League of Legends</a:t>
+              <a:rPr sz="2400" dirty="0">
+                <a:latin typeface="Arial" panose="020B0604020202020204" pitchFamily="34" charset="0"/>
+                <a:cs typeface="Arial" panose="020B0604020202020204" pitchFamily="34" charset="0"/>
+              </a:rPr>
+              <a:t> League of</a:t>
+            </a:r>
+            <a:r>
+              <a:rPr lang="ro-RO" sz="2400" dirty="0">
+                <a:latin typeface="Arial" panose="020B0604020202020204" pitchFamily="34" charset="0"/>
+                <a:cs typeface="Arial" panose="020B0604020202020204" pitchFamily="34" charset="0"/>
+              </a:rPr>
+              <a:t> </a:t>
+            </a:r>
+            <a:r>
+              <a:rPr sz="2400" dirty="0">
+                <a:latin typeface="Arial" panose="020B0604020202020204" pitchFamily="34" charset="0"/>
+                <a:cs typeface="Arial" panose="020B0604020202020204" pitchFamily="34" charset="0"/>
+              </a:rPr>
+              <a:t>Legends</a:t>
             </a:r>
           </a:p>
         </p:txBody>
@@ -4265,8 +4384,8 @@
         </p:nvSpPr>
         <p:spPr>
           <a:xfrm>
-            <a:off x="1005840" y="2011680"/>
-            <a:ext cx="4572000" cy="1384995"/>
+            <a:off x="883920" y="2169140"/>
+            <a:ext cx="4572000" cy="3354765"/>
           </a:xfrm>
           <a:prstGeom prst="rect">
             <a:avLst/>
@@ -4291,51 +4410,87 @@
               </a:defRPr>
             </a:pPr>
             <a:r>
-              <a:rPr lang="ro-RO" dirty="0"/>
+              <a:rPr lang="ro-RO" sz="2400" dirty="0">
+                <a:latin typeface="Arial" panose="020B0604020202020204" pitchFamily="34" charset="0"/>
+                <a:cs typeface="Arial" panose="020B0604020202020204" pitchFamily="34" charset="0"/>
+              </a:rPr>
               <a:t>5</a:t>
             </a:r>
             <a:r>
-              <a:rPr dirty="0"/>
+              <a:rPr sz="2400" dirty="0">
+                <a:latin typeface="Arial" panose="020B0604020202020204" pitchFamily="34" charset="0"/>
+                <a:cs typeface="Arial" panose="020B0604020202020204" pitchFamily="34" charset="0"/>
+              </a:rPr>
               <a:t> </a:t>
             </a:r>
             <a:r>
-              <a:rPr dirty="0" err="1"/>
+              <a:rPr sz="2400" dirty="0" err="1">
+                <a:latin typeface="Arial" panose="020B0604020202020204" pitchFamily="34" charset="0"/>
+                <a:cs typeface="Arial" panose="020B0604020202020204" pitchFamily="34" charset="0"/>
+              </a:rPr>
               <a:t>regiuni</a:t>
             </a:r>
             <a:r>
-              <a:rPr dirty="0"/>
+              <a:rPr sz="2400" dirty="0">
+                <a:latin typeface="Arial" panose="020B0604020202020204" pitchFamily="34" charset="0"/>
+                <a:cs typeface="Arial" panose="020B0604020202020204" pitchFamily="34" charset="0"/>
+              </a:rPr>
               <a:t> </a:t>
             </a:r>
             <a:r>
-              <a:rPr dirty="0" err="1"/>
+              <a:rPr sz="2400" dirty="0" err="1">
+                <a:latin typeface="Arial" panose="020B0604020202020204" pitchFamily="34" charset="0"/>
+                <a:cs typeface="Arial" panose="020B0604020202020204" pitchFamily="34" charset="0"/>
+              </a:rPr>
               <a:t>majore</a:t>
             </a:r>
             <a:r>
-              <a:rPr dirty="0"/>
+              <a:rPr sz="2400" dirty="0">
+                <a:latin typeface="Arial" panose="020B0604020202020204" pitchFamily="34" charset="0"/>
+                <a:cs typeface="Arial" panose="020B0604020202020204" pitchFamily="34" charset="0"/>
+              </a:rPr>
               <a:t>: </a:t>
             </a:r>
             <a:r>
-              <a:rPr dirty="0" err="1"/>
+              <a:rPr sz="2400" dirty="0" err="1">
+                <a:latin typeface="Arial" panose="020B0604020202020204" pitchFamily="34" charset="0"/>
+                <a:cs typeface="Arial" panose="020B0604020202020204" pitchFamily="34" charset="0"/>
+              </a:rPr>
               <a:t>LCK</a:t>
             </a:r>
             <a:r>
-              <a:rPr dirty="0"/>
+              <a:rPr sz="2400" dirty="0">
+                <a:latin typeface="Arial" panose="020B0604020202020204" pitchFamily="34" charset="0"/>
+                <a:cs typeface="Arial" panose="020B0604020202020204" pitchFamily="34" charset="0"/>
+              </a:rPr>
               <a:t>, </a:t>
             </a:r>
             <a:r>
-              <a:rPr dirty="0" err="1"/>
+              <a:rPr sz="2400" dirty="0" err="1">
+                <a:latin typeface="Arial" panose="020B0604020202020204" pitchFamily="34" charset="0"/>
+                <a:cs typeface="Arial" panose="020B0604020202020204" pitchFamily="34" charset="0"/>
+              </a:rPr>
               <a:t>LEC</a:t>
             </a:r>
             <a:r>
-              <a:rPr dirty="0"/>
+              <a:rPr sz="2400" dirty="0">
+                <a:latin typeface="Arial" panose="020B0604020202020204" pitchFamily="34" charset="0"/>
+                <a:cs typeface="Arial" panose="020B0604020202020204" pitchFamily="34" charset="0"/>
+              </a:rPr>
               <a:t>, LPL, LCS </a:t>
             </a:r>
             <a:r>
-              <a:rPr lang="ro-RO" dirty="0"/>
+              <a:rPr lang="ro-RO" sz="2400" dirty="0">
+                <a:latin typeface="Arial" panose="020B0604020202020204" pitchFamily="34" charset="0"/>
+                <a:cs typeface="Arial" panose="020B0604020202020204" pitchFamily="34" charset="0"/>
+              </a:rPr>
               <a:t>și</a:t>
             </a:r>
             <a:r>
-              <a:rPr dirty="0"/>
+              <a:rPr sz="2400" dirty="0">
+                <a:latin typeface="Arial" panose="020B0604020202020204" pitchFamily="34" charset="0"/>
+                <a:cs typeface="Arial" panose="020B0604020202020204" pitchFamily="34" charset="0"/>
+              </a:rPr>
               <a:t> APAC</a:t>
             </a:r>
           </a:p>
@@ -4352,27 +4507,45 @@
               </a:defRPr>
             </a:pPr>
             <a:r>
-              <a:rPr dirty="0" err="1"/>
+              <a:rPr sz="2400" dirty="0" err="1">
+                <a:latin typeface="Arial" panose="020B0604020202020204" pitchFamily="34" charset="0"/>
+                <a:cs typeface="Arial" panose="020B0604020202020204" pitchFamily="34" charset="0"/>
+              </a:rPr>
               <a:t>Milioane</a:t>
             </a:r>
             <a:r>
-              <a:rPr dirty="0"/>
+              <a:rPr sz="2400" dirty="0">
+                <a:latin typeface="Arial" panose="020B0604020202020204" pitchFamily="34" charset="0"/>
+                <a:cs typeface="Arial" panose="020B0604020202020204" pitchFamily="34" charset="0"/>
+              </a:rPr>
               <a:t> de </a:t>
             </a:r>
             <a:r>
-              <a:rPr dirty="0" err="1"/>
+              <a:rPr sz="2400" dirty="0" err="1">
+                <a:latin typeface="Arial" panose="020B0604020202020204" pitchFamily="34" charset="0"/>
+                <a:cs typeface="Arial" panose="020B0604020202020204" pitchFamily="34" charset="0"/>
+              </a:rPr>
               <a:t>spectatori</a:t>
             </a:r>
             <a:r>
-              <a:rPr dirty="0"/>
+              <a:rPr sz="2400" dirty="0">
+                <a:latin typeface="Arial" panose="020B0604020202020204" pitchFamily="34" charset="0"/>
+                <a:cs typeface="Arial" panose="020B0604020202020204" pitchFamily="34" charset="0"/>
+              </a:rPr>
               <a:t> la </a:t>
             </a:r>
             <a:r>
-              <a:rPr dirty="0" err="1"/>
+              <a:rPr sz="2400" dirty="0" err="1">
+                <a:latin typeface="Arial" panose="020B0604020202020204" pitchFamily="34" charset="0"/>
+                <a:cs typeface="Arial" panose="020B0604020202020204" pitchFamily="34" charset="0"/>
+              </a:rPr>
               <a:t>nivel</a:t>
             </a:r>
             <a:r>
-              <a:rPr dirty="0"/>
+              <a:rPr sz="2400" dirty="0">
+                <a:latin typeface="Arial" panose="020B0604020202020204" pitchFamily="34" charset="0"/>
+                <a:cs typeface="Arial" panose="020B0604020202020204" pitchFamily="34" charset="0"/>
+              </a:rPr>
               <a:t> global</a:t>
             </a:r>
           </a:p>
@@ -4389,42 +4562,72 @@
               </a:defRPr>
             </a:pPr>
             <a:r>
-              <a:rPr lang="ro-RO" dirty="0"/>
+              <a:rPr lang="ro-RO" sz="2400" dirty="0">
+                <a:latin typeface="Arial" panose="020B0604020202020204" pitchFamily="34" charset="0"/>
+                <a:cs typeface="Arial" panose="020B0604020202020204" pitchFamily="34" charset="0"/>
+              </a:rPr>
               <a:t>3</a:t>
             </a:r>
             <a:r>
-              <a:rPr dirty="0"/>
+              <a:rPr sz="2400" dirty="0">
+                <a:latin typeface="Arial" panose="020B0604020202020204" pitchFamily="34" charset="0"/>
+                <a:cs typeface="Arial" panose="020B0604020202020204" pitchFamily="34" charset="0"/>
+              </a:rPr>
               <a:t> split-</a:t>
             </a:r>
             <a:r>
-              <a:rPr dirty="0" err="1"/>
+              <a:rPr sz="2400" dirty="0" err="1">
+                <a:latin typeface="Arial" panose="020B0604020202020204" pitchFamily="34" charset="0"/>
+                <a:cs typeface="Arial" panose="020B0604020202020204" pitchFamily="34" charset="0"/>
+              </a:rPr>
               <a:t>uri</a:t>
             </a:r>
             <a:r>
-              <a:rPr lang="ro-RO" dirty="0"/>
+              <a:rPr lang="ro-RO" sz="2400" dirty="0">
+                <a:latin typeface="Arial" panose="020B0604020202020204" pitchFamily="34" charset="0"/>
+                <a:cs typeface="Arial" panose="020B0604020202020204" pitchFamily="34" charset="0"/>
+              </a:rPr>
               <a:t>(tururi)</a:t>
             </a:r>
             <a:r>
-              <a:rPr dirty="0"/>
+              <a:rPr sz="2400" dirty="0">
+                <a:latin typeface="Arial" panose="020B0604020202020204" pitchFamily="34" charset="0"/>
+                <a:cs typeface="Arial" panose="020B0604020202020204" pitchFamily="34" charset="0"/>
+              </a:rPr>
               <a:t>/an + </a:t>
             </a:r>
             <a:r>
-              <a:rPr lang="ro-RO" dirty="0"/>
+              <a:rPr lang="ro-RO" sz="2400" dirty="0">
+                <a:latin typeface="Arial" panose="020B0604020202020204" pitchFamily="34" charset="0"/>
+                <a:cs typeface="Arial" panose="020B0604020202020204" pitchFamily="34" charset="0"/>
+              </a:rPr>
               <a:t>3 </a:t>
             </a:r>
             <a:r>
-              <a:rPr dirty="0" err="1"/>
+              <a:rPr sz="2400" dirty="0" err="1">
+                <a:latin typeface="Arial" panose="020B0604020202020204" pitchFamily="34" charset="0"/>
+                <a:cs typeface="Arial" panose="020B0604020202020204" pitchFamily="34" charset="0"/>
+              </a:rPr>
               <a:t>turnee</a:t>
             </a:r>
             <a:r>
-              <a:rPr dirty="0"/>
+              <a:rPr sz="2400" dirty="0">
+                <a:latin typeface="Arial" panose="020B0604020202020204" pitchFamily="34" charset="0"/>
+                <a:cs typeface="Arial" panose="020B0604020202020204" pitchFamily="34" charset="0"/>
+              </a:rPr>
               <a:t> </a:t>
             </a:r>
             <a:r>
-              <a:rPr lang="ro-RO" dirty="0"/>
+              <a:rPr lang="ro-RO" sz="2400" dirty="0">
+                <a:latin typeface="Arial" panose="020B0604020202020204" pitchFamily="34" charset="0"/>
+                <a:cs typeface="Arial" panose="020B0604020202020204" pitchFamily="34" charset="0"/>
+              </a:rPr>
               <a:t>internaționale</a:t>
             </a:r>
-            <a:endParaRPr dirty="0"/>
+            <a:endParaRPr sz="2400" dirty="0">
+              <a:latin typeface="Arial" panose="020B0604020202020204" pitchFamily="34" charset="0"/>
+              <a:cs typeface="Arial" panose="020B0604020202020204" pitchFamily="34" charset="0"/>
+            </a:endParaRPr>
           </a:p>
           <a:p>
             <a:pPr>
@@ -4439,42 +4642,72 @@
               </a:defRPr>
             </a:pPr>
             <a:r>
-              <a:rPr dirty="0" err="1"/>
+              <a:rPr sz="2400" dirty="0" err="1">
+                <a:latin typeface="Arial" panose="020B0604020202020204" pitchFamily="34" charset="0"/>
+                <a:cs typeface="Arial" panose="020B0604020202020204" pitchFamily="34" charset="0"/>
+              </a:rPr>
               <a:t>Zeci</a:t>
             </a:r>
             <a:r>
-              <a:rPr dirty="0"/>
+              <a:rPr sz="2400" dirty="0">
+                <a:latin typeface="Arial" panose="020B0604020202020204" pitchFamily="34" charset="0"/>
+                <a:cs typeface="Arial" panose="020B0604020202020204" pitchFamily="34" charset="0"/>
+              </a:rPr>
               <a:t> de </a:t>
             </a:r>
             <a:r>
-              <a:rPr dirty="0" err="1"/>
+              <a:rPr sz="2400" dirty="0" err="1">
+                <a:latin typeface="Arial" panose="020B0604020202020204" pitchFamily="34" charset="0"/>
+                <a:cs typeface="Arial" panose="020B0604020202020204" pitchFamily="34" charset="0"/>
+              </a:rPr>
               <a:t>echipe</a:t>
             </a:r>
             <a:r>
-              <a:rPr dirty="0"/>
+              <a:rPr sz="2400" dirty="0">
+                <a:latin typeface="Arial" panose="020B0604020202020204" pitchFamily="34" charset="0"/>
+                <a:cs typeface="Arial" panose="020B0604020202020204" pitchFamily="34" charset="0"/>
+              </a:rPr>
               <a:t>, </a:t>
             </a:r>
             <a:r>
-              <a:rPr dirty="0" err="1"/>
+              <a:rPr sz="2400" dirty="0" err="1">
+                <a:latin typeface="Arial" panose="020B0604020202020204" pitchFamily="34" charset="0"/>
+                <a:cs typeface="Arial" panose="020B0604020202020204" pitchFamily="34" charset="0"/>
+              </a:rPr>
               <a:t>sute</a:t>
             </a:r>
             <a:r>
-              <a:rPr dirty="0"/>
+              <a:rPr sz="2400" dirty="0">
+                <a:latin typeface="Arial" panose="020B0604020202020204" pitchFamily="34" charset="0"/>
+                <a:cs typeface="Arial" panose="020B0604020202020204" pitchFamily="34" charset="0"/>
+              </a:rPr>
               <a:t> de </a:t>
             </a:r>
             <a:r>
-              <a:rPr dirty="0" err="1"/>
+              <a:rPr sz="2400" dirty="0" err="1">
+                <a:latin typeface="Arial" panose="020B0604020202020204" pitchFamily="34" charset="0"/>
+                <a:cs typeface="Arial" panose="020B0604020202020204" pitchFamily="34" charset="0"/>
+              </a:rPr>
               <a:t>jucatori</a:t>
             </a:r>
             <a:r>
-              <a:rPr dirty="0"/>
+              <a:rPr sz="2400" dirty="0">
+                <a:latin typeface="Arial" panose="020B0604020202020204" pitchFamily="34" charset="0"/>
+                <a:cs typeface="Arial" panose="020B0604020202020204" pitchFamily="34" charset="0"/>
+              </a:rPr>
               <a:t>, mii de </a:t>
             </a:r>
             <a:r>
-              <a:rPr dirty="0" err="1"/>
+              <a:rPr sz="2400" dirty="0" err="1">
+                <a:latin typeface="Arial" panose="020B0604020202020204" pitchFamily="34" charset="0"/>
+                <a:cs typeface="Arial" panose="020B0604020202020204" pitchFamily="34" charset="0"/>
+              </a:rPr>
               <a:t>meciuri</a:t>
             </a:r>
-            <a:endParaRPr dirty="0"/>
+            <a:endParaRPr sz="2400" dirty="0">
+              <a:latin typeface="Arial" panose="020B0604020202020204" pitchFamily="34" charset="0"/>
+              <a:cs typeface="Arial" panose="020B0604020202020204" pitchFamily="34" charset="0"/>
+            </a:endParaRPr>
           </a:p>
         </p:txBody>
       </p:sp>
@@ -4533,8 +4766,8 @@
         </p:nvSpPr>
         <p:spPr>
           <a:xfrm>
-            <a:off x="6583680" y="1508760"/>
-            <a:ext cx="4572000" cy="400110"/>
+            <a:off x="7019366" y="1460808"/>
+            <a:ext cx="4572000" cy="461665"/>
           </a:xfrm>
           <a:prstGeom prst="rect">
             <a:avLst/>
@@ -4557,21 +4790,40 @@
             </a:pPr>
             <a:r>
               <a:rPr lang="ro-RO" dirty="0"/>
-              <a:t>		</a:t>
-            </a:r>
-            <a:r>
-              <a:rPr dirty="0" err="1"/>
+              <a:t>	</a:t>
+            </a:r>
+            <a:r>
+              <a:rPr sz="2400" dirty="0" err="1">
+                <a:latin typeface="Arial" panose="020B0604020202020204" pitchFamily="34" charset="0"/>
+                <a:cs typeface="Arial" panose="020B0604020202020204" pitchFamily="34" charset="0"/>
+              </a:rPr>
               <a:t>Problema</a:t>
             </a:r>
             <a:r>
-              <a:rPr dirty="0"/>
+              <a:rPr sz="2400" dirty="0">
+                <a:latin typeface="Arial" panose="020B0604020202020204" pitchFamily="34" charset="0"/>
+                <a:cs typeface="Arial" panose="020B0604020202020204" pitchFamily="34" charset="0"/>
+              </a:rPr>
               <a:t> </a:t>
             </a:r>
             <a:r>
-              <a:rPr dirty="0" err="1"/>
-              <a:t>identificata</a:t>
-            </a:r>
-            <a:endParaRPr dirty="0"/>
+              <a:rPr sz="2400" dirty="0" err="1">
+                <a:latin typeface="Arial" panose="020B0604020202020204" pitchFamily="34" charset="0"/>
+                <a:cs typeface="Arial" panose="020B0604020202020204" pitchFamily="34" charset="0"/>
+              </a:rPr>
+              <a:t>identificat</a:t>
+            </a:r>
+            <a:r>
+              <a:rPr lang="ro-RO" sz="2400" dirty="0">
+                <a:latin typeface="Arial" panose="020B0604020202020204" pitchFamily="34" charset="0"/>
+                <a:cs typeface="Arial" panose="020B0604020202020204" pitchFamily="34" charset="0"/>
+              </a:rPr>
+              <a:t>ă</a:t>
+            </a:r>
+            <a:endParaRPr sz="2400" dirty="0">
+              <a:latin typeface="Arial" panose="020B0604020202020204" pitchFamily="34" charset="0"/>
+              <a:cs typeface="Arial" panose="020B0604020202020204" pitchFamily="34" charset="0"/>
+            </a:endParaRPr>
           </a:p>
         </p:txBody>
       </p:sp>
@@ -4584,7 +4836,7 @@
         <p:spPr>
           <a:xfrm>
             <a:off x="6583680" y="2011680"/>
-            <a:ext cx="4572000" cy="1877437"/>
+            <a:ext cx="4572000" cy="4093428"/>
           </a:xfrm>
           <a:prstGeom prst="rect">
             <a:avLst/>
@@ -4609,14 +4861,23 @@
               </a:defRPr>
             </a:pPr>
             <a:r>
-              <a:rPr dirty="0"/>
+              <a:rPr sz="2400" dirty="0">
+                <a:latin typeface="Arial" panose="020B0604020202020204" pitchFamily="34" charset="0"/>
+                <a:cs typeface="Arial" panose="020B0604020202020204" pitchFamily="34" charset="0"/>
+              </a:rPr>
               <a:t>Date fragmentate pe multiple </a:t>
             </a:r>
             <a:r>
-              <a:rPr dirty="0" err="1"/>
+              <a:rPr sz="2400" dirty="0" err="1">
+                <a:latin typeface="Arial" panose="020B0604020202020204" pitchFamily="34" charset="0"/>
+                <a:cs typeface="Arial" panose="020B0604020202020204" pitchFamily="34" charset="0"/>
+              </a:rPr>
               <a:t>platforme</a:t>
             </a:r>
-            <a:endParaRPr dirty="0"/>
+            <a:endParaRPr sz="2400" dirty="0">
+              <a:latin typeface="Arial" panose="020B0604020202020204" pitchFamily="34" charset="0"/>
+              <a:cs typeface="Arial" panose="020B0604020202020204" pitchFamily="34" charset="0"/>
+            </a:endParaRPr>
           </a:p>
           <a:p>
             <a:pPr>
@@ -4631,42 +4892,72 @@
               </a:defRPr>
             </a:pPr>
             <a:r>
-              <a:rPr dirty="0" err="1"/>
+              <a:rPr sz="2400" dirty="0" err="1">
+                <a:latin typeface="Arial" panose="020B0604020202020204" pitchFamily="34" charset="0"/>
+                <a:cs typeface="Arial" panose="020B0604020202020204" pitchFamily="34" charset="0"/>
+              </a:rPr>
               <a:t>lolesports.com</a:t>
             </a:r>
             <a:r>
-              <a:rPr dirty="0"/>
+              <a:rPr sz="2400" dirty="0">
+                <a:latin typeface="Arial" panose="020B0604020202020204" pitchFamily="34" charset="0"/>
+                <a:cs typeface="Arial" panose="020B0604020202020204" pitchFamily="34" charset="0"/>
+              </a:rPr>
               <a:t>, </a:t>
             </a:r>
             <a:r>
-              <a:rPr dirty="0" err="1"/>
+              <a:rPr sz="2400" dirty="0" err="1">
+                <a:latin typeface="Arial" panose="020B0604020202020204" pitchFamily="34" charset="0"/>
+                <a:cs typeface="Arial" panose="020B0604020202020204" pitchFamily="34" charset="0"/>
+              </a:rPr>
               <a:t>Liquipedia</a:t>
             </a:r>
             <a:r>
-              <a:rPr dirty="0"/>
+              <a:rPr sz="2400" dirty="0">
+                <a:latin typeface="Arial" panose="020B0604020202020204" pitchFamily="34" charset="0"/>
+                <a:cs typeface="Arial" panose="020B0604020202020204" pitchFamily="34" charset="0"/>
+              </a:rPr>
               <a:t>, YouTube, site-</a:t>
             </a:r>
             <a:r>
-              <a:rPr dirty="0" err="1"/>
+              <a:rPr sz="2400" dirty="0" err="1">
+                <a:latin typeface="Arial" panose="020B0604020202020204" pitchFamily="34" charset="0"/>
+                <a:cs typeface="Arial" panose="020B0604020202020204" pitchFamily="34" charset="0"/>
+              </a:rPr>
               <a:t>uri</a:t>
             </a:r>
             <a:r>
-              <a:rPr lang="ro-RO" dirty="0"/>
+              <a:rPr lang="ro-RO" sz="2400" dirty="0">
+                <a:latin typeface="Arial" panose="020B0604020202020204" pitchFamily="34" charset="0"/>
+                <a:cs typeface="Arial" panose="020B0604020202020204" pitchFamily="34" charset="0"/>
+              </a:rPr>
               <a:t> de</a:t>
             </a:r>
             <a:r>
-              <a:rPr dirty="0"/>
+              <a:rPr sz="2400" dirty="0">
+                <a:latin typeface="Arial" panose="020B0604020202020204" pitchFamily="34" charset="0"/>
+                <a:cs typeface="Arial" panose="020B0604020202020204" pitchFamily="34" charset="0"/>
+              </a:rPr>
               <a:t> </a:t>
             </a:r>
             <a:r>
-              <a:rPr dirty="0" err="1"/>
+              <a:rPr sz="2400" dirty="0" err="1">
+                <a:latin typeface="Arial" panose="020B0604020202020204" pitchFamily="34" charset="0"/>
+                <a:cs typeface="Arial" panose="020B0604020202020204" pitchFamily="34" charset="0"/>
+              </a:rPr>
               <a:t>statistici</a:t>
             </a:r>
             <a:r>
-              <a:rPr lang="ro-RO" dirty="0"/>
+              <a:rPr lang="ro-RO" sz="2400" dirty="0">
+                <a:latin typeface="Arial" panose="020B0604020202020204" pitchFamily="34" charset="0"/>
+                <a:cs typeface="Arial" panose="020B0604020202020204" pitchFamily="34" charset="0"/>
+              </a:rPr>
               <a:t>(gol.gg)</a:t>
             </a:r>
-            <a:endParaRPr dirty="0"/>
+            <a:endParaRPr sz="2400" dirty="0">
+              <a:latin typeface="Arial" panose="020B0604020202020204" pitchFamily="34" charset="0"/>
+              <a:cs typeface="Arial" panose="020B0604020202020204" pitchFamily="34" charset="0"/>
+            </a:endParaRPr>
           </a:p>
           <a:p>
             <a:pPr>
@@ -4681,38 +4972,65 @@
               </a:defRPr>
             </a:pPr>
             <a:r>
-              <a:rPr dirty="0" err="1"/>
+              <a:rPr sz="2400" dirty="0" err="1">
+                <a:latin typeface="Arial" panose="020B0604020202020204" pitchFamily="34" charset="0"/>
+                <a:cs typeface="Arial" panose="020B0604020202020204" pitchFamily="34" charset="0"/>
+              </a:rPr>
               <a:t>Nicio</a:t>
             </a:r>
             <a:r>
-              <a:rPr dirty="0"/>
+              <a:rPr sz="2400" dirty="0">
+                <a:latin typeface="Arial" panose="020B0604020202020204" pitchFamily="34" charset="0"/>
+                <a:cs typeface="Arial" panose="020B0604020202020204" pitchFamily="34" charset="0"/>
+              </a:rPr>
               <a:t> platform</a:t>
             </a:r>
             <a:r>
-              <a:rPr lang="ro-RO" dirty="0"/>
+              <a:rPr lang="ro-RO" sz="2400" dirty="0">
+                <a:latin typeface="Arial" panose="020B0604020202020204" pitchFamily="34" charset="0"/>
+                <a:cs typeface="Arial" panose="020B0604020202020204" pitchFamily="34" charset="0"/>
+              </a:rPr>
               <a:t>ă</a:t>
             </a:r>
             <a:r>
-              <a:rPr dirty="0"/>
+              <a:rPr sz="2400" dirty="0">
+                <a:latin typeface="Arial" panose="020B0604020202020204" pitchFamily="34" charset="0"/>
+                <a:cs typeface="Arial" panose="020B0604020202020204" pitchFamily="34" charset="0"/>
+              </a:rPr>
               <a:t> </a:t>
             </a:r>
             <a:r>
-              <a:rPr dirty="0" err="1"/>
+              <a:rPr sz="2400" dirty="0" err="1">
+                <a:latin typeface="Arial" panose="020B0604020202020204" pitchFamily="34" charset="0"/>
+                <a:cs typeface="Arial" panose="020B0604020202020204" pitchFamily="34" charset="0"/>
+              </a:rPr>
               <a:t>centralizat</a:t>
             </a:r>
             <a:r>
-              <a:rPr lang="ro-RO" dirty="0"/>
+              <a:rPr lang="ro-RO" sz="2400" dirty="0">
+                <a:latin typeface="Arial" panose="020B0604020202020204" pitchFamily="34" charset="0"/>
+                <a:cs typeface="Arial" panose="020B0604020202020204" pitchFamily="34" charset="0"/>
+              </a:rPr>
               <a:t>ă</a:t>
             </a:r>
             <a:r>
-              <a:rPr dirty="0"/>
+              <a:rPr sz="2400" dirty="0">
+                <a:latin typeface="Arial" panose="020B0604020202020204" pitchFamily="34" charset="0"/>
+                <a:cs typeface="Arial" panose="020B0604020202020204" pitchFamily="34" charset="0"/>
+              </a:rPr>
               <a:t> cu date </a:t>
             </a:r>
             <a:r>
-              <a:rPr dirty="0" err="1"/>
+              <a:rPr sz="2400" dirty="0" err="1">
+                <a:latin typeface="Arial" panose="020B0604020202020204" pitchFamily="34" charset="0"/>
+                <a:cs typeface="Arial" panose="020B0604020202020204" pitchFamily="34" charset="0"/>
+              </a:rPr>
               <a:t>actualizate</a:t>
             </a:r>
-            <a:endParaRPr dirty="0"/>
+            <a:endParaRPr sz="2400" dirty="0">
+              <a:latin typeface="Arial" panose="020B0604020202020204" pitchFamily="34" charset="0"/>
+              <a:cs typeface="Arial" panose="020B0604020202020204" pitchFamily="34" charset="0"/>
+            </a:endParaRPr>
           </a:p>
           <a:p>
             <a:pPr>
@@ -4727,59 +5045,101 @@
               </a:defRPr>
             </a:pPr>
             <a:r>
-              <a:rPr dirty="0" err="1"/>
+              <a:rPr sz="2400" dirty="0" err="1">
+                <a:latin typeface="Arial" panose="020B0604020202020204" pitchFamily="34" charset="0"/>
+                <a:cs typeface="Arial" panose="020B0604020202020204" pitchFamily="34" charset="0"/>
+              </a:rPr>
               <a:t>Lipsesc</a:t>
             </a:r>
             <a:r>
-              <a:rPr dirty="0"/>
+              <a:rPr sz="2400" dirty="0">
+                <a:latin typeface="Arial" panose="020B0604020202020204" pitchFamily="34" charset="0"/>
+                <a:cs typeface="Arial" panose="020B0604020202020204" pitchFamily="34" charset="0"/>
+              </a:rPr>
               <a:t> </a:t>
             </a:r>
             <a:r>
-              <a:rPr dirty="0" err="1"/>
+              <a:rPr sz="2400" dirty="0" err="1">
+                <a:latin typeface="Arial" panose="020B0604020202020204" pitchFamily="34" charset="0"/>
+                <a:cs typeface="Arial" panose="020B0604020202020204" pitchFamily="34" charset="0"/>
+              </a:rPr>
               <a:t>func</a:t>
             </a:r>
             <a:r>
-              <a:rPr lang="ro-RO" dirty="0"/>
+              <a:rPr lang="ro-RO" sz="2400" dirty="0">
+                <a:latin typeface="Arial" panose="020B0604020202020204" pitchFamily="34" charset="0"/>
+                <a:cs typeface="Arial" panose="020B0604020202020204" pitchFamily="34" charset="0"/>
+              </a:rPr>
               <a:t>ț</a:t>
             </a:r>
             <a:r>
-              <a:rPr dirty="0" err="1"/>
+              <a:rPr sz="2400" dirty="0" err="1">
+                <a:latin typeface="Arial" panose="020B0604020202020204" pitchFamily="34" charset="0"/>
+                <a:cs typeface="Arial" panose="020B0604020202020204" pitchFamily="34" charset="0"/>
+              </a:rPr>
               <a:t>ionalit</a:t>
             </a:r>
             <a:r>
-              <a:rPr lang="ro-RO" dirty="0"/>
+              <a:rPr lang="ro-RO" sz="2400" dirty="0">
+                <a:latin typeface="Arial" panose="020B0604020202020204" pitchFamily="34" charset="0"/>
+                <a:cs typeface="Arial" panose="020B0604020202020204" pitchFamily="34" charset="0"/>
+              </a:rPr>
               <a:t>ăț</a:t>
             </a:r>
             <a:r>
-              <a:rPr dirty="0" err="1"/>
+              <a:rPr sz="2400" dirty="0" err="1">
+                <a:latin typeface="Arial" panose="020B0604020202020204" pitchFamily="34" charset="0"/>
+                <a:cs typeface="Arial" panose="020B0604020202020204" pitchFamily="34" charset="0"/>
+              </a:rPr>
               <a:t>ile</a:t>
             </a:r>
             <a:r>
-              <a:rPr dirty="0"/>
+              <a:rPr sz="2400" dirty="0">
+                <a:latin typeface="Arial" panose="020B0604020202020204" pitchFamily="34" charset="0"/>
+                <a:cs typeface="Arial" panose="020B0604020202020204" pitchFamily="34" charset="0"/>
+              </a:rPr>
               <a:t> </a:t>
             </a:r>
             <a:r>
-              <a:rPr dirty="0" err="1"/>
+              <a:rPr sz="2400" dirty="0" err="1">
+                <a:latin typeface="Arial" panose="020B0604020202020204" pitchFamily="34" charset="0"/>
+                <a:cs typeface="Arial" panose="020B0604020202020204" pitchFamily="34" charset="0"/>
+              </a:rPr>
               <a:t>personalizate</a:t>
             </a:r>
             <a:r>
-              <a:rPr dirty="0"/>
+              <a:rPr sz="2400" dirty="0">
+                <a:latin typeface="Arial" panose="020B0604020202020204" pitchFamily="34" charset="0"/>
+                <a:cs typeface="Arial" panose="020B0604020202020204" pitchFamily="34" charset="0"/>
+              </a:rPr>
               <a:t> (favorite, </a:t>
             </a:r>
             <a:r>
-              <a:rPr dirty="0" err="1"/>
+              <a:rPr sz="2400" dirty="0" err="1">
+                <a:latin typeface="Arial" panose="020B0604020202020204" pitchFamily="34" charset="0"/>
+                <a:cs typeface="Arial" panose="020B0604020202020204" pitchFamily="34" charset="0"/>
+              </a:rPr>
               <a:t>notific</a:t>
             </a:r>
             <a:r>
-              <a:rPr lang="ro-RO" dirty="0"/>
+              <a:rPr lang="ro-RO" sz="2400" dirty="0">
+                <a:latin typeface="Arial" panose="020B0604020202020204" pitchFamily="34" charset="0"/>
+                <a:cs typeface="Arial" panose="020B0604020202020204" pitchFamily="34" charset="0"/>
+              </a:rPr>
               <a:t>ă</a:t>
             </a:r>
             <a:r>
-              <a:rPr dirty="0" err="1"/>
+              <a:rPr sz="2400" dirty="0" err="1">
+                <a:latin typeface="Arial" panose="020B0604020202020204" pitchFamily="34" charset="0"/>
+                <a:cs typeface="Arial" panose="020B0604020202020204" pitchFamily="34" charset="0"/>
+              </a:rPr>
               <a:t>ri</a:t>
             </a:r>
             <a:r>
-              <a:rPr dirty="0"/>
+              <a:rPr sz="2400" dirty="0">
+                <a:latin typeface="Arial" panose="020B0604020202020204" pitchFamily="34" charset="0"/>
+                <a:cs typeface="Arial" panose="020B0604020202020204" pitchFamily="34" charset="0"/>
+              </a:rPr>
               <a:t>)</a:t>
             </a:r>
           </a:p>
@@ -4894,22 +5254,37 @@
               </a:defRPr>
             </a:pPr>
             <a:r>
-              <a:rPr dirty="0" err="1"/>
+              <a:rPr dirty="0" err="1">
+                <a:latin typeface="Arial" panose="020B0604020202020204" pitchFamily="34" charset="0"/>
+                <a:cs typeface="Arial" panose="020B0604020202020204" pitchFamily="34" charset="0"/>
+              </a:rPr>
               <a:t>Obiectivele</a:t>
             </a:r>
             <a:r>
-              <a:rPr dirty="0"/>
+              <a:rPr dirty="0">
+                <a:latin typeface="Arial" panose="020B0604020202020204" pitchFamily="34" charset="0"/>
+                <a:cs typeface="Arial" panose="020B0604020202020204" pitchFamily="34" charset="0"/>
+              </a:rPr>
               <a:t> </a:t>
             </a:r>
             <a:r>
-              <a:rPr lang="ro-RO" dirty="0"/>
+              <a:rPr lang="ro-RO" dirty="0">
+                <a:latin typeface="Arial" panose="020B0604020202020204" pitchFamily="34" charset="0"/>
+                <a:cs typeface="Arial" panose="020B0604020202020204" pitchFamily="34" charset="0"/>
+              </a:rPr>
               <a:t>p</a:t>
             </a:r>
             <a:r>
-              <a:rPr dirty="0" err="1"/>
+              <a:rPr dirty="0" err="1">
+                <a:latin typeface="Arial" panose="020B0604020202020204" pitchFamily="34" charset="0"/>
+                <a:cs typeface="Arial" panose="020B0604020202020204" pitchFamily="34" charset="0"/>
+              </a:rPr>
               <a:t>roiectului</a:t>
             </a:r>
-            <a:endParaRPr dirty="0"/>
+            <a:endParaRPr dirty="0">
+              <a:latin typeface="Arial" panose="020B0604020202020204" pitchFamily="34" charset="0"/>
+              <a:cs typeface="Arial" panose="020B0604020202020204" pitchFamily="34" charset="0"/>
+            </a:endParaRPr>
           </a:p>
         </p:txBody>
       </p:sp>
@@ -5094,8 +5469,8 @@
         </p:nvSpPr>
         <p:spPr>
           <a:xfrm>
-            <a:off x="746607" y="2560320"/>
-            <a:ext cx="1737360" cy="731520"/>
+            <a:off x="609447" y="2336561"/>
+            <a:ext cx="2011680" cy="954107"/>
           </a:xfrm>
           <a:prstGeom prst="rect">
             <a:avLst/>
@@ -5117,8 +5492,30 @@
               </a:defRPr>
             </a:pPr>
             <a:r>
-              <a:t>Agregarea datelor</a:t>
-            </a:r>
+              <a:rPr sz="2800" dirty="0" err="1">
+                <a:latin typeface="Arial" panose="020B0604020202020204" pitchFamily="34" charset="0"/>
+                <a:cs typeface="Arial" panose="020B0604020202020204" pitchFamily="34" charset="0"/>
+              </a:rPr>
+              <a:t>Agregarea</a:t>
+            </a:r>
+            <a:r>
+              <a:rPr sz="2800" dirty="0">
+                <a:latin typeface="Arial" panose="020B0604020202020204" pitchFamily="34" charset="0"/>
+                <a:cs typeface="Arial" panose="020B0604020202020204" pitchFamily="34" charset="0"/>
+              </a:rPr>
+              <a:t> </a:t>
+            </a:r>
+            <a:r>
+              <a:rPr sz="2800" dirty="0" err="1">
+                <a:latin typeface="Arial" panose="020B0604020202020204" pitchFamily="34" charset="0"/>
+                <a:cs typeface="Arial" panose="020B0604020202020204" pitchFamily="34" charset="0"/>
+              </a:rPr>
+              <a:t>datelor</a:t>
+            </a:r>
+            <a:endParaRPr sz="2800" dirty="0">
+              <a:latin typeface="Arial" panose="020B0604020202020204" pitchFamily="34" charset="0"/>
+              <a:cs typeface="Arial" panose="020B0604020202020204" pitchFamily="34" charset="0"/>
+            </a:endParaRPr>
           </a:p>
         </p:txBody>
       </p:sp>
@@ -5131,7 +5528,7 @@
         <p:spPr>
           <a:xfrm>
             <a:off x="746607" y="3291840"/>
-            <a:ext cx="1737360" cy="892552"/>
+            <a:ext cx="1737360" cy="1938992"/>
           </a:xfrm>
           <a:prstGeom prst="rect">
             <a:avLst/>
@@ -5153,69 +5550,120 @@
               </a:defRPr>
             </a:pPr>
             <a:r>
-              <a:rPr dirty="0" err="1"/>
+              <a:rPr sz="2000" dirty="0" err="1">
+                <a:latin typeface="Arial" panose="020B0604020202020204" pitchFamily="34" charset="0"/>
+                <a:cs typeface="Arial" panose="020B0604020202020204" pitchFamily="34" charset="0"/>
+              </a:rPr>
               <a:t>Echipe</a:t>
             </a:r>
             <a:r>
-              <a:rPr dirty="0"/>
+              <a:rPr sz="2000" dirty="0">
+                <a:latin typeface="Arial" panose="020B0604020202020204" pitchFamily="34" charset="0"/>
+                <a:cs typeface="Arial" panose="020B0604020202020204" pitchFamily="34" charset="0"/>
+              </a:rPr>
               <a:t>, </a:t>
             </a:r>
             <a:r>
-              <a:rPr dirty="0" err="1"/>
+              <a:rPr sz="2000" dirty="0" err="1">
+                <a:latin typeface="Arial" panose="020B0604020202020204" pitchFamily="34" charset="0"/>
+                <a:cs typeface="Arial" panose="020B0604020202020204" pitchFamily="34" charset="0"/>
+              </a:rPr>
               <a:t>juc</a:t>
             </a:r>
             <a:r>
-              <a:rPr lang="ro-RO" dirty="0"/>
+              <a:rPr lang="ro-RO" sz="2000" dirty="0">
+                <a:latin typeface="Arial" panose="020B0604020202020204" pitchFamily="34" charset="0"/>
+                <a:cs typeface="Arial" panose="020B0604020202020204" pitchFamily="34" charset="0"/>
+              </a:rPr>
               <a:t>ă</a:t>
             </a:r>
             <a:r>
-              <a:rPr dirty="0"/>
+              <a:rPr sz="2000" dirty="0">
+                <a:latin typeface="Arial" panose="020B0604020202020204" pitchFamily="34" charset="0"/>
+                <a:cs typeface="Arial" panose="020B0604020202020204" pitchFamily="34" charset="0"/>
+              </a:rPr>
               <a:t>tori, </a:t>
             </a:r>
             <a:r>
-              <a:rPr dirty="0" err="1"/>
+              <a:rPr sz="2000" dirty="0" err="1">
+                <a:latin typeface="Arial" panose="020B0604020202020204" pitchFamily="34" charset="0"/>
+                <a:cs typeface="Arial" panose="020B0604020202020204" pitchFamily="34" charset="0"/>
+              </a:rPr>
               <a:t>turnee</a:t>
             </a:r>
             <a:r>
-              <a:rPr dirty="0"/>
+              <a:rPr sz="2000" dirty="0">
+                <a:latin typeface="Arial" panose="020B0604020202020204" pitchFamily="34" charset="0"/>
+                <a:cs typeface="Arial" panose="020B0604020202020204" pitchFamily="34" charset="0"/>
+              </a:rPr>
               <a:t>, </a:t>
             </a:r>
             <a:r>
-              <a:rPr dirty="0" err="1"/>
+              <a:rPr sz="2000" dirty="0" err="1">
+                <a:latin typeface="Arial" panose="020B0604020202020204" pitchFamily="34" charset="0"/>
+                <a:cs typeface="Arial" panose="020B0604020202020204" pitchFamily="34" charset="0"/>
+              </a:rPr>
               <a:t>meciuri</a:t>
             </a:r>
             <a:br>
-              <a:rPr dirty="0"/>
+              <a:rPr sz="2000" dirty="0">
+                <a:latin typeface="Arial" panose="020B0604020202020204" pitchFamily="34" charset="0"/>
+                <a:cs typeface="Arial" panose="020B0604020202020204" pitchFamily="34" charset="0"/>
+              </a:rPr>
             </a:br>
             <a:r>
-              <a:rPr dirty="0"/>
+              <a:rPr sz="2000" dirty="0">
+                <a:latin typeface="Arial" panose="020B0604020202020204" pitchFamily="34" charset="0"/>
+                <a:cs typeface="Arial" panose="020B0604020202020204" pitchFamily="34" charset="0"/>
+              </a:rPr>
               <a:t>cu </a:t>
             </a:r>
             <a:r>
-              <a:rPr dirty="0" err="1"/>
+              <a:rPr sz="2000" dirty="0" err="1">
+                <a:latin typeface="Arial" panose="020B0604020202020204" pitchFamily="34" charset="0"/>
+                <a:cs typeface="Arial" panose="020B0604020202020204" pitchFamily="34" charset="0"/>
+              </a:rPr>
               <a:t>statistici</a:t>
             </a:r>
             <a:r>
-              <a:rPr dirty="0"/>
+              <a:rPr sz="2000" dirty="0">
+                <a:latin typeface="Arial" panose="020B0604020202020204" pitchFamily="34" charset="0"/>
+                <a:cs typeface="Arial" panose="020B0604020202020204" pitchFamily="34" charset="0"/>
+              </a:rPr>
               <a:t> </a:t>
             </a:r>
             <a:r>
-              <a:rPr lang="ro-RO" dirty="0"/>
+              <a:rPr lang="ro-RO" sz="2000" dirty="0">
+                <a:latin typeface="Arial" panose="020B0604020202020204" pitchFamily="34" charset="0"/>
+                <a:cs typeface="Arial" panose="020B0604020202020204" pitchFamily="34" charset="0"/>
+              </a:rPr>
               <a:t>ș</a:t>
             </a:r>
             <a:r>
-              <a:rPr dirty="0" err="1"/>
+              <a:rPr sz="2000" dirty="0" err="1">
+                <a:latin typeface="Arial" panose="020B0604020202020204" pitchFamily="34" charset="0"/>
+                <a:cs typeface="Arial" panose="020B0604020202020204" pitchFamily="34" charset="0"/>
+              </a:rPr>
               <a:t>i</a:t>
             </a:r>
             <a:r>
-              <a:rPr dirty="0"/>
+              <a:rPr sz="2000" dirty="0">
+                <a:latin typeface="Arial" panose="020B0604020202020204" pitchFamily="34" charset="0"/>
+                <a:cs typeface="Arial" panose="020B0604020202020204" pitchFamily="34" charset="0"/>
+              </a:rPr>
               <a:t> </a:t>
             </a:r>
             <a:r>
-              <a:rPr dirty="0" err="1"/>
+              <a:rPr sz="2000" dirty="0" err="1">
+                <a:latin typeface="Arial" panose="020B0604020202020204" pitchFamily="34" charset="0"/>
+                <a:cs typeface="Arial" panose="020B0604020202020204" pitchFamily="34" charset="0"/>
+              </a:rPr>
               <a:t>clasamente</a:t>
             </a:r>
-            <a:endParaRPr dirty="0"/>
+            <a:endParaRPr sz="2000" dirty="0">
+              <a:latin typeface="Arial" panose="020B0604020202020204" pitchFamily="34" charset="0"/>
+              <a:cs typeface="Arial" panose="020B0604020202020204" pitchFamily="34" charset="0"/>
+            </a:endParaRPr>
           </a:p>
         </p:txBody>
       </p:sp>
@@ -5355,8 +5803,8 @@
         </p:nvSpPr>
         <p:spPr>
           <a:xfrm>
-            <a:off x="2986887" y="2560320"/>
-            <a:ext cx="1737360" cy="615553"/>
+            <a:off x="2918307" y="2394614"/>
+            <a:ext cx="1874520" cy="830997"/>
           </a:xfrm>
           <a:prstGeom prst="rect">
             <a:avLst/>
@@ -5378,18 +5826,30 @@
               </a:defRPr>
             </a:pPr>
             <a:r>
-              <a:rPr dirty="0" err="1"/>
+              <a:rPr sz="2400" dirty="0" err="1">
+                <a:latin typeface="Arial" panose="020B0604020202020204" pitchFamily="34" charset="0"/>
+                <a:cs typeface="Arial" panose="020B0604020202020204" pitchFamily="34" charset="0"/>
+              </a:rPr>
               <a:t>Actualizare</a:t>
             </a:r>
             <a:r>
-              <a:rPr dirty="0"/>
+              <a:rPr sz="2400" dirty="0">
+                <a:latin typeface="Arial" panose="020B0604020202020204" pitchFamily="34" charset="0"/>
+                <a:cs typeface="Arial" panose="020B0604020202020204" pitchFamily="34" charset="0"/>
+              </a:rPr>
               <a:t> automat</a:t>
             </a:r>
             <a:r>
-              <a:rPr lang="ro-RO" dirty="0"/>
+              <a:rPr lang="ro-RO" sz="2400" dirty="0">
+                <a:latin typeface="Arial" panose="020B0604020202020204" pitchFamily="34" charset="0"/>
+                <a:cs typeface="Arial" panose="020B0604020202020204" pitchFamily="34" charset="0"/>
+              </a:rPr>
               <a:t>ă</a:t>
             </a:r>
-            <a:endParaRPr dirty="0"/>
+            <a:endParaRPr sz="2400" dirty="0">
+              <a:latin typeface="Arial" panose="020B0604020202020204" pitchFamily="34" charset="0"/>
+              <a:cs typeface="Arial" panose="020B0604020202020204" pitchFamily="34" charset="0"/>
+            </a:endParaRPr>
           </a:p>
         </p:txBody>
       </p:sp>
@@ -5402,7 +5862,7 @@
         <p:spPr>
           <a:xfrm>
             <a:off x="2986887" y="3291840"/>
-            <a:ext cx="1737360" cy="892552"/>
+            <a:ext cx="1737360" cy="1938992"/>
           </a:xfrm>
           <a:prstGeom prst="rect">
             <a:avLst/>
@@ -5424,38 +5884,65 @@
               </a:defRPr>
             </a:pPr>
             <a:r>
-              <a:rPr dirty="0"/>
+              <a:rPr sz="2000" dirty="0">
+                <a:latin typeface="Arial" panose="020B0604020202020204" pitchFamily="34" charset="0"/>
+                <a:cs typeface="Arial" panose="020B0604020202020204" pitchFamily="34" charset="0"/>
+              </a:rPr>
               <a:t>Pipeline care </a:t>
             </a:r>
             <a:r>
-              <a:rPr dirty="0" err="1"/>
+              <a:rPr sz="2000" dirty="0" err="1">
+                <a:latin typeface="Arial" panose="020B0604020202020204" pitchFamily="34" charset="0"/>
+                <a:cs typeface="Arial" panose="020B0604020202020204" pitchFamily="34" charset="0"/>
+              </a:rPr>
               <a:t>interogheaz</a:t>
             </a:r>
             <a:r>
-              <a:rPr lang="ro-RO" dirty="0"/>
+              <a:rPr lang="ro-RO" sz="2000" dirty="0">
+                <a:latin typeface="Arial" panose="020B0604020202020204" pitchFamily="34" charset="0"/>
+                <a:cs typeface="Arial" panose="020B0604020202020204" pitchFamily="34" charset="0"/>
+              </a:rPr>
               <a:t>ă</a:t>
             </a:r>
             <a:r>
-              <a:rPr dirty="0"/>
+              <a:rPr sz="2000" dirty="0">
+                <a:latin typeface="Arial" panose="020B0604020202020204" pitchFamily="34" charset="0"/>
+                <a:cs typeface="Arial" panose="020B0604020202020204" pitchFamily="34" charset="0"/>
+              </a:rPr>
               <a:t> API-ul</a:t>
             </a:r>
             <a:br>
-              <a:rPr dirty="0"/>
+              <a:rPr sz="2000" dirty="0">
+                <a:latin typeface="Arial" panose="020B0604020202020204" pitchFamily="34" charset="0"/>
+                <a:cs typeface="Arial" panose="020B0604020202020204" pitchFamily="34" charset="0"/>
+              </a:rPr>
             </a:br>
             <a:r>
-              <a:rPr dirty="0" err="1"/>
+              <a:rPr sz="2000" dirty="0" err="1">
+                <a:latin typeface="Arial" panose="020B0604020202020204" pitchFamily="34" charset="0"/>
+                <a:cs typeface="Arial" panose="020B0604020202020204" pitchFamily="34" charset="0"/>
+              </a:rPr>
               <a:t>LoL</a:t>
             </a:r>
             <a:r>
-              <a:rPr dirty="0"/>
+              <a:rPr sz="2000" dirty="0">
+                <a:latin typeface="Arial" panose="020B0604020202020204" pitchFamily="34" charset="0"/>
+                <a:cs typeface="Arial" panose="020B0604020202020204" pitchFamily="34" charset="0"/>
+              </a:rPr>
               <a:t> Esports la </a:t>
             </a:r>
             <a:r>
-              <a:rPr dirty="0" err="1"/>
+              <a:rPr sz="2000" dirty="0" err="1">
+                <a:latin typeface="Arial" panose="020B0604020202020204" pitchFamily="34" charset="0"/>
+                <a:cs typeface="Arial" panose="020B0604020202020204" pitchFamily="34" charset="0"/>
+              </a:rPr>
               <a:t>intervale</a:t>
             </a:r>
             <a:r>
-              <a:rPr dirty="0"/>
+              <a:rPr sz="2000" dirty="0">
+                <a:latin typeface="Arial" panose="020B0604020202020204" pitchFamily="34" charset="0"/>
+                <a:cs typeface="Arial" panose="020B0604020202020204" pitchFamily="34" charset="0"/>
+              </a:rPr>
               <a:t> regulate</a:t>
             </a:r>
           </a:p>
@@ -5597,8 +6084,8 @@
         </p:nvSpPr>
         <p:spPr>
           <a:xfrm>
-            <a:off x="5227167" y="2560320"/>
-            <a:ext cx="1737360" cy="731520"/>
+            <a:off x="4998567" y="2396909"/>
+            <a:ext cx="2194560" cy="461665"/>
           </a:xfrm>
           <a:prstGeom prst="rect">
             <a:avLst/>
@@ -5620,8 +6107,16 @@
               </a:defRPr>
             </a:pPr>
             <a:r>
+              <a:rPr sz="2400" dirty="0" err="1">
+                <a:latin typeface="Arial" panose="020B0604020202020204" pitchFamily="34" charset="0"/>
+                <a:cs typeface="Arial" panose="020B0604020202020204" pitchFamily="34" charset="0"/>
+              </a:rPr>
               <a:t>Personalizare</a:t>
             </a:r>
+            <a:endParaRPr sz="2400" dirty="0">
+              <a:latin typeface="Arial" panose="020B0604020202020204" pitchFamily="34" charset="0"/>
+              <a:cs typeface="Arial" panose="020B0604020202020204" pitchFamily="34" charset="0"/>
+            </a:endParaRPr>
           </a:p>
         </p:txBody>
       </p:sp>
@@ -5634,7 +6129,7 @@
         <p:spPr>
           <a:xfrm>
             <a:off x="5227167" y="3291840"/>
-            <a:ext cx="1737360" cy="892552"/>
+            <a:ext cx="1737360" cy="1938992"/>
           </a:xfrm>
           <a:prstGeom prst="rect">
             <a:avLst/>
@@ -5656,53 +6151,92 @@
               </a:defRPr>
             </a:pPr>
             <a:r>
-              <a:rPr dirty="0" err="1"/>
+              <a:rPr sz="2000" dirty="0" err="1">
+                <a:latin typeface="Arial" panose="020B0604020202020204" pitchFamily="34" charset="0"/>
+                <a:cs typeface="Arial" panose="020B0604020202020204" pitchFamily="34" charset="0"/>
+              </a:rPr>
               <a:t>Conturi</a:t>
             </a:r>
             <a:r>
-              <a:rPr dirty="0"/>
+              <a:rPr sz="2000" dirty="0">
+                <a:latin typeface="Arial" panose="020B0604020202020204" pitchFamily="34" charset="0"/>
+                <a:cs typeface="Arial" panose="020B0604020202020204" pitchFamily="34" charset="0"/>
+              </a:rPr>
               <a:t> </a:t>
             </a:r>
             <a:r>
-              <a:rPr dirty="0" err="1"/>
+              <a:rPr sz="2000" dirty="0" err="1">
+                <a:latin typeface="Arial" panose="020B0604020202020204" pitchFamily="34" charset="0"/>
+                <a:cs typeface="Arial" panose="020B0604020202020204" pitchFamily="34" charset="0"/>
+              </a:rPr>
               <a:t>utilizator</a:t>
             </a:r>
             <a:r>
-              <a:rPr dirty="0"/>
+              <a:rPr sz="2000" dirty="0">
+                <a:latin typeface="Arial" panose="020B0604020202020204" pitchFamily="34" charset="0"/>
+                <a:cs typeface="Arial" panose="020B0604020202020204" pitchFamily="34" charset="0"/>
+              </a:rPr>
               <a:t>, favorite,</a:t>
             </a:r>
             <a:br>
-              <a:rPr dirty="0"/>
+              <a:rPr sz="2000" dirty="0">
+                <a:latin typeface="Arial" panose="020B0604020202020204" pitchFamily="34" charset="0"/>
+                <a:cs typeface="Arial" panose="020B0604020202020204" pitchFamily="34" charset="0"/>
+              </a:rPr>
             </a:br>
             <a:r>
-              <a:rPr dirty="0" err="1"/>
+              <a:rPr sz="2000" dirty="0" err="1">
+                <a:latin typeface="Arial" panose="020B0604020202020204" pitchFamily="34" charset="0"/>
+                <a:cs typeface="Arial" panose="020B0604020202020204" pitchFamily="34" charset="0"/>
+              </a:rPr>
               <a:t>notific</a:t>
             </a:r>
             <a:r>
-              <a:rPr lang="ro-RO" dirty="0"/>
+              <a:rPr lang="ro-RO" sz="2000" dirty="0">
+                <a:latin typeface="Arial" panose="020B0604020202020204" pitchFamily="34" charset="0"/>
+                <a:cs typeface="Arial" panose="020B0604020202020204" pitchFamily="34" charset="0"/>
+              </a:rPr>
               <a:t>ă</a:t>
             </a:r>
             <a:r>
-              <a:rPr dirty="0" err="1"/>
+              <a:rPr sz="2000" dirty="0" err="1">
+                <a:latin typeface="Arial" panose="020B0604020202020204" pitchFamily="34" charset="0"/>
+                <a:cs typeface="Arial" panose="020B0604020202020204" pitchFamily="34" charset="0"/>
+              </a:rPr>
               <a:t>ri</a:t>
             </a:r>
             <a:r>
-              <a:rPr dirty="0"/>
+              <a:rPr sz="2000" dirty="0">
+                <a:latin typeface="Arial" panose="020B0604020202020204" pitchFamily="34" charset="0"/>
+                <a:cs typeface="Arial" panose="020B0604020202020204" pitchFamily="34" charset="0"/>
+              </a:rPr>
               <a:t> </a:t>
             </a:r>
             <a:r>
-              <a:rPr lang="ro-RO" dirty="0"/>
+              <a:rPr lang="ro-RO" sz="2000" dirty="0">
+                <a:latin typeface="Arial" panose="020B0604020202020204" pitchFamily="34" charset="0"/>
+                <a:cs typeface="Arial" panose="020B0604020202020204" pitchFamily="34" charset="0"/>
+              </a:rPr>
               <a:t>prin </a:t>
             </a:r>
             <a:r>
-              <a:rPr dirty="0"/>
+              <a:rPr sz="2000" dirty="0">
+                <a:latin typeface="Arial" panose="020B0604020202020204" pitchFamily="34" charset="0"/>
+                <a:cs typeface="Arial" panose="020B0604020202020204" pitchFamily="34" charset="0"/>
+              </a:rPr>
               <a:t>email pre-</a:t>
             </a:r>
             <a:r>
-              <a:rPr dirty="0" err="1"/>
+              <a:rPr sz="2000" dirty="0" err="1">
+                <a:latin typeface="Arial" panose="020B0604020202020204" pitchFamily="34" charset="0"/>
+                <a:cs typeface="Arial" panose="020B0604020202020204" pitchFamily="34" charset="0"/>
+              </a:rPr>
               <a:t>meci</a:t>
             </a:r>
-            <a:endParaRPr dirty="0"/>
+            <a:endParaRPr sz="2000" dirty="0">
+              <a:latin typeface="Arial" panose="020B0604020202020204" pitchFamily="34" charset="0"/>
+              <a:cs typeface="Arial" panose="020B0604020202020204" pitchFamily="34" charset="0"/>
+            </a:endParaRPr>
           </a:p>
         </p:txBody>
       </p:sp>
@@ -5842,8 +6376,8 @@
         </p:nvSpPr>
         <p:spPr>
           <a:xfrm>
-            <a:off x="7467447" y="2560320"/>
-            <a:ext cx="1737360" cy="731520"/>
+            <a:off x="7467447" y="2351594"/>
+            <a:ext cx="1737360" cy="461665"/>
           </a:xfrm>
           <a:prstGeom prst="rect">
             <a:avLst/>
@@ -5865,7 +6399,18 @@
               </a:defRPr>
             </a:pPr>
             <a:r>
-              <a:t>Timp real</a:t>
+              <a:rPr sz="2400" dirty="0" err="1">
+                <a:latin typeface="Arial" panose="020B0604020202020204" pitchFamily="34" charset="0"/>
+                <a:cs typeface="Arial" panose="020B0604020202020204" pitchFamily="34" charset="0"/>
+              </a:rPr>
+              <a:t>Timp</a:t>
+            </a:r>
+            <a:r>
+              <a:rPr sz="2400" dirty="0">
+                <a:latin typeface="Arial" panose="020B0604020202020204" pitchFamily="34" charset="0"/>
+                <a:cs typeface="Arial" panose="020B0604020202020204" pitchFamily="34" charset="0"/>
+              </a:rPr>
+              <a:t> real</a:t>
             </a:r>
           </a:p>
         </p:txBody>
@@ -5878,8 +6423,8 @@
         </p:nvSpPr>
         <p:spPr>
           <a:xfrm>
-            <a:off x="7467447" y="3291840"/>
-            <a:ext cx="1737360" cy="892552"/>
+            <a:off x="7467447" y="3301426"/>
+            <a:ext cx="1737360" cy="1938992"/>
           </a:xfrm>
           <a:prstGeom prst="rect">
             <a:avLst/>
@@ -5901,37 +6446,64 @@
               </a:defRPr>
             </a:pPr>
             <a:r>
-              <a:rPr dirty="0"/>
+              <a:rPr sz="2000" dirty="0">
+                <a:latin typeface="Arial" panose="020B0604020202020204" pitchFamily="34" charset="0"/>
+                <a:cs typeface="Arial" panose="020B0604020202020204" pitchFamily="34" charset="0"/>
+              </a:rPr>
               <a:t>Broadcast WebSocket al</a:t>
             </a:r>
             <a:br>
-              <a:rPr dirty="0"/>
+              <a:rPr sz="2000" dirty="0">
+                <a:latin typeface="Arial" panose="020B0604020202020204" pitchFamily="34" charset="0"/>
+                <a:cs typeface="Arial" panose="020B0604020202020204" pitchFamily="34" charset="0"/>
+              </a:rPr>
             </a:br>
             <a:r>
-              <a:rPr dirty="0" err="1"/>
+              <a:rPr sz="2000" dirty="0" err="1">
+                <a:latin typeface="Arial" panose="020B0604020202020204" pitchFamily="34" charset="0"/>
+                <a:cs typeface="Arial" panose="020B0604020202020204" pitchFamily="34" charset="0"/>
+              </a:rPr>
               <a:t>modific</a:t>
             </a:r>
             <a:r>
-              <a:rPr lang="ro-RO" dirty="0"/>
+              <a:rPr lang="ro-RO" sz="2000" dirty="0">
+                <a:latin typeface="Arial" panose="020B0604020202020204" pitchFamily="34" charset="0"/>
+                <a:cs typeface="Arial" panose="020B0604020202020204" pitchFamily="34" charset="0"/>
+              </a:rPr>
               <a:t>ă</a:t>
             </a:r>
             <a:r>
-              <a:rPr dirty="0" err="1"/>
+              <a:rPr sz="2000" dirty="0" err="1">
+                <a:latin typeface="Arial" panose="020B0604020202020204" pitchFamily="34" charset="0"/>
+                <a:cs typeface="Arial" panose="020B0604020202020204" pitchFamily="34" charset="0"/>
+              </a:rPr>
               <a:t>rilor</a:t>
             </a:r>
             <a:r>
-              <a:rPr dirty="0"/>
+              <a:rPr sz="2000" dirty="0">
+                <a:latin typeface="Arial" panose="020B0604020202020204" pitchFamily="34" charset="0"/>
+                <a:cs typeface="Arial" panose="020B0604020202020204" pitchFamily="34" charset="0"/>
+              </a:rPr>
               <a:t> de </a:t>
             </a:r>
             <a:r>
-              <a:rPr dirty="0" err="1"/>
+              <a:rPr sz="2000" dirty="0" err="1">
+                <a:latin typeface="Arial" panose="020B0604020202020204" pitchFamily="34" charset="0"/>
+                <a:cs typeface="Arial" panose="020B0604020202020204" pitchFamily="34" charset="0"/>
+              </a:rPr>
               <a:t>scor</a:t>
             </a:r>
             <a:r>
-              <a:rPr lang="ro-RO" dirty="0"/>
+              <a:rPr lang="ro-RO" sz="2000" dirty="0">
+                <a:latin typeface="Arial" panose="020B0604020202020204" pitchFamily="34" charset="0"/>
+                <a:cs typeface="Arial" panose="020B0604020202020204" pitchFamily="34" charset="0"/>
+              </a:rPr>
               <a:t> și program</a:t>
             </a:r>
-            <a:endParaRPr dirty="0"/>
+            <a:endParaRPr sz="2000" dirty="0">
+              <a:latin typeface="Arial" panose="020B0604020202020204" pitchFamily="34" charset="0"/>
+              <a:cs typeface="Arial" panose="020B0604020202020204" pitchFamily="34" charset="0"/>
+            </a:endParaRPr>
           </a:p>
         </p:txBody>
       </p:sp>
@@ -6071,8 +6643,8 @@
         </p:nvSpPr>
         <p:spPr>
           <a:xfrm>
-            <a:off x="9707727" y="2560320"/>
-            <a:ext cx="1737360" cy="615553"/>
+            <a:off x="9707727" y="2318632"/>
+            <a:ext cx="1737360" cy="830997"/>
           </a:xfrm>
           <a:prstGeom prst="rect">
             <a:avLst/>
@@ -6094,22 +6666,37 @@
               </a:defRPr>
             </a:pPr>
             <a:r>
-              <a:rPr dirty="0" err="1"/>
+              <a:rPr sz="2400" dirty="0" err="1">
+                <a:latin typeface="Arial" panose="020B0604020202020204" pitchFamily="34" charset="0"/>
+                <a:cs typeface="Arial" panose="020B0604020202020204" pitchFamily="34" charset="0"/>
+              </a:rPr>
               <a:t>Interfa</a:t>
             </a:r>
             <a:r>
-              <a:rPr lang="ro-RO" dirty="0"/>
-              <a:t>ț</a:t>
-            </a:r>
-            <a:r>
-              <a:rPr dirty="0"/>
-              <a:t>a modern</a:t>
-            </a:r>
-            <a:r>
-              <a:rPr lang="ro-RO" dirty="0"/>
+              <a:rPr lang="ro-RO" sz="2400" dirty="0">
+                <a:latin typeface="Arial" panose="020B0604020202020204" pitchFamily="34" charset="0"/>
+                <a:cs typeface="Arial" panose="020B0604020202020204" pitchFamily="34" charset="0"/>
+              </a:rPr>
+              <a:t>ță</a:t>
+            </a:r>
+            <a:r>
+              <a:rPr sz="2400" dirty="0">
+                <a:latin typeface="Arial" panose="020B0604020202020204" pitchFamily="34" charset="0"/>
+                <a:cs typeface="Arial" panose="020B0604020202020204" pitchFamily="34" charset="0"/>
+              </a:rPr>
+              <a:t> modern</a:t>
+            </a:r>
+            <a:r>
+              <a:rPr lang="ro-RO" sz="2400" dirty="0">
+                <a:latin typeface="Arial" panose="020B0604020202020204" pitchFamily="34" charset="0"/>
+                <a:cs typeface="Arial" panose="020B0604020202020204" pitchFamily="34" charset="0"/>
+              </a:rPr>
               <a:t>ă</a:t>
             </a:r>
-            <a:endParaRPr dirty="0"/>
+            <a:endParaRPr sz="2400" dirty="0">
+              <a:latin typeface="Arial" panose="020B0604020202020204" pitchFamily="34" charset="0"/>
+              <a:cs typeface="Arial" panose="020B0604020202020204" pitchFamily="34" charset="0"/>
+            </a:endParaRPr>
           </a:p>
         </p:txBody>
       </p:sp>
@@ -6122,7 +6709,7 @@
         <p:spPr>
           <a:xfrm>
             <a:off x="9707727" y="3291840"/>
-            <a:ext cx="1737360" cy="892552"/>
+            <a:ext cx="1737360" cy="2246769"/>
           </a:xfrm>
           <a:prstGeom prst="rect">
             <a:avLst/>
@@ -6144,49 +6731,85 @@
               </a:defRPr>
             </a:pPr>
             <a:r>
-              <a:rPr dirty="0"/>
+              <a:rPr sz="2000" dirty="0">
+                <a:latin typeface="Arial" panose="020B0604020202020204" pitchFamily="34" charset="0"/>
+                <a:cs typeface="Arial" panose="020B0604020202020204" pitchFamily="34" charset="0"/>
+              </a:rPr>
               <a:t>Design responsive, </a:t>
             </a:r>
             <a:r>
-              <a:rPr dirty="0" err="1"/>
+              <a:rPr sz="2000" dirty="0" err="1">
+                <a:latin typeface="Arial" panose="020B0604020202020204" pitchFamily="34" charset="0"/>
+                <a:cs typeface="Arial" panose="020B0604020202020204" pitchFamily="34" charset="0"/>
+              </a:rPr>
               <a:t>tema</a:t>
             </a:r>
             <a:r>
-              <a:rPr dirty="0"/>
+              <a:rPr sz="2000" dirty="0">
+                <a:latin typeface="Arial" panose="020B0604020202020204" pitchFamily="34" charset="0"/>
+                <a:cs typeface="Arial" panose="020B0604020202020204" pitchFamily="34" charset="0"/>
+              </a:rPr>
               <a:t> dark/light,</a:t>
             </a:r>
             <a:br>
-              <a:rPr dirty="0"/>
+              <a:rPr sz="2000" dirty="0">
+                <a:latin typeface="Arial" panose="020B0604020202020204" pitchFamily="34" charset="0"/>
+                <a:cs typeface="Arial" panose="020B0604020202020204" pitchFamily="34" charset="0"/>
+              </a:rPr>
             </a:br>
             <a:r>
-              <a:rPr dirty="0" err="1"/>
+              <a:rPr sz="2000" dirty="0" err="1">
+                <a:latin typeface="Arial" panose="020B0604020202020204" pitchFamily="34" charset="0"/>
+                <a:cs typeface="Arial" panose="020B0604020202020204" pitchFamily="34" charset="0"/>
+              </a:rPr>
               <a:t>cautare</a:t>
             </a:r>
             <a:r>
-              <a:rPr dirty="0"/>
+              <a:rPr sz="2000" dirty="0">
+                <a:latin typeface="Arial" panose="020B0604020202020204" pitchFamily="34" charset="0"/>
+                <a:cs typeface="Arial" panose="020B0604020202020204" pitchFamily="34" charset="0"/>
+              </a:rPr>
               <a:t> global</a:t>
             </a:r>
             <a:r>
-              <a:rPr lang="ro-RO" dirty="0"/>
+              <a:rPr lang="ro-RO" sz="2000" dirty="0">
+                <a:latin typeface="Arial" panose="020B0604020202020204" pitchFamily="34" charset="0"/>
+                <a:cs typeface="Arial" panose="020B0604020202020204" pitchFamily="34" charset="0"/>
+              </a:rPr>
               <a:t>ă</a:t>
             </a:r>
             <a:r>
-              <a:rPr dirty="0"/>
+              <a:rPr sz="2000" dirty="0">
+                <a:latin typeface="Arial" panose="020B0604020202020204" pitchFamily="34" charset="0"/>
+                <a:cs typeface="Arial" panose="020B0604020202020204" pitchFamily="34" charset="0"/>
+              </a:rPr>
               <a:t>, </a:t>
             </a:r>
             <a:r>
-              <a:rPr dirty="0" err="1"/>
+              <a:rPr sz="2000" dirty="0" err="1">
+                <a:latin typeface="Arial" panose="020B0604020202020204" pitchFamily="34" charset="0"/>
+                <a:cs typeface="Arial" panose="020B0604020202020204" pitchFamily="34" charset="0"/>
+              </a:rPr>
               <a:t>filtre</a:t>
             </a:r>
             <a:r>
-              <a:rPr dirty="0"/>
+              <a:rPr sz="2000" dirty="0">
+                <a:latin typeface="Arial" panose="020B0604020202020204" pitchFamily="34" charset="0"/>
+                <a:cs typeface="Arial" panose="020B0604020202020204" pitchFamily="34" charset="0"/>
+              </a:rPr>
               <a:t> </a:t>
             </a:r>
             <a:r>
-              <a:rPr dirty="0" err="1"/>
+              <a:rPr sz="2000" dirty="0" err="1">
+                <a:latin typeface="Arial" panose="020B0604020202020204" pitchFamily="34" charset="0"/>
+                <a:cs typeface="Arial" panose="020B0604020202020204" pitchFamily="34" charset="0"/>
+              </a:rPr>
               <a:t>avansate</a:t>
             </a:r>
-            <a:endParaRPr dirty="0"/>
+            <a:endParaRPr sz="2000" dirty="0">
+              <a:latin typeface="Arial" panose="020B0604020202020204" pitchFamily="34" charset="0"/>
+              <a:cs typeface="Arial" panose="020B0604020202020204" pitchFamily="34" charset="0"/>
+            </a:endParaRPr>
           </a:p>
         </p:txBody>
       </p:sp>
@@ -6299,22 +6922,37 @@
               </a:defRPr>
             </a:pPr>
             <a:r>
-              <a:rPr dirty="0" err="1"/>
+              <a:rPr dirty="0" err="1">
+                <a:latin typeface="Arial" panose="020B0604020202020204" pitchFamily="34" charset="0"/>
+                <a:cs typeface="Arial" panose="020B0604020202020204" pitchFamily="34" charset="0"/>
+              </a:rPr>
               <a:t>Tehnologii</a:t>
             </a:r>
             <a:r>
-              <a:rPr dirty="0"/>
+              <a:rPr dirty="0">
+                <a:latin typeface="Arial" panose="020B0604020202020204" pitchFamily="34" charset="0"/>
+                <a:cs typeface="Arial" panose="020B0604020202020204" pitchFamily="34" charset="0"/>
+              </a:rPr>
               <a:t> </a:t>
             </a:r>
             <a:r>
-              <a:rPr lang="ro-RO" dirty="0"/>
+              <a:rPr lang="ro-RO" dirty="0">
+                <a:latin typeface="Arial" panose="020B0604020202020204" pitchFamily="34" charset="0"/>
+                <a:cs typeface="Arial" panose="020B0604020202020204" pitchFamily="34" charset="0"/>
+              </a:rPr>
               <a:t>u</a:t>
             </a:r>
             <a:r>
-              <a:rPr dirty="0" err="1"/>
+              <a:rPr dirty="0" err="1">
+                <a:latin typeface="Arial" panose="020B0604020202020204" pitchFamily="34" charset="0"/>
+                <a:cs typeface="Arial" panose="020B0604020202020204" pitchFamily="34" charset="0"/>
+              </a:rPr>
               <a:t>tilizate</a:t>
             </a:r>
-            <a:endParaRPr dirty="0"/>
+            <a:endParaRPr dirty="0">
+              <a:latin typeface="Arial" panose="020B0604020202020204" pitchFamily="34" charset="0"/>
+              <a:cs typeface="Arial" panose="020B0604020202020204" pitchFamily="34" charset="0"/>
+            </a:endParaRPr>
           </a:p>
         </p:txBody>
       </p:sp>
@@ -6419,7 +7057,7 @@
         <p:spPr>
           <a:xfrm>
             <a:off x="723747" y="1508760"/>
-            <a:ext cx="2240280" cy="457200"/>
+            <a:ext cx="2240280" cy="461665"/>
           </a:xfrm>
           <a:prstGeom prst="rect">
             <a:avLst/>
@@ -6441,6 +7079,10 @@
               </a:defRPr>
             </a:pPr>
             <a:r>
+              <a:rPr sz="2400" dirty="0">
+                <a:latin typeface="Arial" panose="020B0604020202020204" pitchFamily="34" charset="0"/>
+                <a:cs typeface="Arial" panose="020B0604020202020204" pitchFamily="34" charset="0"/>
+              </a:rPr>
               <a:t>Backend</a:t>
             </a:r>
           </a:p>
@@ -6500,7 +7142,7 @@
         <p:spPr>
           <a:xfrm>
             <a:off x="769467" y="2286000"/>
-            <a:ext cx="2148840" cy="3657600"/>
+            <a:ext cx="2148840" cy="3683060"/>
           </a:xfrm>
           <a:prstGeom prst="rect">
             <a:avLst/>
@@ -6525,6 +7167,10 @@
               </a:defRPr>
             </a:pPr>
             <a:r>
+              <a:rPr lang="en-US" sz="2000" dirty="0">
+                <a:latin typeface="Arial" panose="020B0604020202020204" pitchFamily="34" charset="0"/>
+                <a:cs typeface="Arial" panose="020B0604020202020204" pitchFamily="34" charset="0"/>
+              </a:rPr>
               <a:t>Python 3 + Django 5.2</a:t>
             </a:r>
           </a:p>
@@ -6541,6 +7187,10 @@
               </a:defRPr>
             </a:pPr>
             <a:r>
+              <a:rPr lang="en-US" sz="2000" dirty="0">
+                <a:latin typeface="Arial" panose="020B0604020202020204" pitchFamily="34" charset="0"/>
+                <a:cs typeface="Arial" panose="020B0604020202020204" pitchFamily="34" charset="0"/>
+              </a:rPr>
               <a:t>Django REST Framework</a:t>
             </a:r>
           </a:p>
@@ -6557,7 +7207,32 @@
               </a:defRPr>
             </a:pPr>
             <a:r>
-              <a:t>SimpleJWT (autentificare)</a:t>
+              <a:rPr lang="en-US" sz="2000" dirty="0" err="1">
+                <a:latin typeface="Arial" panose="020B0604020202020204" pitchFamily="34" charset="0"/>
+                <a:cs typeface="Arial" panose="020B0604020202020204" pitchFamily="34" charset="0"/>
+              </a:rPr>
+              <a:t>SimpleJWT</a:t>
+            </a:r>
+            <a:r>
+              <a:rPr lang="en-US" sz="2000" dirty="0">
+                <a:latin typeface="Arial" panose="020B0604020202020204" pitchFamily="34" charset="0"/>
+                <a:cs typeface="Arial" panose="020B0604020202020204" pitchFamily="34" charset="0"/>
+              </a:rPr>
+              <a:t> (</a:t>
+            </a:r>
+            <a:r>
+              <a:rPr lang="en-US" sz="2000" dirty="0" err="1">
+                <a:latin typeface="Arial" panose="020B0604020202020204" pitchFamily="34" charset="0"/>
+                <a:cs typeface="Arial" panose="020B0604020202020204" pitchFamily="34" charset="0"/>
+              </a:rPr>
+              <a:t>autentificare</a:t>
+            </a:r>
+            <a:r>
+              <a:rPr lang="en-US" sz="2000" dirty="0">
+                <a:latin typeface="Arial" panose="020B0604020202020204" pitchFamily="34" charset="0"/>
+                <a:cs typeface="Arial" panose="020B0604020202020204" pitchFamily="34" charset="0"/>
+              </a:rPr>
+              <a:t>)</a:t>
             </a:r>
           </a:p>
           <a:p>
@@ -6573,6 +7248,10 @@
               </a:defRPr>
             </a:pPr>
             <a:r>
+              <a:rPr lang="en-US" sz="2000" dirty="0">
+                <a:latin typeface="Arial" panose="020B0604020202020204" pitchFamily="34" charset="0"/>
+                <a:cs typeface="Arial" panose="020B0604020202020204" pitchFamily="34" charset="0"/>
+              </a:rPr>
               <a:t>Django Channels (WebSocket)</a:t>
             </a:r>
           </a:p>
@@ -6589,7 +7268,53 @@
               </a:defRPr>
             </a:pPr>
             <a:r>
-              <a:t>Django-Q2 (task-uri periodice)</a:t>
+              <a:rPr lang="en-US" sz="2000" dirty="0">
+                <a:latin typeface="Arial" panose="020B0604020202020204" pitchFamily="34" charset="0"/>
+                <a:cs typeface="Arial" panose="020B0604020202020204" pitchFamily="34" charset="0"/>
+              </a:rPr>
+              <a:t>Django-</a:t>
+            </a:r>
+            <a:r>
+              <a:rPr lang="en-US" sz="2000" dirty="0" err="1">
+                <a:latin typeface="Arial" panose="020B0604020202020204" pitchFamily="34" charset="0"/>
+                <a:cs typeface="Arial" panose="020B0604020202020204" pitchFamily="34" charset="0"/>
+              </a:rPr>
+              <a:t>Q2</a:t>
+            </a:r>
+            <a:r>
+              <a:rPr lang="en-US" sz="2000" dirty="0">
+                <a:latin typeface="Arial" panose="020B0604020202020204" pitchFamily="34" charset="0"/>
+                <a:cs typeface="Arial" panose="020B0604020202020204" pitchFamily="34" charset="0"/>
+              </a:rPr>
+              <a:t> (task-</a:t>
+            </a:r>
+            <a:r>
+              <a:rPr lang="en-US" sz="2000" dirty="0" err="1">
+                <a:latin typeface="Arial" panose="020B0604020202020204" pitchFamily="34" charset="0"/>
+                <a:cs typeface="Arial" panose="020B0604020202020204" pitchFamily="34" charset="0"/>
+              </a:rPr>
+              <a:t>uri</a:t>
+            </a:r>
+            <a:r>
+              <a:rPr lang="en-US" sz="2000" dirty="0">
+                <a:latin typeface="Arial" panose="020B0604020202020204" pitchFamily="34" charset="0"/>
+                <a:cs typeface="Arial" panose="020B0604020202020204" pitchFamily="34" charset="0"/>
+              </a:rPr>
+              <a:t> </a:t>
+            </a:r>
+            <a:r>
+              <a:rPr lang="en-US" sz="2000" dirty="0" err="1">
+                <a:latin typeface="Arial" panose="020B0604020202020204" pitchFamily="34" charset="0"/>
+                <a:cs typeface="Arial" panose="020B0604020202020204" pitchFamily="34" charset="0"/>
+              </a:rPr>
+              <a:t>periodice</a:t>
+            </a:r>
+            <a:r>
+              <a:rPr lang="en-US" sz="2000" dirty="0">
+                <a:latin typeface="Arial" panose="020B0604020202020204" pitchFamily="34" charset="0"/>
+                <a:cs typeface="Arial" panose="020B0604020202020204" pitchFamily="34" charset="0"/>
+              </a:rPr>
+              <a:t>)</a:t>
             </a:r>
           </a:p>
         </p:txBody>
@@ -6650,7 +7375,7 @@
         <p:spPr>
           <a:xfrm>
             <a:off x="3558387" y="1508760"/>
-            <a:ext cx="2240280" cy="457200"/>
+            <a:ext cx="2240280" cy="461665"/>
           </a:xfrm>
           <a:prstGeom prst="rect">
             <a:avLst/>
@@ -6672,7 +7397,18 @@
               </a:defRPr>
             </a:pPr>
             <a:r>
-              <a:t>Baza de date</a:t>
+              <a:rPr sz="2400" dirty="0" err="1">
+                <a:latin typeface="Arial" panose="020B0604020202020204" pitchFamily="34" charset="0"/>
+                <a:cs typeface="Arial" panose="020B0604020202020204" pitchFamily="34" charset="0"/>
+              </a:rPr>
+              <a:t>Baza</a:t>
+            </a:r>
+            <a:r>
+              <a:rPr sz="2400" dirty="0">
+                <a:latin typeface="Arial" panose="020B0604020202020204" pitchFamily="34" charset="0"/>
+                <a:cs typeface="Arial" panose="020B0604020202020204" pitchFamily="34" charset="0"/>
+              </a:rPr>
+              <a:t> de date</a:t>
             </a:r>
           </a:p>
         </p:txBody>
@@ -6731,7 +7467,7 @@
         <p:spPr>
           <a:xfrm>
             <a:off x="3604107" y="2286000"/>
-            <a:ext cx="2148840" cy="2113399"/>
+            <a:ext cx="2148840" cy="2759730"/>
           </a:xfrm>
           <a:prstGeom prst="rect">
             <a:avLst/>
@@ -6756,7 +7492,10 @@
               </a:defRPr>
             </a:pPr>
             <a:r>
-              <a:rPr dirty="0"/>
+              <a:rPr lang="en-US" sz="2000" dirty="0">
+                <a:latin typeface="Arial" panose="020B0604020202020204" pitchFamily="34" charset="0"/>
+                <a:cs typeface="Arial" panose="020B0604020202020204" pitchFamily="34" charset="0"/>
+              </a:rPr>
               <a:t>PostgreSQL</a:t>
             </a:r>
           </a:p>
@@ -6773,18 +7512,30 @@
               </a:defRPr>
             </a:pPr>
             <a:r>
-              <a:rPr dirty="0" err="1"/>
+              <a:rPr lang="en-US" sz="2000" dirty="0" err="1">
+                <a:latin typeface="Arial" panose="020B0604020202020204" pitchFamily="34" charset="0"/>
+                <a:cs typeface="Arial" panose="020B0604020202020204" pitchFamily="34" charset="0"/>
+              </a:rPr>
               <a:t>JSONField</a:t>
             </a:r>
             <a:r>
-              <a:rPr dirty="0"/>
+              <a:rPr lang="en-US" sz="2000" dirty="0">
+                <a:latin typeface="Arial" panose="020B0604020202020204" pitchFamily="34" charset="0"/>
+                <a:cs typeface="Arial" panose="020B0604020202020204" pitchFamily="34" charset="0"/>
+              </a:rPr>
               <a:t> </a:t>
             </a:r>
             <a:r>
-              <a:rPr dirty="0" err="1"/>
+              <a:rPr lang="en-US" sz="2000" dirty="0" err="1">
+                <a:latin typeface="Arial" panose="020B0604020202020204" pitchFamily="34" charset="0"/>
+                <a:cs typeface="Arial" panose="020B0604020202020204" pitchFamily="34" charset="0"/>
+              </a:rPr>
               <a:t>nativ</a:t>
             </a:r>
-            <a:endParaRPr dirty="0"/>
+            <a:endParaRPr lang="en-US" sz="2000" dirty="0">
+              <a:latin typeface="Arial" panose="020B0604020202020204" pitchFamily="34" charset="0"/>
+              <a:cs typeface="Arial" panose="020B0604020202020204" pitchFamily="34" charset="0"/>
+            </a:endParaRPr>
           </a:p>
           <a:p>
             <a:pPr>
@@ -6799,19 +7550,31 @@
               </a:defRPr>
             </a:pPr>
             <a:r>
-              <a:rPr dirty="0" err="1"/>
+              <a:rPr lang="en-US" sz="2000" dirty="0" err="1">
+                <a:latin typeface="Arial" panose="020B0604020202020204" pitchFamily="34" charset="0"/>
+                <a:cs typeface="Arial" panose="020B0604020202020204" pitchFamily="34" charset="0"/>
+              </a:rPr>
               <a:t>Constrangeri</a:t>
             </a:r>
             <a:r>
-              <a:rPr dirty="0"/>
+              <a:rPr lang="en-US" sz="2000" dirty="0">
+                <a:latin typeface="Arial" panose="020B0604020202020204" pitchFamily="34" charset="0"/>
+                <a:cs typeface="Arial" panose="020B0604020202020204" pitchFamily="34" charset="0"/>
+              </a:rPr>
               <a:t> unique (</a:t>
             </a:r>
             <a:r>
-              <a:rPr dirty="0" err="1"/>
+              <a:rPr lang="en-US" sz="2000" dirty="0" err="1">
+                <a:latin typeface="Arial" panose="020B0604020202020204" pitchFamily="34" charset="0"/>
+                <a:cs typeface="Arial" panose="020B0604020202020204" pitchFamily="34" charset="0"/>
+              </a:rPr>
               <a:t>upsert</a:t>
             </a:r>
             <a:r>
-              <a:rPr dirty="0"/>
+              <a:rPr lang="en-US" sz="2000" dirty="0">
+                <a:latin typeface="Arial" panose="020B0604020202020204" pitchFamily="34" charset="0"/>
+                <a:cs typeface="Arial" panose="020B0604020202020204" pitchFamily="34" charset="0"/>
+              </a:rPr>
               <a:t>)</a:t>
             </a:r>
           </a:p>
@@ -6828,16 +7591,18 @@
               </a:defRPr>
             </a:pPr>
             <a:r>
-              <a:rPr dirty="0" err="1"/>
-              <a:t>Tranzac</a:t>
-            </a:r>
-            <a:r>
-              <a:rPr lang="ro-RO" dirty="0"/>
-              <a:t>ț</a:t>
-            </a:r>
-            <a:r>
-              <a:rPr dirty="0"/>
-              <a:t>ii ACID</a:t>
+              <a:rPr lang="en-US" sz="2000" dirty="0" err="1">
+                <a:latin typeface="Arial" panose="020B0604020202020204" pitchFamily="34" charset="0"/>
+                <a:cs typeface="Arial" panose="020B0604020202020204" pitchFamily="34" charset="0"/>
+              </a:rPr>
+              <a:t>Tranzacții</a:t>
+            </a:r>
+            <a:r>
+              <a:rPr lang="en-US" sz="2000" dirty="0">
+                <a:latin typeface="Arial" panose="020B0604020202020204" pitchFamily="34" charset="0"/>
+                <a:cs typeface="Arial" panose="020B0604020202020204" pitchFamily="34" charset="0"/>
+              </a:rPr>
+              <a:t> ACID</a:t>
             </a:r>
           </a:p>
           <a:p>
@@ -6853,11 +7618,17 @@
               </a:defRPr>
             </a:pPr>
             <a:r>
-              <a:rPr dirty="0" err="1"/>
+              <a:rPr lang="en-US" sz="2000" dirty="0" err="1">
+                <a:latin typeface="Arial" panose="020B0604020202020204" pitchFamily="34" charset="0"/>
+                <a:cs typeface="Arial" panose="020B0604020202020204" pitchFamily="34" charset="0"/>
+              </a:rPr>
               <a:t>ManyToManyField</a:t>
             </a:r>
             <a:r>
-              <a:rPr dirty="0"/>
+              <a:rPr lang="en-US" sz="2000" dirty="0">
+                <a:latin typeface="Arial" panose="020B0604020202020204" pitchFamily="34" charset="0"/>
+                <a:cs typeface="Arial" panose="020B0604020202020204" pitchFamily="34" charset="0"/>
+              </a:rPr>
               <a:t> (favorite)</a:t>
             </a:r>
           </a:p>
@@ -6919,7 +7690,7 @@
         <p:spPr>
           <a:xfrm>
             <a:off x="6393027" y="1508760"/>
-            <a:ext cx="2240280" cy="457200"/>
+            <a:ext cx="2240280" cy="461665"/>
           </a:xfrm>
           <a:prstGeom prst="rect">
             <a:avLst/>
@@ -6941,6 +7712,10 @@
               </a:defRPr>
             </a:pPr>
             <a:r>
+              <a:rPr sz="2400" dirty="0">
+                <a:latin typeface="Arial" panose="020B0604020202020204" pitchFamily="34" charset="0"/>
+                <a:cs typeface="Arial" panose="020B0604020202020204" pitchFamily="34" charset="0"/>
+              </a:rPr>
               <a:t>Frontend</a:t>
             </a:r>
           </a:p>
@@ -7000,7 +7775,7 @@
         <p:spPr>
           <a:xfrm>
             <a:off x="6438747" y="2286000"/>
-            <a:ext cx="2148840" cy="3657600"/>
+            <a:ext cx="2148840" cy="3683060"/>
           </a:xfrm>
           <a:prstGeom prst="rect">
             <a:avLst/>
@@ -7025,7 +7800,10 @@
               </a:defRPr>
             </a:pPr>
             <a:r>
-              <a:rPr dirty="0"/>
+              <a:rPr sz="2000" dirty="0">
+                <a:latin typeface="Arial" panose="020B0604020202020204" pitchFamily="34" charset="0"/>
+                <a:cs typeface="Arial" panose="020B0604020202020204" pitchFamily="34" charset="0"/>
+              </a:rPr>
               <a:t>React 19 (hooks, Context API)</a:t>
             </a:r>
           </a:p>
@@ -7042,14 +7820,23 @@
               </a:defRPr>
             </a:pPr>
             <a:r>
-              <a:rPr dirty="0"/>
+              <a:rPr sz="2000" dirty="0">
+                <a:latin typeface="Arial" panose="020B0604020202020204" pitchFamily="34" charset="0"/>
+                <a:cs typeface="Arial" panose="020B0604020202020204" pitchFamily="34" charset="0"/>
+              </a:rPr>
               <a:t>React Router </a:t>
             </a:r>
             <a:r>
-              <a:rPr dirty="0" err="1"/>
+              <a:rPr sz="2000" dirty="0" err="1">
+                <a:latin typeface="Arial" panose="020B0604020202020204" pitchFamily="34" charset="0"/>
+                <a:cs typeface="Arial" panose="020B0604020202020204" pitchFamily="34" charset="0"/>
+              </a:rPr>
               <a:t>v7</a:t>
             </a:r>
-            <a:endParaRPr dirty="0"/>
+            <a:endParaRPr sz="2000" dirty="0">
+              <a:latin typeface="Arial" panose="020B0604020202020204" pitchFamily="34" charset="0"/>
+              <a:cs typeface="Arial" panose="020B0604020202020204" pitchFamily="34" charset="0"/>
+            </a:endParaRPr>
           </a:p>
           <a:p>
             <a:pPr>
@@ -7064,7 +7851,10 @@
               </a:defRPr>
             </a:pPr>
             <a:r>
-              <a:rPr dirty="0"/>
+              <a:rPr sz="2000" dirty="0">
+                <a:latin typeface="Arial" panose="020B0604020202020204" pitchFamily="34" charset="0"/>
+                <a:cs typeface="Arial" panose="020B0604020202020204" pitchFamily="34" charset="0"/>
+              </a:rPr>
               <a:t>Bootstrap 5 (responsive)</a:t>
             </a:r>
           </a:p>
@@ -7081,27 +7871,45 @@
               </a:defRPr>
             </a:pPr>
             <a:r>
-              <a:rPr dirty="0" err="1"/>
+              <a:rPr sz="2000" dirty="0" err="1">
+                <a:latin typeface="Arial" panose="020B0604020202020204" pitchFamily="34" charset="0"/>
+                <a:cs typeface="Arial" panose="020B0604020202020204" pitchFamily="34" charset="0"/>
+              </a:rPr>
               <a:t>Axios</a:t>
             </a:r>
             <a:r>
-              <a:rPr dirty="0"/>
+              <a:rPr sz="2000" dirty="0">
+                <a:latin typeface="Arial" panose="020B0604020202020204" pitchFamily="34" charset="0"/>
+                <a:cs typeface="Arial" panose="020B0604020202020204" pitchFamily="34" charset="0"/>
+              </a:rPr>
               <a:t> (</a:t>
             </a:r>
             <a:r>
-              <a:rPr dirty="0" err="1"/>
+              <a:rPr sz="2000" dirty="0" err="1">
+                <a:latin typeface="Arial" panose="020B0604020202020204" pitchFamily="34" charset="0"/>
+                <a:cs typeface="Arial" panose="020B0604020202020204" pitchFamily="34" charset="0"/>
+              </a:rPr>
               <a:t>interceptori</a:t>
             </a:r>
             <a:r>
-              <a:rPr dirty="0"/>
+              <a:rPr sz="2000" dirty="0">
+                <a:latin typeface="Arial" panose="020B0604020202020204" pitchFamily="34" charset="0"/>
+                <a:cs typeface="Arial" panose="020B0604020202020204" pitchFamily="34" charset="0"/>
+              </a:rPr>
               <a:t> </a:t>
             </a:r>
             <a:r>
-              <a:rPr dirty="0" err="1"/>
+              <a:rPr sz="2000" dirty="0" err="1">
+                <a:latin typeface="Arial" panose="020B0604020202020204" pitchFamily="34" charset="0"/>
+                <a:cs typeface="Arial" panose="020B0604020202020204" pitchFamily="34" charset="0"/>
+              </a:rPr>
               <a:t>JWT</a:t>
             </a:r>
             <a:r>
-              <a:rPr dirty="0"/>
+              <a:rPr sz="2000" dirty="0">
+                <a:latin typeface="Arial" panose="020B0604020202020204" pitchFamily="34" charset="0"/>
+                <a:cs typeface="Arial" panose="020B0604020202020204" pitchFamily="34" charset="0"/>
+              </a:rPr>
               <a:t>)</a:t>
             </a:r>
           </a:p>
@@ -7118,15 +7926,24 @@
               </a:defRPr>
             </a:pPr>
             <a:r>
-              <a:rPr dirty="0"/>
+              <a:rPr sz="2000" dirty="0">
+                <a:latin typeface="Arial" panose="020B0604020202020204" pitchFamily="34" charset="0"/>
+                <a:cs typeface="Arial" panose="020B0604020202020204" pitchFamily="34" charset="0"/>
+              </a:rPr>
               <a:t>CSS custom (</a:t>
             </a:r>
             <a:r>
-              <a:rPr dirty="0" err="1"/>
+              <a:rPr sz="2000" dirty="0" err="1">
+                <a:latin typeface="Arial" panose="020B0604020202020204" pitchFamily="34" charset="0"/>
+                <a:cs typeface="Arial" panose="020B0604020202020204" pitchFamily="34" charset="0"/>
+              </a:rPr>
               <a:t>teme</a:t>
             </a:r>
             <a:r>
-              <a:rPr dirty="0"/>
+              <a:rPr sz="2000" dirty="0">
+                <a:latin typeface="Arial" panose="020B0604020202020204" pitchFamily="34" charset="0"/>
+                <a:cs typeface="Arial" panose="020B0604020202020204" pitchFamily="34" charset="0"/>
+              </a:rPr>
               <a:t> dark/light)</a:t>
             </a:r>
           </a:p>
@@ -7188,7 +8005,7 @@
         <p:spPr>
           <a:xfrm>
             <a:off x="9227667" y="1508760"/>
-            <a:ext cx="2240280" cy="457200"/>
+            <a:ext cx="2240280" cy="461665"/>
           </a:xfrm>
           <a:prstGeom prst="rect">
             <a:avLst/>
@@ -7210,6 +8027,10 @@
               </a:defRPr>
             </a:pPr>
             <a:r>
+              <a:rPr sz="2400" dirty="0">
+                <a:latin typeface="Arial" panose="020B0604020202020204" pitchFamily="34" charset="0"/>
+                <a:cs typeface="Arial" panose="020B0604020202020204" pitchFamily="34" charset="0"/>
+              </a:rPr>
               <a:t>Extern</a:t>
             </a:r>
           </a:p>
@@ -7269,7 +8090,7 @@
         <p:spPr>
           <a:xfrm>
             <a:off x="9273387" y="2286000"/>
-            <a:ext cx="2148840" cy="1554272"/>
+            <a:ext cx="2148840" cy="2939266"/>
           </a:xfrm>
           <a:prstGeom prst="rect">
             <a:avLst/>
@@ -7294,23 +8115,38 @@
               </a:defRPr>
             </a:pPr>
             <a:r>
-              <a:rPr dirty="0"/>
+              <a:rPr lang="en-US" sz="2000" dirty="0">
+                <a:latin typeface="Arial" panose="020B0604020202020204" pitchFamily="34" charset="0"/>
+                <a:cs typeface="Arial" panose="020B0604020202020204" pitchFamily="34" charset="0"/>
+              </a:rPr>
               <a:t>API </a:t>
             </a:r>
             <a:r>
-              <a:rPr dirty="0" err="1"/>
+              <a:rPr lang="en-US" sz="2000" dirty="0" err="1">
+                <a:latin typeface="Arial" panose="020B0604020202020204" pitchFamily="34" charset="0"/>
+                <a:cs typeface="Arial" panose="020B0604020202020204" pitchFamily="34" charset="0"/>
+              </a:rPr>
               <a:t>LoL</a:t>
             </a:r>
             <a:r>
-              <a:rPr dirty="0"/>
+              <a:rPr lang="en-US" sz="2000" dirty="0">
+                <a:latin typeface="Arial" panose="020B0604020202020204" pitchFamily="34" charset="0"/>
+                <a:cs typeface="Arial" panose="020B0604020202020204" pitchFamily="34" charset="0"/>
+              </a:rPr>
               <a:t> Esports (</a:t>
             </a:r>
             <a:r>
-              <a:rPr dirty="0" err="1"/>
+              <a:rPr lang="en-US" sz="2000" dirty="0" err="1">
+                <a:latin typeface="Arial" panose="020B0604020202020204" pitchFamily="34" charset="0"/>
+                <a:cs typeface="Arial" panose="020B0604020202020204" pitchFamily="34" charset="0"/>
+              </a:rPr>
               <a:t>neoficial</a:t>
             </a:r>
             <a:r>
-              <a:rPr dirty="0"/>
+              <a:rPr lang="en-US" sz="2000" dirty="0">
+                <a:latin typeface="Arial" panose="020B0604020202020204" pitchFamily="34" charset="0"/>
+                <a:cs typeface="Arial" panose="020B0604020202020204" pitchFamily="34" charset="0"/>
+              </a:rPr>
               <a:t>)</a:t>
             </a:r>
           </a:p>
@@ -7327,23 +8163,24 @@
               </a:defRPr>
             </a:pPr>
             <a:r>
-              <a:rPr dirty="0"/>
+              <a:rPr lang="en-US" sz="2000" dirty="0">
+                <a:latin typeface="Arial" panose="020B0604020202020204" pitchFamily="34" charset="0"/>
+                <a:cs typeface="Arial" panose="020B0604020202020204" pitchFamily="34" charset="0"/>
+              </a:rPr>
               <a:t>Gmail SMTP (</a:t>
             </a:r>
             <a:r>
-              <a:rPr dirty="0" err="1"/>
-              <a:t>notific</a:t>
-            </a:r>
-            <a:r>
-              <a:rPr lang="ro-RO" dirty="0"/>
-              <a:t>ă</a:t>
-            </a:r>
-            <a:r>
-              <a:rPr dirty="0" err="1"/>
-              <a:t>ri</a:t>
-            </a:r>
-            <a:r>
-              <a:rPr dirty="0"/>
+              <a:rPr lang="en-US" sz="2000" dirty="0" err="1">
+                <a:latin typeface="Arial" panose="020B0604020202020204" pitchFamily="34" charset="0"/>
+                <a:cs typeface="Arial" panose="020B0604020202020204" pitchFamily="34" charset="0"/>
+              </a:rPr>
+              <a:t>notificări</a:t>
+            </a:r>
+            <a:r>
+              <a:rPr lang="en-US" sz="2000" dirty="0">
+                <a:latin typeface="Arial" panose="020B0604020202020204" pitchFamily="34" charset="0"/>
+                <a:cs typeface="Arial" panose="020B0604020202020204" pitchFamily="34" charset="0"/>
+              </a:rPr>
               <a:t>)</a:t>
             </a:r>
           </a:p>
@@ -7360,7 +8197,10 @@
               </a:defRPr>
             </a:pPr>
             <a:r>
-              <a:rPr dirty="0"/>
+              <a:rPr lang="en-US" sz="2000" dirty="0">
+                <a:latin typeface="Arial" panose="020B0604020202020204" pitchFamily="34" charset="0"/>
+                <a:cs typeface="Arial" panose="020B0604020202020204" pitchFamily="34" charset="0"/>
+              </a:rPr>
               <a:t>YouTube (VOD links)</a:t>
             </a:r>
           </a:p>
@@ -7377,7 +8217,10 @@
               </a:defRPr>
             </a:pPr>
             <a:r>
-              <a:rPr dirty="0"/>
+              <a:rPr lang="en-US" sz="2000" dirty="0">
+                <a:latin typeface="Arial" panose="020B0604020202020204" pitchFamily="34" charset="0"/>
+                <a:cs typeface="Arial" panose="020B0604020202020204" pitchFamily="34" charset="0"/>
+              </a:rPr>
               <a:t>Team name aliases (70+)</a:t>
             </a:r>
           </a:p>
@@ -7492,22 +8335,37 @@
               </a:defRPr>
             </a:pPr>
             <a:r>
-              <a:rPr dirty="0" err="1"/>
+              <a:rPr dirty="0" err="1">
+                <a:latin typeface="Arial" panose="020B0604020202020204" pitchFamily="34" charset="0"/>
+                <a:cs typeface="Arial" panose="020B0604020202020204" pitchFamily="34" charset="0"/>
+              </a:rPr>
               <a:t>Arhitectura</a:t>
             </a:r>
             <a:r>
-              <a:rPr dirty="0"/>
+              <a:rPr dirty="0">
+                <a:latin typeface="Arial" panose="020B0604020202020204" pitchFamily="34" charset="0"/>
+                <a:cs typeface="Arial" panose="020B0604020202020204" pitchFamily="34" charset="0"/>
+              </a:rPr>
               <a:t> </a:t>
             </a:r>
             <a:r>
-              <a:rPr lang="ro-RO" dirty="0"/>
+              <a:rPr lang="ro-RO" dirty="0">
+                <a:latin typeface="Arial" panose="020B0604020202020204" pitchFamily="34" charset="0"/>
+                <a:cs typeface="Arial" panose="020B0604020202020204" pitchFamily="34" charset="0"/>
+              </a:rPr>
               <a:t>s</a:t>
             </a:r>
             <a:r>
-              <a:rPr dirty="0" err="1"/>
+              <a:rPr dirty="0" err="1">
+                <a:latin typeface="Arial" panose="020B0604020202020204" pitchFamily="34" charset="0"/>
+                <a:cs typeface="Arial" panose="020B0604020202020204" pitchFamily="34" charset="0"/>
+              </a:rPr>
               <a:t>istemului</a:t>
             </a:r>
-            <a:endParaRPr dirty="0"/>
+            <a:endParaRPr dirty="0">
+              <a:latin typeface="Arial" panose="020B0604020202020204" pitchFamily="34" charset="0"/>
+              <a:cs typeface="Arial" panose="020B0604020202020204" pitchFamily="34" charset="0"/>
+            </a:endParaRPr>
           </a:p>
         </p:txBody>
       </p:sp>
@@ -7564,8 +8422,8 @@
         </p:nvSpPr>
         <p:spPr>
           <a:xfrm>
-            <a:off x="731520" y="1371600"/>
-            <a:ext cx="3291840" cy="4846320"/>
+            <a:off x="731520" y="1371599"/>
+            <a:ext cx="3291840" cy="5374709"/>
           </a:xfrm>
           <a:prstGeom prst="roundRect">
             <a:avLst/>
@@ -7612,7 +8470,7 @@
         <p:spPr>
           <a:xfrm>
             <a:off x="731520" y="1463040"/>
-            <a:ext cx="3291840" cy="457200"/>
+            <a:ext cx="3291840" cy="461665"/>
           </a:xfrm>
           <a:prstGeom prst="rect">
             <a:avLst/>
@@ -7634,7 +8492,11 @@
               </a:defRPr>
             </a:pPr>
             <a:r>
-              <a:t>FRONTEND (React SPA)</a:t>
+              <a:rPr sz="2400" dirty="0">
+                <a:latin typeface="Arial" panose="020B0604020202020204" pitchFamily="34" charset="0"/>
+                <a:cs typeface="Arial" panose="020B0604020202020204" pitchFamily="34" charset="0"/>
+              </a:rPr>
+              <a:t>FRONTEND (React)</a:t>
             </a:r>
           </a:p>
         </p:txBody>
@@ -7648,7 +8510,7 @@
         <p:spPr>
           <a:xfrm>
             <a:off x="914400" y="2011680"/>
-            <a:ext cx="2926080" cy="2534027"/>
+            <a:ext cx="2926080" cy="4734629"/>
           </a:xfrm>
           <a:prstGeom prst="rect">
             <a:avLst/>
@@ -7673,15 +8535,24 @@
               </a:defRPr>
             </a:pPr>
             <a:r>
-              <a:rPr dirty="0"/>
+              <a:rPr sz="2000" dirty="0">
+                <a:latin typeface="Arial" panose="020B0604020202020204" pitchFamily="34" charset="0"/>
+                <a:cs typeface="Arial" panose="020B0604020202020204" pitchFamily="34" charset="0"/>
+              </a:rPr>
               <a:t>12 </a:t>
             </a:r>
             <a:r>
-              <a:rPr dirty="0" err="1"/>
+              <a:rPr sz="2000" dirty="0" err="1">
+                <a:latin typeface="Arial" panose="020B0604020202020204" pitchFamily="34" charset="0"/>
+                <a:cs typeface="Arial" panose="020B0604020202020204" pitchFamily="34" charset="0"/>
+              </a:rPr>
               <a:t>pagini</a:t>
             </a:r>
             <a:r>
-              <a:rPr dirty="0"/>
+              <a:rPr sz="2000" dirty="0">
+                <a:latin typeface="Arial" panose="020B0604020202020204" pitchFamily="34" charset="0"/>
+                <a:cs typeface="Arial" panose="020B0604020202020204" pitchFamily="34" charset="0"/>
+              </a:rPr>
               <a:t> (Home, Teams, Players, Tournaments, Matches, etc.)</a:t>
             </a:r>
           </a:p>
@@ -7698,7 +8569,10 @@
               </a:defRPr>
             </a:pPr>
             <a:r>
-              <a:rPr dirty="0"/>
+              <a:rPr sz="2000" dirty="0">
+                <a:latin typeface="Arial" panose="020B0604020202020204" pitchFamily="34" charset="0"/>
+                <a:cs typeface="Arial" panose="020B0604020202020204" pitchFamily="34" charset="0"/>
+              </a:rPr>
               <a:t>3 Context Providers (Auth, Region, Theme)</a:t>
             </a:r>
           </a:p>
@@ -7715,34 +8589,58 @@
               </a:defRPr>
             </a:pPr>
             <a:r>
-              <a:rPr dirty="0"/>
+              <a:rPr sz="2000" dirty="0">
+                <a:latin typeface="Arial" panose="020B0604020202020204" pitchFamily="34" charset="0"/>
+                <a:cs typeface="Arial" panose="020B0604020202020204" pitchFamily="34" charset="0"/>
+              </a:rPr>
               <a:t>C</a:t>
             </a:r>
             <a:r>
-              <a:rPr lang="ro-RO" dirty="0"/>
+              <a:rPr lang="ro-RO" sz="2000" dirty="0">
+                <a:latin typeface="Arial" panose="020B0604020202020204" pitchFamily="34" charset="0"/>
+                <a:cs typeface="Arial" panose="020B0604020202020204" pitchFamily="34" charset="0"/>
+              </a:rPr>
               <a:t>ă</a:t>
             </a:r>
             <a:r>
-              <a:rPr dirty="0" err="1"/>
+              <a:rPr sz="2000" dirty="0" err="1">
+                <a:latin typeface="Arial" panose="020B0604020202020204" pitchFamily="34" charset="0"/>
+                <a:cs typeface="Arial" panose="020B0604020202020204" pitchFamily="34" charset="0"/>
+              </a:rPr>
               <a:t>utare</a:t>
             </a:r>
             <a:r>
-              <a:rPr dirty="0"/>
+              <a:rPr sz="2000" dirty="0">
+                <a:latin typeface="Arial" panose="020B0604020202020204" pitchFamily="34" charset="0"/>
+                <a:cs typeface="Arial" panose="020B0604020202020204" pitchFamily="34" charset="0"/>
+              </a:rPr>
               <a:t> global</a:t>
             </a:r>
             <a:r>
-              <a:rPr lang="ro-RO" dirty="0"/>
+              <a:rPr lang="ro-RO" sz="2000" dirty="0">
+                <a:latin typeface="Arial" panose="020B0604020202020204" pitchFamily="34" charset="0"/>
+                <a:cs typeface="Arial" panose="020B0604020202020204" pitchFamily="34" charset="0"/>
+              </a:rPr>
               <a:t>ă</a:t>
             </a:r>
             <a:r>
-              <a:rPr dirty="0"/>
+              <a:rPr sz="2000" dirty="0">
+                <a:latin typeface="Arial" panose="020B0604020202020204" pitchFamily="34" charset="0"/>
+                <a:cs typeface="Arial" panose="020B0604020202020204" pitchFamily="34" charset="0"/>
+              </a:rPr>
               <a:t> cu debounce </a:t>
             </a:r>
             <a:r>
-              <a:rPr dirty="0" err="1"/>
+              <a:rPr sz="2000" dirty="0" err="1">
+                <a:latin typeface="Arial" panose="020B0604020202020204" pitchFamily="34" charset="0"/>
+                <a:cs typeface="Arial" panose="020B0604020202020204" pitchFamily="34" charset="0"/>
+              </a:rPr>
               <a:t>300ms</a:t>
             </a:r>
-            <a:endParaRPr dirty="0"/>
+            <a:endParaRPr sz="2000" dirty="0">
+              <a:latin typeface="Arial" panose="020B0604020202020204" pitchFamily="34" charset="0"/>
+              <a:cs typeface="Arial" panose="020B0604020202020204" pitchFamily="34" charset="0"/>
+            </a:endParaRPr>
           </a:p>
           <a:p>
             <a:pPr>
@@ -7757,30 +8655,51 @@
               </a:defRPr>
             </a:pPr>
             <a:r>
-              <a:rPr dirty="0" err="1"/>
+              <a:rPr sz="2000" dirty="0" err="1">
+                <a:latin typeface="Arial" panose="020B0604020202020204" pitchFamily="34" charset="0"/>
+                <a:cs typeface="Arial" panose="020B0604020202020204" pitchFamily="34" charset="0"/>
+              </a:rPr>
               <a:t>Filtre</a:t>
             </a:r>
             <a:r>
-              <a:rPr dirty="0"/>
+              <a:rPr sz="2000" dirty="0">
+                <a:latin typeface="Arial" panose="020B0604020202020204" pitchFamily="34" charset="0"/>
+                <a:cs typeface="Arial" panose="020B0604020202020204" pitchFamily="34" charset="0"/>
+              </a:rPr>
               <a:t>, sort</a:t>
             </a:r>
             <a:r>
-              <a:rPr lang="ro-RO" dirty="0"/>
+              <a:rPr lang="ro-RO" sz="2000" dirty="0">
+                <a:latin typeface="Arial" panose="020B0604020202020204" pitchFamily="34" charset="0"/>
+                <a:cs typeface="Arial" panose="020B0604020202020204" pitchFamily="34" charset="0"/>
+              </a:rPr>
               <a:t>ă</a:t>
             </a:r>
             <a:r>
-              <a:rPr dirty="0" err="1"/>
+              <a:rPr sz="2000" dirty="0" err="1">
+                <a:latin typeface="Arial" panose="020B0604020202020204" pitchFamily="34" charset="0"/>
+                <a:cs typeface="Arial" panose="020B0604020202020204" pitchFamily="34" charset="0"/>
+              </a:rPr>
               <a:t>ri</a:t>
             </a:r>
             <a:r>
-              <a:rPr dirty="0"/>
+              <a:rPr sz="2000" dirty="0">
+                <a:latin typeface="Arial" panose="020B0604020202020204" pitchFamily="34" charset="0"/>
+                <a:cs typeface="Arial" panose="020B0604020202020204" pitchFamily="34" charset="0"/>
+              </a:rPr>
               <a:t>, tab-</a:t>
             </a:r>
             <a:r>
-              <a:rPr dirty="0" err="1"/>
+              <a:rPr sz="2000" dirty="0" err="1">
+                <a:latin typeface="Arial" panose="020B0604020202020204" pitchFamily="34" charset="0"/>
+                <a:cs typeface="Arial" panose="020B0604020202020204" pitchFamily="34" charset="0"/>
+              </a:rPr>
               <a:t>uri</a:t>
             </a:r>
-            <a:endParaRPr dirty="0"/>
+            <a:endParaRPr sz="2000" dirty="0">
+              <a:latin typeface="Arial" panose="020B0604020202020204" pitchFamily="34" charset="0"/>
+              <a:cs typeface="Arial" panose="020B0604020202020204" pitchFamily="34" charset="0"/>
+            </a:endParaRPr>
           </a:p>
           <a:p>
             <a:pPr>
@@ -7795,31 +8714,52 @@
               </a:defRPr>
             </a:pPr>
             <a:r>
-              <a:rPr dirty="0"/>
+              <a:rPr sz="2000" dirty="0">
+                <a:latin typeface="Arial" panose="020B0604020202020204" pitchFamily="34" charset="0"/>
+                <a:cs typeface="Arial" panose="020B0604020202020204" pitchFamily="34" charset="0"/>
+              </a:rPr>
               <a:t>Interceptor </a:t>
             </a:r>
             <a:r>
-              <a:rPr dirty="0" err="1"/>
+              <a:rPr sz="2000" dirty="0" err="1">
+                <a:latin typeface="Arial" panose="020B0604020202020204" pitchFamily="34" charset="0"/>
+                <a:cs typeface="Arial" panose="020B0604020202020204" pitchFamily="34" charset="0"/>
+              </a:rPr>
               <a:t>Axios</a:t>
             </a:r>
             <a:r>
-              <a:rPr dirty="0"/>
+              <a:rPr sz="2000" dirty="0">
+                <a:latin typeface="Arial" panose="020B0604020202020204" pitchFamily="34" charset="0"/>
+                <a:cs typeface="Arial" panose="020B0604020202020204" pitchFamily="34" charset="0"/>
+              </a:rPr>
               <a:t> </a:t>
             </a:r>
             <a:r>
-              <a:rPr dirty="0" err="1"/>
+              <a:rPr sz="2000" dirty="0" err="1">
+                <a:latin typeface="Arial" panose="020B0604020202020204" pitchFamily="34" charset="0"/>
+                <a:cs typeface="Arial" panose="020B0604020202020204" pitchFamily="34" charset="0"/>
+              </a:rPr>
               <a:t>pentru</a:t>
             </a:r>
             <a:r>
-              <a:rPr dirty="0"/>
+              <a:rPr sz="2000" dirty="0">
+                <a:latin typeface="Arial" panose="020B0604020202020204" pitchFamily="34" charset="0"/>
+                <a:cs typeface="Arial" panose="020B0604020202020204" pitchFamily="34" charset="0"/>
+              </a:rPr>
               <a:t> </a:t>
             </a:r>
             <a:r>
-              <a:rPr dirty="0" err="1"/>
+              <a:rPr sz="2000" dirty="0" err="1">
+                <a:latin typeface="Arial" panose="020B0604020202020204" pitchFamily="34" charset="0"/>
+                <a:cs typeface="Arial" panose="020B0604020202020204" pitchFamily="34" charset="0"/>
+              </a:rPr>
               <a:t>JWT</a:t>
             </a:r>
             <a:r>
-              <a:rPr dirty="0"/>
+              <a:rPr sz="2000" dirty="0">
+                <a:latin typeface="Arial" panose="020B0604020202020204" pitchFamily="34" charset="0"/>
+                <a:cs typeface="Arial" panose="020B0604020202020204" pitchFamily="34" charset="0"/>
+              </a:rPr>
               <a:t> refresh automat</a:t>
             </a:r>
           </a:p>
@@ -7836,11 +8776,17 @@
               </a:defRPr>
             </a:pPr>
             <a:r>
-              <a:rPr dirty="0" err="1"/>
+              <a:rPr sz="2000" dirty="0" err="1">
+                <a:latin typeface="Arial" panose="020B0604020202020204" pitchFamily="34" charset="0"/>
+                <a:cs typeface="Arial" panose="020B0604020202020204" pitchFamily="34" charset="0"/>
+              </a:rPr>
               <a:t>Tema</a:t>
             </a:r>
             <a:r>
-              <a:rPr dirty="0"/>
+              <a:rPr sz="2000" dirty="0">
+                <a:latin typeface="Arial" panose="020B0604020202020204" pitchFamily="34" charset="0"/>
+                <a:cs typeface="Arial" panose="020B0604020202020204" pitchFamily="34" charset="0"/>
+              </a:rPr>
               <a:t> dark/light cu Bootstrap 5</a:t>
             </a:r>
           </a:p>
@@ -7855,7 +8801,7 @@
         <p:spPr>
           <a:xfrm>
             <a:off x="4434840" y="1371600"/>
-            <a:ext cx="3474720" cy="4846320"/>
+            <a:ext cx="3474720" cy="5374708"/>
           </a:xfrm>
           <a:prstGeom prst="roundRect">
             <a:avLst/>
@@ -7901,8 +8847,8 @@
         </p:nvSpPr>
         <p:spPr>
           <a:xfrm>
-            <a:off x="4434840" y="1463040"/>
-            <a:ext cx="3474720" cy="457200"/>
+            <a:off x="4434840" y="1467505"/>
+            <a:ext cx="3474720" cy="461665"/>
           </a:xfrm>
           <a:prstGeom prst="rect">
             <a:avLst/>
@@ -7924,6 +8870,10 @@
               </a:defRPr>
             </a:pPr>
             <a:r>
+              <a:rPr sz="2400" dirty="0">
+                <a:latin typeface="Arial" panose="020B0604020202020204" pitchFamily="34" charset="0"/>
+                <a:cs typeface="Arial" panose="020B0604020202020204" pitchFamily="34" charset="0"/>
+              </a:rPr>
               <a:t>BACKEND (Django)</a:t>
             </a:r>
           </a:p>
@@ -7938,7 +8888,7 @@
         <p:spPr>
           <a:xfrm>
             <a:off x="4617720" y="2011680"/>
-            <a:ext cx="3108960" cy="3931920"/>
+            <a:ext cx="3108960" cy="4426853"/>
           </a:xfrm>
           <a:prstGeom prst="rect">
             <a:avLst/>
@@ -7963,7 +8913,25 @@
               </a:defRPr>
             </a:pPr>
             <a:r>
-              <a:t>7 modele (Game, Team, Player, Tournament, Match, ...)</a:t>
+              <a:rPr sz="2000" dirty="0">
+                <a:latin typeface="Arial" panose="020B0604020202020204" pitchFamily="34" charset="0"/>
+                <a:cs typeface="Arial" panose="020B0604020202020204" pitchFamily="34" charset="0"/>
+              </a:rPr>
+              <a:t>7 </a:t>
+            </a:r>
+            <a:r>
+              <a:rPr sz="2000" dirty="0" err="1">
+                <a:latin typeface="Arial" panose="020B0604020202020204" pitchFamily="34" charset="0"/>
+                <a:cs typeface="Arial" panose="020B0604020202020204" pitchFamily="34" charset="0"/>
+              </a:rPr>
+              <a:t>modele</a:t>
+            </a:r>
+            <a:r>
+              <a:rPr sz="2000" dirty="0">
+                <a:latin typeface="Arial" panose="020B0604020202020204" pitchFamily="34" charset="0"/>
+                <a:cs typeface="Arial" panose="020B0604020202020204" pitchFamily="34" charset="0"/>
+              </a:rPr>
+              <a:t> (Game, Team, Player, Tournament, Match, ...)</a:t>
             </a:r>
           </a:p>
           <a:p>
@@ -7979,7 +8947,25 @@
               </a:defRPr>
             </a:pPr>
             <a:r>
-              <a:t>API REST cu 5 ViewSets + custom actions</a:t>
+              <a:rPr sz="2000" dirty="0">
+                <a:latin typeface="Arial" panose="020B0604020202020204" pitchFamily="34" charset="0"/>
+                <a:cs typeface="Arial" panose="020B0604020202020204" pitchFamily="34" charset="0"/>
+              </a:rPr>
+              <a:t>API REST cu 5 </a:t>
+            </a:r>
+            <a:r>
+              <a:rPr sz="2000" dirty="0" err="1">
+                <a:latin typeface="Arial" panose="020B0604020202020204" pitchFamily="34" charset="0"/>
+                <a:cs typeface="Arial" panose="020B0604020202020204" pitchFamily="34" charset="0"/>
+              </a:rPr>
+              <a:t>ViewSets</a:t>
+            </a:r>
+            <a:r>
+              <a:rPr sz="2000" dirty="0">
+                <a:latin typeface="Arial" panose="020B0604020202020204" pitchFamily="34" charset="0"/>
+                <a:cs typeface="Arial" panose="020B0604020202020204" pitchFamily="34" charset="0"/>
+              </a:rPr>
+              <a:t> + custom actions</a:t>
             </a:r>
           </a:p>
           <a:p>
@@ -7995,8 +8981,37 @@
               </a:defRPr>
             </a:pPr>
             <a:r>
-              <a:t>9 serializere DRF</a:t>
-            </a:r>
+              <a:rPr sz="2000" dirty="0">
+                <a:latin typeface="Arial" panose="020B0604020202020204" pitchFamily="34" charset="0"/>
+                <a:cs typeface="Arial" panose="020B0604020202020204" pitchFamily="34" charset="0"/>
+              </a:rPr>
+              <a:t>9 </a:t>
+            </a:r>
+            <a:r>
+              <a:rPr sz="2000" dirty="0" err="1">
+                <a:latin typeface="Arial" panose="020B0604020202020204" pitchFamily="34" charset="0"/>
+                <a:cs typeface="Arial" panose="020B0604020202020204" pitchFamily="34" charset="0"/>
+              </a:rPr>
+              <a:t>serializere</a:t>
+            </a:r>
+            <a:r>
+              <a:rPr sz="2000" dirty="0">
+                <a:latin typeface="Arial" panose="020B0604020202020204" pitchFamily="34" charset="0"/>
+                <a:cs typeface="Arial" panose="020B0604020202020204" pitchFamily="34" charset="0"/>
+              </a:rPr>
+              <a:t> </a:t>
+            </a:r>
+            <a:r>
+              <a:rPr sz="2000" dirty="0" err="1">
+                <a:latin typeface="Arial" panose="020B0604020202020204" pitchFamily="34" charset="0"/>
+                <a:cs typeface="Arial" panose="020B0604020202020204" pitchFamily="34" charset="0"/>
+              </a:rPr>
+              <a:t>DRF</a:t>
+            </a:r>
+            <a:endParaRPr sz="2000" dirty="0">
+              <a:latin typeface="Arial" panose="020B0604020202020204" pitchFamily="34" charset="0"/>
+              <a:cs typeface="Arial" panose="020B0604020202020204" pitchFamily="34" charset="0"/>
+            </a:endParaRPr>
           </a:p>
           <a:p>
             <a:pPr>
@@ -8011,7 +9026,46 @@
               </a:defRPr>
             </a:pPr>
             <a:r>
-              <a:t>JWT auth (access 60m, refresh 7d)</a:t>
+              <a:rPr sz="2000" dirty="0" err="1">
+                <a:latin typeface="Arial" panose="020B0604020202020204" pitchFamily="34" charset="0"/>
+                <a:cs typeface="Arial" panose="020B0604020202020204" pitchFamily="34" charset="0"/>
+              </a:rPr>
+              <a:t>JWT</a:t>
+            </a:r>
+            <a:r>
+              <a:rPr sz="2000" dirty="0">
+                <a:latin typeface="Arial" panose="020B0604020202020204" pitchFamily="34" charset="0"/>
+                <a:cs typeface="Arial" panose="020B0604020202020204" pitchFamily="34" charset="0"/>
+              </a:rPr>
+              <a:t> auth (access </a:t>
+            </a:r>
+            <a:r>
+              <a:rPr sz="2000" dirty="0" err="1">
+                <a:latin typeface="Arial" panose="020B0604020202020204" pitchFamily="34" charset="0"/>
+                <a:cs typeface="Arial" panose="020B0604020202020204" pitchFamily="34" charset="0"/>
+              </a:rPr>
+              <a:t>60m</a:t>
+            </a:r>
+            <a:r>
+              <a:rPr sz="2000" dirty="0">
+                <a:latin typeface="Arial" panose="020B0604020202020204" pitchFamily="34" charset="0"/>
+                <a:cs typeface="Arial" panose="020B0604020202020204" pitchFamily="34" charset="0"/>
+              </a:rPr>
+              <a:t>, refresh </a:t>
+            </a:r>
+            <a:r>
+              <a:rPr sz="2000" dirty="0" err="1">
+                <a:latin typeface="Arial" panose="020B0604020202020204" pitchFamily="34" charset="0"/>
+                <a:cs typeface="Arial" panose="020B0604020202020204" pitchFamily="34" charset="0"/>
+              </a:rPr>
+              <a:t>7d</a:t>
+            </a:r>
+            <a:r>
+              <a:rPr sz="2000" dirty="0">
+                <a:latin typeface="Arial" panose="020B0604020202020204" pitchFamily="34" charset="0"/>
+                <a:cs typeface="Arial" panose="020B0604020202020204" pitchFamily="34" charset="0"/>
+              </a:rPr>
+              <a:t>)</a:t>
             </a:r>
           </a:p>
           <a:p>
@@ -8027,6 +9081,10 @@
               </a:defRPr>
             </a:pPr>
             <a:r>
+              <a:rPr sz="2000" dirty="0">
+                <a:latin typeface="Arial" panose="020B0604020202020204" pitchFamily="34" charset="0"/>
+                <a:cs typeface="Arial" panose="020B0604020202020204" pitchFamily="34" charset="0"/>
+              </a:rPr>
               <a:t>WebSocket broadcast (Channels)</a:t>
             </a:r>
           </a:p>
@@ -8043,7 +9101,39 @@
               </a:defRPr>
             </a:pPr>
             <a:r>
-              <a:t>3 task-uri periodice (Django-Q)</a:t>
+              <a:rPr sz="2000" dirty="0">
+                <a:latin typeface="Arial" panose="020B0604020202020204" pitchFamily="34" charset="0"/>
+                <a:cs typeface="Arial" panose="020B0604020202020204" pitchFamily="34" charset="0"/>
+              </a:rPr>
+              <a:t>3 task-</a:t>
+            </a:r>
+            <a:r>
+              <a:rPr sz="2000" dirty="0" err="1">
+                <a:latin typeface="Arial" panose="020B0604020202020204" pitchFamily="34" charset="0"/>
+                <a:cs typeface="Arial" panose="020B0604020202020204" pitchFamily="34" charset="0"/>
+              </a:rPr>
+              <a:t>uri</a:t>
+            </a:r>
+            <a:r>
+              <a:rPr sz="2000" dirty="0">
+                <a:latin typeface="Arial" panose="020B0604020202020204" pitchFamily="34" charset="0"/>
+                <a:cs typeface="Arial" panose="020B0604020202020204" pitchFamily="34" charset="0"/>
+              </a:rPr>
+              <a:t> </a:t>
+            </a:r>
+            <a:r>
+              <a:rPr sz="2000" dirty="0" err="1">
+                <a:latin typeface="Arial" panose="020B0604020202020204" pitchFamily="34" charset="0"/>
+                <a:cs typeface="Arial" panose="020B0604020202020204" pitchFamily="34" charset="0"/>
+              </a:rPr>
+              <a:t>periodice</a:t>
+            </a:r>
+            <a:r>
+              <a:rPr sz="2000" dirty="0">
+                <a:latin typeface="Arial" panose="020B0604020202020204" pitchFamily="34" charset="0"/>
+                <a:cs typeface="Arial" panose="020B0604020202020204" pitchFamily="34" charset="0"/>
+              </a:rPr>
+              <a:t> (Django-Q)</a:t>
             </a:r>
           </a:p>
         </p:txBody>
@@ -8056,8 +9146,8 @@
         </p:nvSpPr>
         <p:spPr>
           <a:xfrm>
-            <a:off x="8321040" y="1371600"/>
-            <a:ext cx="3200400" cy="4846320"/>
+            <a:off x="8321040" y="1371599"/>
+            <a:ext cx="3200400" cy="5374707"/>
           </a:xfrm>
           <a:prstGeom prst="roundRect">
             <a:avLst/>
@@ -8104,7 +9194,7 @@
         <p:spPr>
           <a:xfrm>
             <a:off x="8321040" y="1463040"/>
-            <a:ext cx="3200400" cy="457200"/>
+            <a:ext cx="3200400" cy="461665"/>
           </a:xfrm>
           <a:prstGeom prst="rect">
             <a:avLst/>
@@ -8126,8 +9216,30 @@
               </a:defRPr>
             </a:pPr>
             <a:r>
-              <a:t>SERVICII EXTERNE</a:t>
-            </a:r>
+              <a:rPr sz="2400" dirty="0" err="1">
+                <a:latin typeface="Arial" panose="020B0604020202020204" pitchFamily="34" charset="0"/>
+                <a:cs typeface="Arial" panose="020B0604020202020204" pitchFamily="34" charset="0"/>
+              </a:rPr>
+              <a:t>SERVICII</a:t>
+            </a:r>
+            <a:r>
+              <a:rPr sz="2400" dirty="0">
+                <a:latin typeface="Arial" panose="020B0604020202020204" pitchFamily="34" charset="0"/>
+                <a:cs typeface="Arial" panose="020B0604020202020204" pitchFamily="34" charset="0"/>
+              </a:rPr>
+              <a:t> </a:t>
+            </a:r>
+            <a:r>
+              <a:rPr sz="2400" dirty="0" err="1">
+                <a:latin typeface="Arial" panose="020B0604020202020204" pitchFamily="34" charset="0"/>
+                <a:cs typeface="Arial" panose="020B0604020202020204" pitchFamily="34" charset="0"/>
+              </a:rPr>
+              <a:t>EXTERNE</a:t>
+            </a:r>
+            <a:endParaRPr sz="2400" dirty="0">
+              <a:latin typeface="Arial" panose="020B0604020202020204" pitchFamily="34" charset="0"/>
+              <a:cs typeface="Arial" panose="020B0604020202020204" pitchFamily="34" charset="0"/>
+            </a:endParaRPr>
           </a:p>
         </p:txBody>
       </p:sp>
@@ -8140,7 +9252,7 @@
         <p:spPr>
           <a:xfrm>
             <a:off x="8503920" y="2011680"/>
-            <a:ext cx="2834640" cy="1477328"/>
+            <a:ext cx="2834640" cy="2939266"/>
           </a:xfrm>
           <a:prstGeom prst="rect">
             <a:avLst/>
@@ -8165,15 +9277,24 @@
               </a:defRPr>
             </a:pPr>
             <a:r>
-              <a:rPr dirty="0"/>
+              <a:rPr sz="2000" dirty="0">
+                <a:latin typeface="Arial" panose="020B0604020202020204" pitchFamily="34" charset="0"/>
+                <a:cs typeface="Arial" panose="020B0604020202020204" pitchFamily="34" charset="0"/>
+              </a:rPr>
               <a:t>PostgreSQL (</a:t>
             </a:r>
             <a:r>
-              <a:rPr dirty="0" err="1"/>
+              <a:rPr sz="2000" dirty="0" err="1">
+                <a:latin typeface="Arial" panose="020B0604020202020204" pitchFamily="34" charset="0"/>
+                <a:cs typeface="Arial" panose="020B0604020202020204" pitchFamily="34" charset="0"/>
+              </a:rPr>
               <a:t>esportsdb</a:t>
             </a:r>
             <a:r>
-              <a:rPr dirty="0"/>
+              <a:rPr sz="2000" dirty="0">
+                <a:latin typeface="Arial" panose="020B0604020202020204" pitchFamily="34" charset="0"/>
+                <a:cs typeface="Arial" panose="020B0604020202020204" pitchFamily="34" charset="0"/>
+              </a:rPr>
               <a:t>)</a:t>
             </a:r>
           </a:p>
@@ -8190,31 +9311,52 @@
               </a:defRPr>
             </a:pPr>
             <a:r>
-              <a:rPr dirty="0"/>
+              <a:rPr sz="2000" dirty="0">
+                <a:latin typeface="Arial" panose="020B0604020202020204" pitchFamily="34" charset="0"/>
+                <a:cs typeface="Arial" panose="020B0604020202020204" pitchFamily="34" charset="0"/>
+              </a:rPr>
               <a:t>API </a:t>
             </a:r>
             <a:r>
-              <a:rPr dirty="0" err="1"/>
+              <a:rPr sz="2000" dirty="0" err="1">
+                <a:latin typeface="Arial" panose="020B0604020202020204" pitchFamily="34" charset="0"/>
+                <a:cs typeface="Arial" panose="020B0604020202020204" pitchFamily="34" charset="0"/>
+              </a:rPr>
               <a:t>LoL</a:t>
             </a:r>
             <a:r>
-              <a:rPr dirty="0"/>
+              <a:rPr sz="2000" dirty="0">
+                <a:latin typeface="Arial" panose="020B0604020202020204" pitchFamily="34" charset="0"/>
+                <a:cs typeface="Arial" panose="020B0604020202020204" pitchFamily="34" charset="0"/>
+              </a:rPr>
               <a:t> Esports (</a:t>
             </a:r>
             <a:r>
-              <a:rPr dirty="0" err="1"/>
+              <a:rPr sz="2000" dirty="0" err="1">
+                <a:latin typeface="Arial" panose="020B0604020202020204" pitchFamily="34" charset="0"/>
+                <a:cs typeface="Arial" panose="020B0604020202020204" pitchFamily="34" charset="0"/>
+              </a:rPr>
               <a:t>getSchedule</a:t>
             </a:r>
             <a:r>
-              <a:rPr dirty="0"/>
+              <a:rPr sz="2000" dirty="0">
+                <a:latin typeface="Arial" panose="020B0604020202020204" pitchFamily="34" charset="0"/>
+                <a:cs typeface="Arial" panose="020B0604020202020204" pitchFamily="34" charset="0"/>
+              </a:rPr>
               <a:t>, </a:t>
             </a:r>
             <a:r>
-              <a:rPr dirty="0" err="1"/>
+              <a:rPr sz="2000" dirty="0" err="1">
+                <a:latin typeface="Arial" panose="020B0604020202020204" pitchFamily="34" charset="0"/>
+                <a:cs typeface="Arial" panose="020B0604020202020204" pitchFamily="34" charset="0"/>
+              </a:rPr>
               <a:t>getEventDetails</a:t>
             </a:r>
             <a:r>
-              <a:rPr dirty="0"/>
+              <a:rPr sz="2000" dirty="0">
+                <a:latin typeface="Arial" panose="020B0604020202020204" pitchFamily="34" charset="0"/>
+                <a:cs typeface="Arial" panose="020B0604020202020204" pitchFamily="34" charset="0"/>
+              </a:rPr>
               <a:t>)</a:t>
             </a:r>
           </a:p>
@@ -8231,23 +9373,38 @@
               </a:defRPr>
             </a:pPr>
             <a:r>
-              <a:rPr dirty="0"/>
+              <a:rPr sz="2000" dirty="0">
+                <a:latin typeface="Arial" panose="020B0604020202020204" pitchFamily="34" charset="0"/>
+                <a:cs typeface="Arial" panose="020B0604020202020204" pitchFamily="34" charset="0"/>
+              </a:rPr>
               <a:t>Gmail SMTP (</a:t>
             </a:r>
             <a:r>
-              <a:rPr dirty="0" err="1"/>
+              <a:rPr sz="2000" dirty="0" err="1">
+                <a:latin typeface="Arial" panose="020B0604020202020204" pitchFamily="34" charset="0"/>
+                <a:cs typeface="Arial" panose="020B0604020202020204" pitchFamily="34" charset="0"/>
+              </a:rPr>
               <a:t>notific</a:t>
             </a:r>
             <a:r>
-              <a:rPr lang="ro-RO" dirty="0"/>
+              <a:rPr lang="ro-RO" sz="2000" dirty="0">
+                <a:latin typeface="Arial" panose="020B0604020202020204" pitchFamily="34" charset="0"/>
+                <a:cs typeface="Arial" panose="020B0604020202020204" pitchFamily="34" charset="0"/>
+              </a:rPr>
               <a:t>ă</a:t>
             </a:r>
             <a:r>
-              <a:rPr dirty="0" err="1"/>
+              <a:rPr sz="2000" dirty="0" err="1">
+                <a:latin typeface="Arial" panose="020B0604020202020204" pitchFamily="34" charset="0"/>
+                <a:cs typeface="Arial" panose="020B0604020202020204" pitchFamily="34" charset="0"/>
+              </a:rPr>
               <a:t>ri</a:t>
             </a:r>
             <a:r>
-              <a:rPr dirty="0"/>
+              <a:rPr sz="2000" dirty="0">
+                <a:latin typeface="Arial" panose="020B0604020202020204" pitchFamily="34" charset="0"/>
+                <a:cs typeface="Arial" panose="020B0604020202020204" pitchFamily="34" charset="0"/>
+              </a:rPr>
               <a:t> email)</a:t>
             </a:r>
           </a:p>
@@ -8264,7 +9421,10 @@
               </a:defRPr>
             </a:pPr>
             <a:r>
-              <a:rPr dirty="0"/>
+              <a:rPr sz="2000" dirty="0">
+                <a:latin typeface="Arial" panose="020B0604020202020204" pitchFamily="34" charset="0"/>
+                <a:cs typeface="Arial" panose="020B0604020202020204" pitchFamily="34" charset="0"/>
+              </a:rPr>
               <a:t>YouTube (VOD links)</a:t>
             </a:r>
           </a:p>
@@ -8429,7 +9589,7 @@
         <p:spPr>
           <a:xfrm>
             <a:off x="731520" y="365760"/>
-            <a:ext cx="9144000" cy="548640"/>
+            <a:ext cx="9144000" cy="615553"/>
           </a:xfrm>
           <a:prstGeom prst="rect">
             <a:avLst/>
@@ -8451,6 +9611,10 @@
               </a:defRPr>
             </a:pPr>
             <a:r>
+              <a:rPr dirty="0">
+                <a:latin typeface="Arial" panose="020B0604020202020204" pitchFamily="34" charset="0"/>
+                <a:cs typeface="Arial" panose="020B0604020202020204" pitchFamily="34" charset="0"/>
+              </a:rPr>
               <a:t>Pipeline-ul Automat de Date</a:t>
             </a:r>
           </a:p>
@@ -8556,8 +9720,8 @@
         </p:nvSpPr>
         <p:spPr>
           <a:xfrm>
-            <a:off x="914400" y="1463040"/>
-            <a:ext cx="4937760" cy="369332"/>
+            <a:off x="833718" y="1463040"/>
+            <a:ext cx="5018442" cy="830997"/>
           </a:xfrm>
           <a:prstGeom prst="rect">
             <a:avLst/>
@@ -8580,30 +9744,48 @@
             </a:pPr>
             <a:r>
               <a:rPr lang="ro-RO" dirty="0"/>
-              <a:t>    </a:t>
-            </a:r>
-            <a:r>
-              <a:rPr dirty="0" err="1"/>
+              <a:t>  </a:t>
+            </a:r>
+            <a:r>
+              <a:rPr sz="2400" dirty="0" err="1">
+                <a:latin typeface="Arial" panose="020B0604020202020204" pitchFamily="34" charset="0"/>
+                <a:cs typeface="Arial" panose="020B0604020202020204" pitchFamily="34" charset="0"/>
+              </a:rPr>
               <a:t>Faza</a:t>
             </a:r>
             <a:r>
-              <a:rPr dirty="0"/>
+              <a:rPr sz="2400" dirty="0">
+                <a:latin typeface="Arial" panose="020B0604020202020204" pitchFamily="34" charset="0"/>
+                <a:cs typeface="Arial" panose="020B0604020202020204" pitchFamily="34" charset="0"/>
+              </a:rPr>
               <a:t> 1: Fetch </a:t>
             </a:r>
             <a:r>
-              <a:rPr lang="ro-RO" dirty="0"/>
+              <a:rPr lang="ro-RO" sz="2400" dirty="0">
+                <a:latin typeface="Arial" panose="020B0604020202020204" pitchFamily="34" charset="0"/>
+                <a:cs typeface="Arial" panose="020B0604020202020204" pitchFamily="34" charset="0"/>
+              </a:rPr>
               <a:t>p</a:t>
             </a:r>
             <a:r>
-              <a:rPr dirty="0" err="1"/>
+              <a:rPr sz="2400" dirty="0" err="1">
+                <a:latin typeface="Arial" panose="020B0604020202020204" pitchFamily="34" charset="0"/>
+                <a:cs typeface="Arial" panose="020B0604020202020204" pitchFamily="34" charset="0"/>
+              </a:rPr>
               <a:t>rogra</a:t>
             </a:r>
             <a:r>
-              <a:rPr lang="ro-RO" dirty="0"/>
+              <a:rPr lang="ro-RO" sz="2400" dirty="0">
+                <a:latin typeface="Arial" panose="020B0604020202020204" pitchFamily="34" charset="0"/>
+                <a:cs typeface="Arial" panose="020B0604020202020204" pitchFamily="34" charset="0"/>
+              </a:rPr>
               <a:t>me ligi</a:t>
             </a:r>
             <a:r>
-              <a:rPr dirty="0"/>
+              <a:rPr sz="2400" dirty="0">
+                <a:latin typeface="Arial" panose="020B0604020202020204" pitchFamily="34" charset="0"/>
+                <a:cs typeface="Arial" panose="020B0604020202020204" pitchFamily="34" charset="0"/>
+              </a:rPr>
               <a:t> (la 15 min)</a:t>
             </a:r>
           </a:p>
@@ -8617,8 +9799,8 @@
         </p:nvSpPr>
         <p:spPr>
           <a:xfrm>
-            <a:off x="914400" y="2011680"/>
-            <a:ext cx="4937760" cy="2349361"/>
+            <a:off x="914400" y="2294037"/>
+            <a:ext cx="4937760" cy="3811300"/>
           </a:xfrm>
           <a:prstGeom prst="rect">
             <a:avLst/>
@@ -8643,62 +9825,107 @@
               </a:defRPr>
             </a:pPr>
             <a:r>
-              <a:rPr dirty="0" err="1"/>
+              <a:rPr sz="2000" dirty="0" err="1">
+                <a:latin typeface="Arial" panose="020B0604020202020204" pitchFamily="34" charset="0"/>
+                <a:cs typeface="Arial" panose="020B0604020202020204" pitchFamily="34" charset="0"/>
+              </a:rPr>
               <a:t>Itereaz</a:t>
             </a:r>
             <a:r>
-              <a:rPr lang="ro-RO" dirty="0"/>
+              <a:rPr lang="ro-RO" sz="2000" dirty="0">
+                <a:latin typeface="Arial" panose="020B0604020202020204" pitchFamily="34" charset="0"/>
+                <a:cs typeface="Arial" panose="020B0604020202020204" pitchFamily="34" charset="0"/>
+              </a:rPr>
               <a:t>ă</a:t>
             </a:r>
             <a:r>
-              <a:rPr dirty="0"/>
+              <a:rPr sz="2000" dirty="0">
+                <a:latin typeface="Arial" panose="020B0604020202020204" pitchFamily="34" charset="0"/>
+                <a:cs typeface="Arial" panose="020B0604020202020204" pitchFamily="34" charset="0"/>
+              </a:rPr>
               <a:t> </a:t>
             </a:r>
             <a:r>
-              <a:rPr dirty="0" err="1"/>
+              <a:rPr sz="2000" dirty="0" err="1">
+                <a:latin typeface="Arial" panose="020B0604020202020204" pitchFamily="34" charset="0"/>
+                <a:cs typeface="Arial" panose="020B0604020202020204" pitchFamily="34" charset="0"/>
+              </a:rPr>
               <a:t>prin</a:t>
             </a:r>
             <a:r>
-              <a:rPr dirty="0"/>
+              <a:rPr sz="2000" dirty="0">
+                <a:latin typeface="Arial" panose="020B0604020202020204" pitchFamily="34" charset="0"/>
+                <a:cs typeface="Arial" panose="020B0604020202020204" pitchFamily="34" charset="0"/>
+              </a:rPr>
               <a:t> </a:t>
             </a:r>
             <a:r>
-              <a:rPr lang="ro-RO" dirty="0"/>
+              <a:rPr lang="ro-RO" sz="2000" dirty="0">
+                <a:latin typeface="Arial" panose="020B0604020202020204" pitchFamily="34" charset="0"/>
+                <a:cs typeface="Arial" panose="020B0604020202020204" pitchFamily="34" charset="0"/>
+              </a:rPr>
               <a:t>5</a:t>
             </a:r>
             <a:r>
-              <a:rPr dirty="0"/>
+              <a:rPr sz="2000" dirty="0">
+                <a:latin typeface="Arial" panose="020B0604020202020204" pitchFamily="34" charset="0"/>
+                <a:cs typeface="Arial" panose="020B0604020202020204" pitchFamily="34" charset="0"/>
+              </a:rPr>
               <a:t> </a:t>
             </a:r>
             <a:r>
-              <a:rPr dirty="0" err="1"/>
+              <a:rPr sz="2000" dirty="0" err="1">
+                <a:latin typeface="Arial" panose="020B0604020202020204" pitchFamily="34" charset="0"/>
+                <a:cs typeface="Arial" panose="020B0604020202020204" pitchFamily="34" charset="0"/>
+              </a:rPr>
               <a:t>ligi</a:t>
             </a:r>
             <a:r>
-              <a:rPr dirty="0"/>
+              <a:rPr sz="2000" dirty="0">
+                <a:latin typeface="Arial" panose="020B0604020202020204" pitchFamily="34" charset="0"/>
+                <a:cs typeface="Arial" panose="020B0604020202020204" pitchFamily="34" charset="0"/>
+              </a:rPr>
               <a:t>: </a:t>
             </a:r>
             <a:r>
-              <a:rPr dirty="0" err="1"/>
+              <a:rPr sz="2000" dirty="0" err="1">
+                <a:latin typeface="Arial" panose="020B0604020202020204" pitchFamily="34" charset="0"/>
+                <a:cs typeface="Arial" panose="020B0604020202020204" pitchFamily="34" charset="0"/>
+              </a:rPr>
               <a:t>LCK</a:t>
             </a:r>
             <a:r>
-              <a:rPr dirty="0"/>
+              <a:rPr sz="2000" dirty="0">
+                <a:latin typeface="Arial" panose="020B0604020202020204" pitchFamily="34" charset="0"/>
+                <a:cs typeface="Arial" panose="020B0604020202020204" pitchFamily="34" charset="0"/>
+              </a:rPr>
               <a:t>, </a:t>
             </a:r>
             <a:r>
-              <a:rPr dirty="0" err="1"/>
+              <a:rPr sz="2000" dirty="0" err="1">
+                <a:latin typeface="Arial" panose="020B0604020202020204" pitchFamily="34" charset="0"/>
+                <a:cs typeface="Arial" panose="020B0604020202020204" pitchFamily="34" charset="0"/>
+              </a:rPr>
               <a:t>LEC</a:t>
             </a:r>
             <a:r>
-              <a:rPr dirty="0"/>
+              <a:rPr sz="2000" dirty="0">
+                <a:latin typeface="Arial" panose="020B0604020202020204" pitchFamily="34" charset="0"/>
+                <a:cs typeface="Arial" panose="020B0604020202020204" pitchFamily="34" charset="0"/>
+              </a:rPr>
               <a:t>, LPL, LCS</a:t>
             </a:r>
             <a:r>
-              <a:rPr lang="ro-RO" dirty="0"/>
+              <a:rPr lang="ro-RO" sz="2000" dirty="0">
+                <a:latin typeface="Arial" panose="020B0604020202020204" pitchFamily="34" charset="0"/>
+                <a:cs typeface="Arial" panose="020B0604020202020204" pitchFamily="34" charset="0"/>
+              </a:rPr>
               <a:t>, APAC</a:t>
             </a:r>
-            <a:endParaRPr dirty="0"/>
+            <a:endParaRPr sz="2000" dirty="0">
+              <a:latin typeface="Arial" panose="020B0604020202020204" pitchFamily="34" charset="0"/>
+              <a:cs typeface="Arial" panose="020B0604020202020204" pitchFamily="34" charset="0"/>
+            </a:endParaRPr>
           </a:p>
           <a:p>
             <a:pPr>
@@ -8713,50 +9940,86 @@
               </a:defRPr>
             </a:pPr>
             <a:r>
-              <a:rPr dirty="0" err="1"/>
+              <a:rPr sz="2000" dirty="0" err="1">
+                <a:latin typeface="Arial" panose="020B0604020202020204" pitchFamily="34" charset="0"/>
+                <a:cs typeface="Arial" panose="020B0604020202020204" pitchFamily="34" charset="0"/>
+              </a:rPr>
               <a:t>Apeleaz</a:t>
             </a:r>
             <a:r>
-              <a:rPr lang="ro-RO" dirty="0"/>
+              <a:rPr lang="ro-RO" sz="2000" dirty="0">
+                <a:latin typeface="Arial" panose="020B0604020202020204" pitchFamily="34" charset="0"/>
+                <a:cs typeface="Arial" panose="020B0604020202020204" pitchFamily="34" charset="0"/>
+              </a:rPr>
               <a:t>ă</a:t>
             </a:r>
             <a:r>
-              <a:rPr dirty="0"/>
+              <a:rPr sz="2000" dirty="0">
+                <a:latin typeface="Arial" panose="020B0604020202020204" pitchFamily="34" charset="0"/>
+                <a:cs typeface="Arial" panose="020B0604020202020204" pitchFamily="34" charset="0"/>
+              </a:rPr>
               <a:t> </a:t>
             </a:r>
             <a:r>
-              <a:rPr dirty="0" err="1"/>
+              <a:rPr sz="2000" dirty="0" err="1">
+                <a:latin typeface="Arial" panose="020B0604020202020204" pitchFamily="34" charset="0"/>
+                <a:cs typeface="Arial" panose="020B0604020202020204" pitchFamily="34" charset="0"/>
+              </a:rPr>
               <a:t>getSchedule</a:t>
             </a:r>
             <a:r>
-              <a:rPr dirty="0"/>
+              <a:rPr sz="2000" dirty="0">
+                <a:latin typeface="Arial" panose="020B0604020202020204" pitchFamily="34" charset="0"/>
+                <a:cs typeface="Arial" panose="020B0604020202020204" pitchFamily="34" charset="0"/>
+              </a:rPr>
               <a:t> </a:t>
             </a:r>
             <a:r>
-              <a:rPr dirty="0" err="1"/>
+              <a:rPr sz="2000" dirty="0" err="1">
+                <a:latin typeface="Arial" panose="020B0604020202020204" pitchFamily="34" charset="0"/>
+                <a:cs typeface="Arial" panose="020B0604020202020204" pitchFamily="34" charset="0"/>
+              </a:rPr>
               <a:t>pentru</a:t>
             </a:r>
             <a:r>
-              <a:rPr dirty="0"/>
+              <a:rPr sz="2000" dirty="0">
+                <a:latin typeface="Arial" panose="020B0604020202020204" pitchFamily="34" charset="0"/>
+                <a:cs typeface="Arial" panose="020B0604020202020204" pitchFamily="34" charset="0"/>
+              </a:rPr>
               <a:t> </a:t>
             </a:r>
             <a:r>
-              <a:rPr dirty="0" err="1"/>
+              <a:rPr sz="2000" dirty="0" err="1">
+                <a:latin typeface="Arial" panose="020B0604020202020204" pitchFamily="34" charset="0"/>
+                <a:cs typeface="Arial" panose="020B0604020202020204" pitchFamily="34" charset="0"/>
+              </a:rPr>
               <a:t>fiecare</a:t>
             </a:r>
             <a:r>
-              <a:rPr dirty="0"/>
+              <a:rPr sz="2000" dirty="0">
+                <a:latin typeface="Arial" panose="020B0604020202020204" pitchFamily="34" charset="0"/>
+                <a:cs typeface="Arial" panose="020B0604020202020204" pitchFamily="34" charset="0"/>
+              </a:rPr>
               <a:t> </a:t>
             </a:r>
             <a:r>
-              <a:rPr dirty="0" err="1"/>
+              <a:rPr sz="2000" dirty="0" err="1">
+                <a:latin typeface="Arial" panose="020B0604020202020204" pitchFamily="34" charset="0"/>
+                <a:cs typeface="Arial" panose="020B0604020202020204" pitchFamily="34" charset="0"/>
+              </a:rPr>
               <a:t>lig</a:t>
             </a:r>
             <a:r>
-              <a:rPr lang="ro-RO" dirty="0"/>
+              <a:rPr lang="ro-RO" sz="2000" dirty="0">
+                <a:latin typeface="Arial" panose="020B0604020202020204" pitchFamily="34" charset="0"/>
+                <a:cs typeface="Arial" panose="020B0604020202020204" pitchFamily="34" charset="0"/>
+              </a:rPr>
               <a:t>ă</a:t>
             </a:r>
-            <a:endParaRPr dirty="0"/>
+            <a:endParaRPr sz="2000" dirty="0">
+              <a:latin typeface="Arial" panose="020B0604020202020204" pitchFamily="34" charset="0"/>
+              <a:cs typeface="Arial" panose="020B0604020202020204" pitchFamily="34" charset="0"/>
+            </a:endParaRPr>
           </a:p>
           <a:p>
             <a:pPr>
@@ -8771,46 +10034,79 @@
               </a:defRPr>
             </a:pPr>
             <a:r>
-              <a:rPr dirty="0" err="1"/>
+              <a:rPr sz="2000" dirty="0" err="1">
+                <a:latin typeface="Arial" panose="020B0604020202020204" pitchFamily="34" charset="0"/>
+                <a:cs typeface="Arial" panose="020B0604020202020204" pitchFamily="34" charset="0"/>
+              </a:rPr>
               <a:t>DataMapper</a:t>
             </a:r>
             <a:r>
-              <a:rPr dirty="0"/>
+              <a:rPr sz="2000" dirty="0">
+                <a:latin typeface="Arial" panose="020B0604020202020204" pitchFamily="34" charset="0"/>
+                <a:cs typeface="Arial" panose="020B0604020202020204" pitchFamily="34" charset="0"/>
+              </a:rPr>
               <a:t> </a:t>
             </a:r>
             <a:r>
-              <a:rPr dirty="0" err="1"/>
+              <a:rPr sz="2000" dirty="0" err="1">
+                <a:latin typeface="Arial" panose="020B0604020202020204" pitchFamily="34" charset="0"/>
+                <a:cs typeface="Arial" panose="020B0604020202020204" pitchFamily="34" charset="0"/>
+              </a:rPr>
               <a:t>extrage</a:t>
             </a:r>
             <a:r>
-              <a:rPr dirty="0"/>
+              <a:rPr sz="2000" dirty="0">
+                <a:latin typeface="Arial" panose="020B0604020202020204" pitchFamily="34" charset="0"/>
+                <a:cs typeface="Arial" panose="020B0604020202020204" pitchFamily="34" charset="0"/>
+              </a:rPr>
               <a:t>: </a:t>
             </a:r>
             <a:r>
-              <a:rPr dirty="0" err="1"/>
+              <a:rPr sz="2000" dirty="0" err="1">
+                <a:latin typeface="Arial" panose="020B0604020202020204" pitchFamily="34" charset="0"/>
+                <a:cs typeface="Arial" panose="020B0604020202020204" pitchFamily="34" charset="0"/>
+              </a:rPr>
               <a:t>echipe</a:t>
             </a:r>
             <a:r>
-              <a:rPr dirty="0"/>
+              <a:rPr sz="2000" dirty="0">
+                <a:latin typeface="Arial" panose="020B0604020202020204" pitchFamily="34" charset="0"/>
+                <a:cs typeface="Arial" panose="020B0604020202020204" pitchFamily="34" charset="0"/>
+              </a:rPr>
               <a:t>, </a:t>
             </a:r>
             <a:r>
-              <a:rPr dirty="0" err="1"/>
+              <a:rPr sz="2000" dirty="0" err="1">
+                <a:latin typeface="Arial" panose="020B0604020202020204" pitchFamily="34" charset="0"/>
+                <a:cs typeface="Arial" panose="020B0604020202020204" pitchFamily="34" charset="0"/>
+              </a:rPr>
               <a:t>scor</a:t>
             </a:r>
             <a:r>
-              <a:rPr dirty="0"/>
+              <a:rPr sz="2000" dirty="0">
+                <a:latin typeface="Arial" panose="020B0604020202020204" pitchFamily="34" charset="0"/>
+                <a:cs typeface="Arial" panose="020B0604020202020204" pitchFamily="34" charset="0"/>
+              </a:rPr>
               <a:t>, stare, </a:t>
             </a:r>
             <a:r>
-              <a:rPr dirty="0" err="1"/>
+              <a:rPr sz="2000" dirty="0" err="1">
+                <a:latin typeface="Arial" panose="020B0604020202020204" pitchFamily="34" charset="0"/>
+                <a:cs typeface="Arial" panose="020B0604020202020204" pitchFamily="34" charset="0"/>
+              </a:rPr>
               <a:t>dat</a:t>
             </a:r>
             <a:r>
-              <a:rPr lang="ro-RO" dirty="0"/>
+              <a:rPr lang="ro-RO" sz="2000" dirty="0">
+                <a:latin typeface="Arial" panose="020B0604020202020204" pitchFamily="34" charset="0"/>
+                <a:cs typeface="Arial" panose="020B0604020202020204" pitchFamily="34" charset="0"/>
+              </a:rPr>
               <a:t>ă</a:t>
             </a:r>
-            <a:endParaRPr dirty="0"/>
+            <a:endParaRPr sz="2000" dirty="0">
+              <a:latin typeface="Arial" panose="020B0604020202020204" pitchFamily="34" charset="0"/>
+              <a:cs typeface="Arial" panose="020B0604020202020204" pitchFamily="34" charset="0"/>
+            </a:endParaRPr>
           </a:p>
           <a:p>
             <a:pPr>
@@ -8825,31 +10121,52 @@
               </a:defRPr>
             </a:pPr>
             <a:r>
-              <a:rPr dirty="0" err="1"/>
+              <a:rPr sz="2000" dirty="0" err="1">
+                <a:latin typeface="Arial" panose="020B0604020202020204" pitchFamily="34" charset="0"/>
+                <a:cs typeface="Arial" panose="020B0604020202020204" pitchFamily="34" charset="0"/>
+              </a:rPr>
               <a:t>Upsert</a:t>
             </a:r>
             <a:r>
-              <a:rPr dirty="0"/>
+              <a:rPr sz="2000" dirty="0">
+                <a:latin typeface="Arial" panose="020B0604020202020204" pitchFamily="34" charset="0"/>
+                <a:cs typeface="Arial" panose="020B0604020202020204" pitchFamily="34" charset="0"/>
+              </a:rPr>
               <a:t> cu</a:t>
             </a:r>
             <a:r>
-              <a:rPr lang="ro-RO" dirty="0"/>
+              <a:rPr lang="ro-RO" sz="2000" dirty="0">
+                <a:latin typeface="Arial" panose="020B0604020202020204" pitchFamily="34" charset="0"/>
+                <a:cs typeface="Arial" panose="020B0604020202020204" pitchFamily="34" charset="0"/>
+              </a:rPr>
               <a:t> </a:t>
             </a:r>
             <a:r>
-              <a:rPr dirty="0" err="1"/>
+              <a:rPr sz="2000" dirty="0" err="1">
+                <a:latin typeface="Arial" panose="020B0604020202020204" pitchFamily="34" charset="0"/>
+                <a:cs typeface="Arial" panose="020B0604020202020204" pitchFamily="34" charset="0"/>
+              </a:rPr>
               <a:t>Match.objects.update_or_create</a:t>
             </a:r>
             <a:r>
-              <a:rPr dirty="0"/>
+              <a:rPr sz="2000" dirty="0">
+                <a:latin typeface="Arial" panose="020B0604020202020204" pitchFamily="34" charset="0"/>
+                <a:cs typeface="Arial" panose="020B0604020202020204" pitchFamily="34" charset="0"/>
+              </a:rPr>
               <a:t>(</a:t>
             </a:r>
             <a:r>
-              <a:rPr dirty="0" err="1"/>
+              <a:rPr sz="2000" dirty="0" err="1">
+                <a:latin typeface="Arial" panose="020B0604020202020204" pitchFamily="34" charset="0"/>
+                <a:cs typeface="Arial" panose="020B0604020202020204" pitchFamily="34" charset="0"/>
+              </a:rPr>
               <a:t>external_id</a:t>
             </a:r>
             <a:r>
-              <a:rPr dirty="0"/>
+              <a:rPr sz="2000" dirty="0">
+                <a:latin typeface="Arial" panose="020B0604020202020204" pitchFamily="34" charset="0"/>
+                <a:cs typeface="Arial" panose="020B0604020202020204" pitchFamily="34" charset="0"/>
+              </a:rPr>
               <a:t>=...)</a:t>
             </a:r>
           </a:p>
@@ -8866,19 +10183,31 @@
               </a:defRPr>
             </a:pPr>
             <a:r>
-              <a:rPr dirty="0" err="1"/>
+              <a:rPr sz="2000" dirty="0" err="1">
+                <a:latin typeface="Arial" panose="020B0604020202020204" pitchFamily="34" charset="0"/>
+                <a:cs typeface="Arial" panose="020B0604020202020204" pitchFamily="34" charset="0"/>
+              </a:rPr>
               <a:t>Paginare</a:t>
             </a:r>
             <a:r>
-              <a:rPr dirty="0"/>
+              <a:rPr sz="2000" dirty="0">
+                <a:latin typeface="Arial" panose="020B0604020202020204" pitchFamily="34" charset="0"/>
+                <a:cs typeface="Arial" panose="020B0604020202020204" pitchFamily="34" charset="0"/>
+              </a:rPr>
               <a:t> automata (</a:t>
             </a:r>
             <a:r>
-              <a:rPr dirty="0" err="1"/>
+              <a:rPr sz="2000" dirty="0" err="1">
+                <a:latin typeface="Arial" panose="020B0604020202020204" pitchFamily="34" charset="0"/>
+                <a:cs typeface="Arial" panose="020B0604020202020204" pitchFamily="34" charset="0"/>
+              </a:rPr>
               <a:t>pages.newer</a:t>
             </a:r>
             <a:r>
-              <a:rPr dirty="0"/>
+              <a:rPr sz="2000" dirty="0">
+                <a:latin typeface="Arial" panose="020B0604020202020204" pitchFamily="34" charset="0"/>
+                <a:cs typeface="Arial" panose="020B0604020202020204" pitchFamily="34" charset="0"/>
+              </a:rPr>
               <a:t> token)</a:t>
             </a:r>
           </a:p>
@@ -8895,7 +10224,10 @@
               </a:defRPr>
             </a:pPr>
             <a:r>
-              <a:rPr dirty="0"/>
+              <a:rPr sz="2000" dirty="0">
+                <a:latin typeface="Arial" panose="020B0604020202020204" pitchFamily="34" charset="0"/>
+                <a:cs typeface="Arial" panose="020B0604020202020204" pitchFamily="34" charset="0"/>
+              </a:rPr>
               <a:t>Fallback VOD pe canal YouTube regional</a:t>
             </a:r>
           </a:p>
@@ -8957,7 +10289,7 @@
         <p:spPr>
           <a:xfrm>
             <a:off x="6537960" y="1463040"/>
-            <a:ext cx="4754880" cy="369332"/>
+            <a:ext cx="4754880" cy="830997"/>
           </a:xfrm>
           <a:prstGeom prst="rect">
             <a:avLst/>
@@ -8979,31 +10311,52 @@
               </a:defRPr>
             </a:pPr>
             <a:r>
-              <a:rPr dirty="0" err="1"/>
+              <a:rPr sz="2400" dirty="0" err="1">
+                <a:latin typeface="Arial" panose="020B0604020202020204" pitchFamily="34" charset="0"/>
+                <a:cs typeface="Arial" panose="020B0604020202020204" pitchFamily="34" charset="0"/>
+              </a:rPr>
               <a:t>Faza</a:t>
             </a:r>
             <a:r>
-              <a:rPr dirty="0"/>
+              <a:rPr sz="2400" dirty="0">
+                <a:latin typeface="Arial" panose="020B0604020202020204" pitchFamily="34" charset="0"/>
+                <a:cs typeface="Arial" panose="020B0604020202020204" pitchFamily="34" charset="0"/>
+              </a:rPr>
               <a:t> 2:</a:t>
             </a:r>
             <a:r>
-              <a:rPr lang="ro-RO" dirty="0"/>
+              <a:rPr lang="ro-RO" sz="2400" dirty="0">
+                <a:latin typeface="Arial" panose="020B0604020202020204" pitchFamily="34" charset="0"/>
+                <a:cs typeface="Arial" panose="020B0604020202020204" pitchFamily="34" charset="0"/>
+              </a:rPr>
               <a:t> Actualizare</a:t>
             </a:r>
             <a:r>
-              <a:rPr dirty="0"/>
+              <a:rPr sz="2400" dirty="0">
+                <a:latin typeface="Arial" panose="020B0604020202020204" pitchFamily="34" charset="0"/>
+                <a:cs typeface="Arial" panose="020B0604020202020204" pitchFamily="34" charset="0"/>
+              </a:rPr>
               <a:t> </a:t>
             </a:r>
             <a:r>
-              <a:rPr lang="ro-RO" dirty="0"/>
+              <a:rPr lang="ro-RO" sz="2400" dirty="0">
+                <a:latin typeface="Arial" panose="020B0604020202020204" pitchFamily="34" charset="0"/>
+                <a:cs typeface="Arial" panose="020B0604020202020204" pitchFamily="34" charset="0"/>
+              </a:rPr>
               <a:t>r</a:t>
             </a:r>
             <a:r>
-              <a:rPr dirty="0" err="1"/>
+              <a:rPr sz="2400" dirty="0" err="1">
+                <a:latin typeface="Arial" panose="020B0604020202020204" pitchFamily="34" charset="0"/>
+                <a:cs typeface="Arial" panose="020B0604020202020204" pitchFamily="34" charset="0"/>
+              </a:rPr>
               <a:t>ezultate</a:t>
             </a:r>
             <a:r>
-              <a:rPr dirty="0"/>
+              <a:rPr sz="2400" dirty="0">
+                <a:latin typeface="Arial" panose="020B0604020202020204" pitchFamily="34" charset="0"/>
+                <a:cs typeface="Arial" panose="020B0604020202020204" pitchFamily="34" charset="0"/>
+              </a:rPr>
               <a:t> (la 5 min)</a:t>
             </a:r>
           </a:p>
@@ -9017,8 +10370,8 @@
         </p:nvSpPr>
         <p:spPr>
           <a:xfrm>
-            <a:off x="6537960" y="2011680"/>
-            <a:ext cx="4754880" cy="990015"/>
+            <a:off x="6522720" y="2271334"/>
+            <a:ext cx="4754880" cy="1220847"/>
           </a:xfrm>
           <a:prstGeom prst="rect">
             <a:avLst/>
@@ -9043,35 +10396,59 @@
               </a:defRPr>
             </a:pPr>
             <a:r>
-              <a:rPr dirty="0" err="1"/>
+              <a:rPr sz="2000" dirty="0" err="1">
+                <a:latin typeface="Arial" panose="020B0604020202020204" pitchFamily="34" charset="0"/>
+                <a:cs typeface="Arial" panose="020B0604020202020204" pitchFamily="34" charset="0"/>
+              </a:rPr>
               <a:t>getEventDetails</a:t>
             </a:r>
             <a:r>
-              <a:rPr dirty="0"/>
+              <a:rPr sz="2000" dirty="0">
+                <a:latin typeface="Arial" panose="020B0604020202020204" pitchFamily="34" charset="0"/>
+                <a:cs typeface="Arial" panose="020B0604020202020204" pitchFamily="34" charset="0"/>
+              </a:rPr>
               <a:t> per </a:t>
             </a:r>
             <a:r>
-              <a:rPr dirty="0" err="1"/>
+              <a:rPr sz="2000" dirty="0" err="1">
+                <a:latin typeface="Arial" panose="020B0604020202020204" pitchFamily="34" charset="0"/>
+                <a:cs typeface="Arial" panose="020B0604020202020204" pitchFamily="34" charset="0"/>
+              </a:rPr>
               <a:t>meci</a:t>
             </a:r>
             <a:r>
-              <a:rPr dirty="0"/>
+              <a:rPr sz="2000" dirty="0">
+                <a:latin typeface="Arial" panose="020B0604020202020204" pitchFamily="34" charset="0"/>
+                <a:cs typeface="Arial" panose="020B0604020202020204" pitchFamily="34" charset="0"/>
+              </a:rPr>
               <a:t> (</a:t>
             </a:r>
             <a:r>
-              <a:rPr dirty="0" err="1"/>
+              <a:rPr sz="2000" dirty="0" err="1">
+                <a:latin typeface="Arial" panose="020B0604020202020204" pitchFamily="34" charset="0"/>
+                <a:cs typeface="Arial" panose="020B0604020202020204" pitchFamily="34" charset="0"/>
+              </a:rPr>
               <a:t>detalii</a:t>
             </a:r>
             <a:r>
-              <a:rPr dirty="0"/>
+              <a:rPr sz="2000" dirty="0">
+                <a:latin typeface="Arial" panose="020B0604020202020204" pitchFamily="34" charset="0"/>
+                <a:cs typeface="Arial" panose="020B0604020202020204" pitchFamily="34" charset="0"/>
+              </a:rPr>
               <a:t> per </a:t>
             </a:r>
             <a:r>
-              <a:rPr dirty="0" err="1"/>
+              <a:rPr sz="2000" dirty="0" err="1">
+                <a:latin typeface="Arial" panose="020B0604020202020204" pitchFamily="34" charset="0"/>
+                <a:cs typeface="Arial" panose="020B0604020202020204" pitchFamily="34" charset="0"/>
+              </a:rPr>
               <a:t>joc</a:t>
             </a:r>
             <a:r>
-              <a:rPr dirty="0"/>
+              <a:rPr sz="2000" dirty="0">
+                <a:latin typeface="Arial" panose="020B0604020202020204" pitchFamily="34" charset="0"/>
+                <a:cs typeface="Arial" panose="020B0604020202020204" pitchFamily="34" charset="0"/>
+              </a:rPr>
               <a:t>)</a:t>
             </a:r>
           </a:p>
@@ -9088,18 +10465,30 @@
               </a:defRPr>
             </a:pPr>
             <a:r>
-              <a:rPr dirty="0" err="1"/>
+              <a:rPr sz="2000" dirty="0" err="1">
+                <a:latin typeface="Arial" panose="020B0604020202020204" pitchFamily="34" charset="0"/>
+                <a:cs typeface="Arial" panose="020B0604020202020204" pitchFamily="34" charset="0"/>
+              </a:rPr>
               <a:t>Scor</a:t>
             </a:r>
             <a:r>
-              <a:rPr dirty="0"/>
+              <a:rPr sz="2000" dirty="0">
+                <a:latin typeface="Arial" panose="020B0604020202020204" pitchFamily="34" charset="0"/>
+                <a:cs typeface="Arial" panose="020B0604020202020204" pitchFamily="34" charset="0"/>
+              </a:rPr>
               <a:t> final, VOD-</a:t>
             </a:r>
             <a:r>
-              <a:rPr dirty="0" err="1"/>
+              <a:rPr sz="2000" dirty="0" err="1">
+                <a:latin typeface="Arial" panose="020B0604020202020204" pitchFamily="34" charset="0"/>
+                <a:cs typeface="Arial" panose="020B0604020202020204" pitchFamily="34" charset="0"/>
+              </a:rPr>
               <a:t>uri</a:t>
             </a:r>
-            <a:endParaRPr dirty="0"/>
+            <a:endParaRPr sz="2000" dirty="0">
+              <a:latin typeface="Arial" panose="020B0604020202020204" pitchFamily="34" charset="0"/>
+              <a:cs typeface="Arial" panose="020B0604020202020204" pitchFamily="34" charset="0"/>
+            </a:endParaRPr>
           </a:p>
           <a:p>
             <a:pPr>
@@ -9114,18 +10503,30 @@
               </a:defRPr>
             </a:pPr>
             <a:r>
-              <a:rPr dirty="0" err="1"/>
+              <a:rPr sz="2000" dirty="0" err="1">
+                <a:latin typeface="Arial" panose="020B0604020202020204" pitchFamily="34" charset="0"/>
+                <a:cs typeface="Arial" panose="020B0604020202020204" pitchFamily="34" charset="0"/>
+              </a:rPr>
               <a:t>Echipe</a:t>
             </a:r>
             <a:r>
-              <a:rPr dirty="0"/>
+              <a:rPr sz="2000" dirty="0">
+                <a:latin typeface="Arial" panose="020B0604020202020204" pitchFamily="34" charset="0"/>
+                <a:cs typeface="Arial" panose="020B0604020202020204" pitchFamily="34" charset="0"/>
+              </a:rPr>
               <a:t> cu side blue/red per </a:t>
             </a:r>
             <a:r>
-              <a:rPr dirty="0" err="1"/>
+              <a:rPr sz="2000" dirty="0" err="1">
+                <a:latin typeface="Arial" panose="020B0604020202020204" pitchFamily="34" charset="0"/>
+                <a:cs typeface="Arial" panose="020B0604020202020204" pitchFamily="34" charset="0"/>
+              </a:rPr>
               <a:t>joc</a:t>
             </a:r>
-            <a:endParaRPr dirty="0"/>
+            <a:endParaRPr sz="2000" dirty="0">
+              <a:latin typeface="Arial" panose="020B0604020202020204" pitchFamily="34" charset="0"/>
+              <a:cs typeface="Arial" panose="020B0604020202020204" pitchFamily="34" charset="0"/>
+            </a:endParaRPr>
           </a:p>
         </p:txBody>
       </p:sp>
@@ -9185,7 +10586,7 @@
         <p:spPr>
           <a:xfrm>
             <a:off x="6537960" y="3840480"/>
-            <a:ext cx="4754880" cy="369332"/>
+            <a:ext cx="4754880" cy="461665"/>
           </a:xfrm>
           <a:prstGeom prst="rect">
             <a:avLst/>
@@ -9208,30 +10609,48 @@
             </a:pPr>
             <a:r>
               <a:rPr lang="ro-RO" dirty="0"/>
-              <a:t>		</a:t>
-            </a:r>
-            <a:r>
-              <a:rPr dirty="0" err="1"/>
+              <a:t>	</a:t>
+            </a:r>
+            <a:r>
+              <a:rPr sz="2400" dirty="0" err="1">
+                <a:latin typeface="Arial" panose="020B0604020202020204" pitchFamily="34" charset="0"/>
+                <a:cs typeface="Arial" panose="020B0604020202020204" pitchFamily="34" charset="0"/>
+              </a:rPr>
               <a:t>Notific</a:t>
             </a:r>
             <a:r>
-              <a:rPr lang="ro-RO" dirty="0"/>
+              <a:rPr lang="ro-RO" sz="2400" dirty="0">
+                <a:latin typeface="Arial" panose="020B0604020202020204" pitchFamily="34" charset="0"/>
+                <a:cs typeface="Arial" panose="020B0604020202020204" pitchFamily="34" charset="0"/>
+              </a:rPr>
               <a:t>ă</a:t>
             </a:r>
             <a:r>
-              <a:rPr dirty="0" err="1"/>
+              <a:rPr sz="2400" dirty="0" err="1">
+                <a:latin typeface="Arial" panose="020B0604020202020204" pitchFamily="34" charset="0"/>
+                <a:cs typeface="Arial" panose="020B0604020202020204" pitchFamily="34" charset="0"/>
+              </a:rPr>
               <a:t>ri</a:t>
             </a:r>
             <a:r>
-              <a:rPr dirty="0"/>
+              <a:rPr sz="2400" dirty="0">
+                <a:latin typeface="Arial" panose="020B0604020202020204" pitchFamily="34" charset="0"/>
+                <a:cs typeface="Arial" panose="020B0604020202020204" pitchFamily="34" charset="0"/>
+              </a:rPr>
               <a:t> </a:t>
             </a:r>
             <a:r>
-              <a:rPr lang="ro-RO" dirty="0"/>
+              <a:rPr lang="ro-RO" sz="2400" dirty="0">
+                <a:latin typeface="Arial" panose="020B0604020202020204" pitchFamily="34" charset="0"/>
+                <a:cs typeface="Arial" panose="020B0604020202020204" pitchFamily="34" charset="0"/>
+              </a:rPr>
               <a:t>e</a:t>
             </a:r>
             <a:r>
-              <a:rPr dirty="0"/>
+              <a:rPr sz="2400" dirty="0">
+                <a:latin typeface="Arial" panose="020B0604020202020204" pitchFamily="34" charset="0"/>
+                <a:cs typeface="Arial" panose="020B0604020202020204" pitchFamily="34" charset="0"/>
+              </a:rPr>
               <a:t>mail (la 5 min)</a:t>
             </a:r>
           </a:p>
@@ -9245,8 +10664,8 @@
         </p:nvSpPr>
         <p:spPr>
           <a:xfrm>
-            <a:off x="6537960" y="4389120"/>
-            <a:ext cx="4754880" cy="1645920"/>
+            <a:off x="6537960" y="4300475"/>
+            <a:ext cx="4754880" cy="1938992"/>
           </a:xfrm>
           <a:prstGeom prst="rect">
             <a:avLst/>
@@ -9271,35 +10690,59 @@
               </a:defRPr>
             </a:pPr>
             <a:r>
-              <a:rPr dirty="0" err="1"/>
+              <a:rPr sz="2000" dirty="0" err="1">
+                <a:latin typeface="Arial" panose="020B0604020202020204" pitchFamily="34" charset="0"/>
+                <a:cs typeface="Arial" panose="020B0604020202020204" pitchFamily="34" charset="0"/>
+              </a:rPr>
               <a:t>2h</a:t>
             </a:r>
             <a:r>
-              <a:rPr dirty="0"/>
+              <a:rPr sz="2000" dirty="0">
+                <a:latin typeface="Arial" panose="020B0604020202020204" pitchFamily="34" charset="0"/>
+                <a:cs typeface="Arial" panose="020B0604020202020204" pitchFamily="34" charset="0"/>
+              </a:rPr>
               <a:t> </a:t>
             </a:r>
             <a:r>
-              <a:rPr dirty="0" err="1"/>
+              <a:rPr sz="2000" dirty="0" err="1">
+                <a:latin typeface="Arial" panose="020B0604020202020204" pitchFamily="34" charset="0"/>
+                <a:cs typeface="Arial" panose="020B0604020202020204" pitchFamily="34" charset="0"/>
+              </a:rPr>
               <a:t>inainte</a:t>
             </a:r>
             <a:r>
-              <a:rPr dirty="0"/>
+              <a:rPr sz="2000" dirty="0">
+                <a:latin typeface="Arial" panose="020B0604020202020204" pitchFamily="34" charset="0"/>
+                <a:cs typeface="Arial" panose="020B0604020202020204" pitchFamily="34" charset="0"/>
+              </a:rPr>
               <a:t>: email </a:t>
             </a:r>
             <a:r>
-              <a:rPr dirty="0" err="1"/>
+              <a:rPr sz="2000" dirty="0" err="1">
+                <a:latin typeface="Arial" panose="020B0604020202020204" pitchFamily="34" charset="0"/>
+                <a:cs typeface="Arial" panose="020B0604020202020204" pitchFamily="34" charset="0"/>
+              </a:rPr>
               <a:t>pentru</a:t>
             </a:r>
             <a:r>
-              <a:rPr dirty="0"/>
+              <a:rPr sz="2000" dirty="0">
+                <a:latin typeface="Arial" panose="020B0604020202020204" pitchFamily="34" charset="0"/>
+                <a:cs typeface="Arial" panose="020B0604020202020204" pitchFamily="34" charset="0"/>
+              </a:rPr>
               <a:t> </a:t>
             </a:r>
             <a:r>
-              <a:rPr dirty="0" err="1"/>
+              <a:rPr sz="2000" dirty="0" err="1">
+                <a:latin typeface="Arial" panose="020B0604020202020204" pitchFamily="34" charset="0"/>
+                <a:cs typeface="Arial" panose="020B0604020202020204" pitchFamily="34" charset="0"/>
+              </a:rPr>
               <a:t>echipe</a:t>
             </a:r>
             <a:r>
-              <a:rPr dirty="0"/>
+              <a:rPr sz="2000" dirty="0">
+                <a:latin typeface="Arial" panose="020B0604020202020204" pitchFamily="34" charset="0"/>
+                <a:cs typeface="Arial" panose="020B0604020202020204" pitchFamily="34" charset="0"/>
+              </a:rPr>
               <a:t> favorite</a:t>
             </a:r>
           </a:p>
@@ -9316,35 +10759,59 @@
               </a:defRPr>
             </a:pPr>
             <a:r>
-              <a:rPr dirty="0" err="1"/>
+              <a:rPr sz="2000" dirty="0" err="1">
+                <a:latin typeface="Arial" panose="020B0604020202020204" pitchFamily="34" charset="0"/>
+                <a:cs typeface="Arial" panose="020B0604020202020204" pitchFamily="34" charset="0"/>
+              </a:rPr>
               <a:t>10min</a:t>
             </a:r>
             <a:r>
-              <a:rPr dirty="0"/>
+              <a:rPr sz="2000" dirty="0">
+                <a:latin typeface="Arial" panose="020B0604020202020204" pitchFamily="34" charset="0"/>
+                <a:cs typeface="Arial" panose="020B0604020202020204" pitchFamily="34" charset="0"/>
+              </a:rPr>
               <a:t> </a:t>
             </a:r>
             <a:r>
-              <a:rPr dirty="0" err="1"/>
+              <a:rPr sz="2000" dirty="0" err="1">
+                <a:latin typeface="Arial" panose="020B0604020202020204" pitchFamily="34" charset="0"/>
+                <a:cs typeface="Arial" panose="020B0604020202020204" pitchFamily="34" charset="0"/>
+              </a:rPr>
               <a:t>inainte</a:t>
             </a:r>
             <a:r>
-              <a:rPr dirty="0"/>
+              <a:rPr sz="2000" dirty="0">
+                <a:latin typeface="Arial" panose="020B0604020202020204" pitchFamily="34" charset="0"/>
+                <a:cs typeface="Arial" panose="020B0604020202020204" pitchFamily="34" charset="0"/>
+              </a:rPr>
               <a:t>: email </a:t>
             </a:r>
             <a:r>
-              <a:rPr dirty="0" err="1"/>
+              <a:rPr sz="2000" dirty="0" err="1">
+                <a:latin typeface="Arial" panose="020B0604020202020204" pitchFamily="34" charset="0"/>
+                <a:cs typeface="Arial" panose="020B0604020202020204" pitchFamily="34" charset="0"/>
+              </a:rPr>
               <a:t>pentru</a:t>
             </a:r>
             <a:r>
-              <a:rPr dirty="0"/>
+              <a:rPr sz="2000" dirty="0">
+                <a:latin typeface="Arial" panose="020B0604020202020204" pitchFamily="34" charset="0"/>
+                <a:cs typeface="Arial" panose="020B0604020202020204" pitchFamily="34" charset="0"/>
+              </a:rPr>
               <a:t> </a:t>
             </a:r>
             <a:r>
-              <a:rPr dirty="0" err="1"/>
+              <a:rPr sz="2000" dirty="0" err="1">
+                <a:latin typeface="Arial" panose="020B0604020202020204" pitchFamily="34" charset="0"/>
+                <a:cs typeface="Arial" panose="020B0604020202020204" pitchFamily="34" charset="0"/>
+              </a:rPr>
               <a:t>meciuri</a:t>
             </a:r>
             <a:r>
-              <a:rPr dirty="0"/>
+              <a:rPr sz="2000" dirty="0">
+                <a:latin typeface="Arial" panose="020B0604020202020204" pitchFamily="34" charset="0"/>
+                <a:cs typeface="Arial" panose="020B0604020202020204" pitchFamily="34" charset="0"/>
+              </a:rPr>
               <a:t> favorite</a:t>
             </a:r>
           </a:p>
@@ -9361,26 +10828,44 @@
               </a:defRPr>
             </a:pPr>
             <a:r>
-              <a:rPr dirty="0" err="1"/>
+              <a:rPr sz="2000" dirty="0" err="1">
+                <a:latin typeface="Arial" panose="020B0604020202020204" pitchFamily="34" charset="0"/>
+                <a:cs typeface="Arial" panose="020B0604020202020204" pitchFamily="34" charset="0"/>
+              </a:rPr>
               <a:t>NotificationLog</a:t>
             </a:r>
             <a:r>
-              <a:rPr dirty="0"/>
+              <a:rPr sz="2000" dirty="0">
+                <a:latin typeface="Arial" panose="020B0604020202020204" pitchFamily="34" charset="0"/>
+                <a:cs typeface="Arial" panose="020B0604020202020204" pitchFamily="34" charset="0"/>
+              </a:rPr>
               <a:t> </a:t>
             </a:r>
             <a:r>
-              <a:rPr dirty="0" err="1"/>
+              <a:rPr sz="2000" dirty="0" err="1">
+                <a:latin typeface="Arial" panose="020B0604020202020204" pitchFamily="34" charset="0"/>
+                <a:cs typeface="Arial" panose="020B0604020202020204" pitchFamily="34" charset="0"/>
+              </a:rPr>
               <a:t>previne</a:t>
             </a:r>
             <a:r>
-              <a:rPr dirty="0"/>
+              <a:rPr sz="2000" dirty="0">
+                <a:latin typeface="Arial" panose="020B0604020202020204" pitchFamily="34" charset="0"/>
+                <a:cs typeface="Arial" panose="020B0604020202020204" pitchFamily="34" charset="0"/>
+              </a:rPr>
               <a:t> </a:t>
             </a:r>
             <a:r>
-              <a:rPr dirty="0" err="1"/>
+              <a:rPr sz="2000" dirty="0" err="1">
+                <a:latin typeface="Arial" panose="020B0604020202020204" pitchFamily="34" charset="0"/>
+                <a:cs typeface="Arial" panose="020B0604020202020204" pitchFamily="34" charset="0"/>
+              </a:rPr>
               <a:t>duplicatele</a:t>
             </a:r>
-            <a:endParaRPr dirty="0"/>
+            <a:endParaRPr sz="2000" dirty="0">
+              <a:latin typeface="Arial" panose="020B0604020202020204" pitchFamily="34" charset="0"/>
+              <a:cs typeface="Arial" panose="020B0604020202020204" pitchFamily="34" charset="0"/>
+            </a:endParaRPr>
           </a:p>
           <a:p>
             <a:pPr>
@@ -9395,14 +10880,23 @@
               </a:defRPr>
             </a:pPr>
             <a:r>
-              <a:rPr dirty="0"/>
+              <a:rPr sz="2000" dirty="0">
+                <a:latin typeface="Arial" panose="020B0604020202020204" pitchFamily="34" charset="0"/>
+                <a:cs typeface="Arial" panose="020B0604020202020204" pitchFamily="34" charset="0"/>
+              </a:rPr>
               <a:t>Gmail SMTP cu template </a:t>
             </a:r>
             <a:r>
-              <a:rPr dirty="0" err="1"/>
+              <a:rPr sz="2000" dirty="0" err="1">
+                <a:latin typeface="Arial" panose="020B0604020202020204" pitchFamily="34" charset="0"/>
+                <a:cs typeface="Arial" panose="020B0604020202020204" pitchFamily="34" charset="0"/>
+              </a:rPr>
               <a:t>personalizat</a:t>
             </a:r>
-            <a:endParaRPr dirty="0"/>
+            <a:endParaRPr sz="2000" dirty="0">
+              <a:latin typeface="Arial" panose="020B0604020202020204" pitchFamily="34" charset="0"/>
+              <a:cs typeface="Arial" panose="020B0604020202020204" pitchFamily="34" charset="0"/>
+            </a:endParaRPr>
           </a:p>
         </p:txBody>
       </p:sp>
@@ -9515,27 +11009,45 @@
               </a:defRPr>
             </a:pPr>
             <a:r>
-              <a:rPr dirty="0" err="1"/>
+              <a:rPr dirty="0" err="1">
+                <a:latin typeface="Arial" panose="020B0604020202020204" pitchFamily="34" charset="0"/>
+                <a:cs typeface="Arial" panose="020B0604020202020204" pitchFamily="34" charset="0"/>
+              </a:rPr>
               <a:t>Interfa</a:t>
             </a:r>
             <a:r>
-              <a:rPr lang="ro-RO" dirty="0"/>
+              <a:rPr lang="ro-RO" dirty="0">
+                <a:latin typeface="Arial" panose="020B0604020202020204" pitchFamily="34" charset="0"/>
+                <a:cs typeface="Arial" panose="020B0604020202020204" pitchFamily="34" charset="0"/>
+              </a:rPr>
               <a:t>ț</a:t>
             </a:r>
             <a:r>
-              <a:rPr dirty="0"/>
+              <a:rPr dirty="0">
+                <a:latin typeface="Arial" panose="020B0604020202020204" pitchFamily="34" charset="0"/>
+                <a:cs typeface="Arial" panose="020B0604020202020204" pitchFamily="34" charset="0"/>
+              </a:rPr>
               <a:t>a </a:t>
             </a:r>
             <a:r>
-              <a:rPr lang="ro-RO" dirty="0"/>
+              <a:rPr lang="ro-RO" dirty="0">
+                <a:latin typeface="Arial" panose="020B0604020202020204" pitchFamily="34" charset="0"/>
+                <a:cs typeface="Arial" panose="020B0604020202020204" pitchFamily="34" charset="0"/>
+              </a:rPr>
               <a:t>u</a:t>
             </a:r>
             <a:r>
-              <a:rPr dirty="0" err="1"/>
+              <a:rPr dirty="0" err="1">
+                <a:latin typeface="Arial" panose="020B0604020202020204" pitchFamily="34" charset="0"/>
+                <a:cs typeface="Arial" panose="020B0604020202020204" pitchFamily="34" charset="0"/>
+              </a:rPr>
               <a:t>tilizator</a:t>
             </a:r>
             <a:r>
-              <a:rPr dirty="0"/>
+              <a:rPr dirty="0">
+                <a:latin typeface="Arial" panose="020B0604020202020204" pitchFamily="34" charset="0"/>
+                <a:cs typeface="Arial" panose="020B0604020202020204" pitchFamily="34" charset="0"/>
+              </a:rPr>
               <a:t> (Frontend)</a:t>
             </a:r>
           </a:p>
@@ -9595,7 +11107,7 @@
         <p:spPr>
           <a:xfrm>
             <a:off x="746607" y="1371600"/>
-            <a:ext cx="3383280" cy="4846320"/>
+            <a:ext cx="3383280" cy="5307106"/>
           </a:xfrm>
           <a:prstGeom prst="roundRect">
             <a:avLst/>
@@ -9642,7 +11154,7 @@
         <p:spPr>
           <a:xfrm>
             <a:off x="929487" y="1508760"/>
-            <a:ext cx="3017520" cy="457200"/>
+            <a:ext cx="3017520" cy="461665"/>
           </a:xfrm>
           <a:prstGeom prst="rect">
             <a:avLst/>
@@ -9664,8 +11176,30 @@
               </a:defRPr>
             </a:pPr>
             <a:r>
-              <a:t>Pagini principale</a:t>
-            </a:r>
+              <a:rPr sz="2400" dirty="0" err="1">
+                <a:latin typeface="Arial" panose="020B0604020202020204" pitchFamily="34" charset="0"/>
+                <a:cs typeface="Arial" panose="020B0604020202020204" pitchFamily="34" charset="0"/>
+              </a:rPr>
+              <a:t>Pagini</a:t>
+            </a:r>
+            <a:r>
+              <a:rPr sz="2400" dirty="0">
+                <a:latin typeface="Arial" panose="020B0604020202020204" pitchFamily="34" charset="0"/>
+                <a:cs typeface="Arial" panose="020B0604020202020204" pitchFamily="34" charset="0"/>
+              </a:rPr>
+              <a:t> </a:t>
+            </a:r>
+            <a:r>
+              <a:rPr sz="2400" dirty="0" err="1">
+                <a:latin typeface="Arial" panose="020B0604020202020204" pitchFamily="34" charset="0"/>
+                <a:cs typeface="Arial" panose="020B0604020202020204" pitchFamily="34" charset="0"/>
+              </a:rPr>
+              <a:t>principale</a:t>
+            </a:r>
+            <a:endParaRPr sz="2400" dirty="0">
+              <a:latin typeface="Arial" panose="020B0604020202020204" pitchFamily="34" charset="0"/>
+              <a:cs typeface="Arial" panose="020B0604020202020204" pitchFamily="34" charset="0"/>
+            </a:endParaRPr>
           </a:p>
         </p:txBody>
       </p:sp>
@@ -9723,7 +11257,7 @@
         <p:spPr>
           <a:xfrm>
             <a:off x="975207" y="2286000"/>
-            <a:ext cx="2926080" cy="2544286"/>
+            <a:ext cx="2926080" cy="4298613"/>
           </a:xfrm>
           <a:prstGeom prst="rect">
             <a:avLst/>
@@ -9748,42 +11282,72 @@
               </a:defRPr>
             </a:pPr>
             <a:r>
-              <a:rPr dirty="0"/>
+              <a:rPr sz="2000" dirty="0">
+                <a:latin typeface="Arial" panose="020B0604020202020204" pitchFamily="34" charset="0"/>
+                <a:cs typeface="Arial" panose="020B0604020202020204" pitchFamily="34" charset="0"/>
+              </a:rPr>
               <a:t>Home: c</a:t>
             </a:r>
             <a:r>
-              <a:rPr lang="ro-RO" dirty="0"/>
+              <a:rPr lang="ro-RO" sz="2000" dirty="0">
+                <a:latin typeface="Arial" panose="020B0604020202020204" pitchFamily="34" charset="0"/>
+                <a:cs typeface="Arial" panose="020B0604020202020204" pitchFamily="34" charset="0"/>
+              </a:rPr>
               <a:t>ă</a:t>
             </a:r>
             <a:r>
-              <a:rPr dirty="0" err="1"/>
+              <a:rPr sz="2000" dirty="0" err="1">
+                <a:latin typeface="Arial" panose="020B0604020202020204" pitchFamily="34" charset="0"/>
+                <a:cs typeface="Arial" panose="020B0604020202020204" pitchFamily="34" charset="0"/>
+              </a:rPr>
               <a:t>utare</a:t>
             </a:r>
             <a:r>
-              <a:rPr dirty="0"/>
+              <a:rPr sz="2000" dirty="0">
+                <a:latin typeface="Arial" panose="020B0604020202020204" pitchFamily="34" charset="0"/>
+                <a:cs typeface="Arial" panose="020B0604020202020204" pitchFamily="34" charset="0"/>
+              </a:rPr>
               <a:t> global</a:t>
             </a:r>
             <a:r>
-              <a:rPr lang="ro-RO" dirty="0"/>
+              <a:rPr lang="ro-RO" sz="2000" dirty="0">
+                <a:latin typeface="Arial" panose="020B0604020202020204" pitchFamily="34" charset="0"/>
+                <a:cs typeface="Arial" panose="020B0604020202020204" pitchFamily="34" charset="0"/>
+              </a:rPr>
               <a:t>ă</a:t>
             </a:r>
             <a:r>
-              <a:rPr dirty="0"/>
+              <a:rPr sz="2000" dirty="0">
+                <a:latin typeface="Arial" panose="020B0604020202020204" pitchFamily="34" charset="0"/>
+                <a:cs typeface="Arial" panose="020B0604020202020204" pitchFamily="34" charset="0"/>
+              </a:rPr>
               <a:t> + </a:t>
             </a:r>
             <a:r>
-              <a:rPr dirty="0" err="1"/>
+              <a:rPr sz="2000" dirty="0" err="1">
+                <a:latin typeface="Arial" panose="020B0604020202020204" pitchFamily="34" charset="0"/>
+                <a:cs typeface="Arial" panose="020B0604020202020204" pitchFamily="34" charset="0"/>
+              </a:rPr>
               <a:t>meciuri</a:t>
             </a:r>
             <a:r>
-              <a:rPr dirty="0"/>
+              <a:rPr sz="2000" dirty="0">
+                <a:latin typeface="Arial" panose="020B0604020202020204" pitchFamily="34" charset="0"/>
+                <a:cs typeface="Arial" panose="020B0604020202020204" pitchFamily="34" charset="0"/>
+              </a:rPr>
               <a:t> </a:t>
             </a:r>
             <a:r>
-              <a:rPr dirty="0" err="1"/>
+              <a:rPr sz="2000" dirty="0" err="1">
+                <a:latin typeface="Arial" panose="020B0604020202020204" pitchFamily="34" charset="0"/>
+                <a:cs typeface="Arial" panose="020B0604020202020204" pitchFamily="34" charset="0"/>
+              </a:rPr>
               <a:t>viitoare</a:t>
             </a:r>
-            <a:endParaRPr dirty="0"/>
+            <a:endParaRPr sz="2000" dirty="0">
+              <a:latin typeface="Arial" panose="020B0604020202020204" pitchFamily="34" charset="0"/>
+              <a:cs typeface="Arial" panose="020B0604020202020204" pitchFamily="34" charset="0"/>
+            </a:endParaRPr>
           </a:p>
           <a:p>
             <a:pPr>
@@ -9798,38 +11362,65 @@
               </a:defRPr>
             </a:pPr>
             <a:r>
-              <a:rPr dirty="0"/>
+              <a:rPr sz="2000" dirty="0">
+                <a:latin typeface="Arial" panose="020B0604020202020204" pitchFamily="34" charset="0"/>
+                <a:cs typeface="Arial" panose="020B0604020202020204" pitchFamily="34" charset="0"/>
+              </a:rPr>
               <a:t>Teams: grid cu </a:t>
             </a:r>
             <a:r>
-              <a:rPr dirty="0" err="1"/>
+              <a:rPr sz="2000" dirty="0" err="1">
+                <a:latin typeface="Arial" panose="020B0604020202020204" pitchFamily="34" charset="0"/>
+                <a:cs typeface="Arial" panose="020B0604020202020204" pitchFamily="34" charset="0"/>
+              </a:rPr>
               <a:t>filtre</a:t>
             </a:r>
             <a:r>
-              <a:rPr dirty="0"/>
+              <a:rPr sz="2000" dirty="0">
+                <a:latin typeface="Arial" panose="020B0604020202020204" pitchFamily="34" charset="0"/>
+                <a:cs typeface="Arial" panose="020B0604020202020204" pitchFamily="34" charset="0"/>
+              </a:rPr>
               <a:t> </a:t>
             </a:r>
             <a:r>
-              <a:rPr lang="ro-RO" dirty="0"/>
+              <a:rPr lang="ro-RO" sz="2000" dirty="0">
+                <a:latin typeface="Arial" panose="020B0604020202020204" pitchFamily="34" charset="0"/>
+                <a:cs typeface="Arial" panose="020B0604020202020204" pitchFamily="34" charset="0"/>
+              </a:rPr>
               <a:t>ț</a:t>
             </a:r>
             <a:r>
-              <a:rPr dirty="0" err="1"/>
+              <a:rPr sz="2000" dirty="0" err="1">
+                <a:latin typeface="Arial" panose="020B0604020202020204" pitchFamily="34" charset="0"/>
+                <a:cs typeface="Arial" panose="020B0604020202020204" pitchFamily="34" charset="0"/>
+              </a:rPr>
               <a:t>ar</a:t>
             </a:r>
             <a:r>
-              <a:rPr lang="ro-RO" dirty="0"/>
+              <a:rPr lang="ro-RO" sz="2000" dirty="0">
+                <a:latin typeface="Arial" panose="020B0604020202020204" pitchFamily="34" charset="0"/>
+                <a:cs typeface="Arial" panose="020B0604020202020204" pitchFamily="34" charset="0"/>
+              </a:rPr>
               <a:t>ă</a:t>
             </a:r>
             <a:r>
-              <a:rPr dirty="0"/>
+              <a:rPr sz="2000" dirty="0">
+                <a:latin typeface="Arial" panose="020B0604020202020204" pitchFamily="34" charset="0"/>
+                <a:cs typeface="Arial" panose="020B0604020202020204" pitchFamily="34" charset="0"/>
+              </a:rPr>
               <a:t>/</a:t>
             </a:r>
             <a:r>
-              <a:rPr dirty="0" err="1"/>
+              <a:rPr sz="2000" dirty="0" err="1">
+                <a:latin typeface="Arial" panose="020B0604020202020204" pitchFamily="34" charset="0"/>
+                <a:cs typeface="Arial" panose="020B0604020202020204" pitchFamily="34" charset="0"/>
+              </a:rPr>
               <a:t>regiune</a:t>
             </a:r>
-            <a:endParaRPr dirty="0"/>
+            <a:endParaRPr sz="2000" dirty="0">
+              <a:latin typeface="Arial" panose="020B0604020202020204" pitchFamily="34" charset="0"/>
+              <a:cs typeface="Arial" panose="020B0604020202020204" pitchFamily="34" charset="0"/>
+            </a:endParaRPr>
           </a:p>
           <a:p>
             <a:pPr>
@@ -9844,58 +11435,100 @@
               </a:defRPr>
             </a:pPr>
             <a:r>
-              <a:rPr dirty="0"/>
+              <a:rPr sz="2000" dirty="0">
+                <a:latin typeface="Arial" panose="020B0604020202020204" pitchFamily="34" charset="0"/>
+                <a:cs typeface="Arial" panose="020B0604020202020204" pitchFamily="34" charset="0"/>
+              </a:rPr>
               <a:t>Players: </a:t>
             </a:r>
             <a:r>
-              <a:rPr dirty="0" err="1"/>
+              <a:rPr sz="2000" dirty="0" err="1">
+                <a:latin typeface="Arial" panose="020B0604020202020204" pitchFamily="34" charset="0"/>
+                <a:cs typeface="Arial" panose="020B0604020202020204" pitchFamily="34" charset="0"/>
+              </a:rPr>
               <a:t>filtre</a:t>
             </a:r>
             <a:r>
-              <a:rPr dirty="0"/>
+              <a:rPr sz="2000" dirty="0">
+                <a:latin typeface="Arial" panose="020B0604020202020204" pitchFamily="34" charset="0"/>
+                <a:cs typeface="Arial" panose="020B0604020202020204" pitchFamily="34" charset="0"/>
+              </a:rPr>
               <a:t> </a:t>
             </a:r>
             <a:r>
-              <a:rPr dirty="0" err="1"/>
+              <a:rPr sz="2000" dirty="0" err="1">
+                <a:latin typeface="Arial" panose="020B0604020202020204" pitchFamily="34" charset="0"/>
+                <a:cs typeface="Arial" panose="020B0604020202020204" pitchFamily="34" charset="0"/>
+              </a:rPr>
               <a:t>echip</a:t>
             </a:r>
             <a:r>
-              <a:rPr lang="ro-RO" dirty="0"/>
+              <a:rPr lang="ro-RO" sz="2000" dirty="0">
+                <a:latin typeface="Arial" panose="020B0604020202020204" pitchFamily="34" charset="0"/>
+                <a:cs typeface="Arial" panose="020B0604020202020204" pitchFamily="34" charset="0"/>
+              </a:rPr>
               <a:t>ă</a:t>
             </a:r>
             <a:r>
-              <a:rPr dirty="0"/>
+              <a:rPr sz="2000" dirty="0">
+                <a:latin typeface="Arial" panose="020B0604020202020204" pitchFamily="34" charset="0"/>
+                <a:cs typeface="Arial" panose="020B0604020202020204" pitchFamily="34" charset="0"/>
+              </a:rPr>
               <a:t>/</a:t>
             </a:r>
             <a:r>
-              <a:rPr lang="ro-RO" dirty="0"/>
+              <a:rPr lang="ro-RO" sz="2000" dirty="0">
+                <a:latin typeface="Arial" panose="020B0604020202020204" pitchFamily="34" charset="0"/>
+                <a:cs typeface="Arial" panose="020B0604020202020204" pitchFamily="34" charset="0"/>
+              </a:rPr>
               <a:t>ț</a:t>
             </a:r>
             <a:r>
-              <a:rPr dirty="0" err="1"/>
+              <a:rPr sz="2000" dirty="0" err="1">
+                <a:latin typeface="Arial" panose="020B0604020202020204" pitchFamily="34" charset="0"/>
+                <a:cs typeface="Arial" panose="020B0604020202020204" pitchFamily="34" charset="0"/>
+              </a:rPr>
               <a:t>ar</a:t>
             </a:r>
             <a:r>
-              <a:rPr lang="ro-RO" dirty="0"/>
+              <a:rPr lang="ro-RO" sz="2000" dirty="0">
+                <a:latin typeface="Arial" panose="020B0604020202020204" pitchFamily="34" charset="0"/>
+                <a:cs typeface="Arial" panose="020B0604020202020204" pitchFamily="34" charset="0"/>
+              </a:rPr>
               <a:t>ă</a:t>
             </a:r>
             <a:r>
-              <a:rPr dirty="0"/>
+              <a:rPr sz="2000" dirty="0">
+                <a:latin typeface="Arial" panose="020B0604020202020204" pitchFamily="34" charset="0"/>
+                <a:cs typeface="Arial" panose="020B0604020202020204" pitchFamily="34" charset="0"/>
+              </a:rPr>
               <a:t>/</a:t>
             </a:r>
             <a:r>
-              <a:rPr dirty="0" err="1"/>
+              <a:rPr sz="2000" dirty="0" err="1">
+                <a:latin typeface="Arial" panose="020B0604020202020204" pitchFamily="34" charset="0"/>
+                <a:cs typeface="Arial" panose="020B0604020202020204" pitchFamily="34" charset="0"/>
+              </a:rPr>
               <a:t>rol</a:t>
             </a:r>
             <a:r>
-              <a:rPr dirty="0"/>
+              <a:rPr sz="2000" dirty="0">
+                <a:latin typeface="Arial" panose="020B0604020202020204" pitchFamily="34" charset="0"/>
+                <a:cs typeface="Arial" panose="020B0604020202020204" pitchFamily="34" charset="0"/>
+              </a:rPr>
               <a:t> + </a:t>
             </a:r>
             <a:r>
-              <a:rPr dirty="0" err="1"/>
+              <a:rPr sz="2000" dirty="0" err="1">
+                <a:latin typeface="Arial" panose="020B0604020202020204" pitchFamily="34" charset="0"/>
+                <a:cs typeface="Arial" panose="020B0604020202020204" pitchFamily="34" charset="0"/>
+              </a:rPr>
               <a:t>statistici</a:t>
             </a:r>
-            <a:endParaRPr dirty="0"/>
+            <a:endParaRPr sz="2000" dirty="0">
+              <a:latin typeface="Arial" panose="020B0604020202020204" pitchFamily="34" charset="0"/>
+              <a:cs typeface="Arial" panose="020B0604020202020204" pitchFamily="34" charset="0"/>
+            </a:endParaRPr>
           </a:p>
           <a:p>
             <a:pPr>
@@ -9910,15 +11543,24 @@
               </a:defRPr>
             </a:pPr>
             <a:r>
-              <a:rPr dirty="0"/>
+              <a:rPr sz="2000" dirty="0">
+                <a:latin typeface="Arial" panose="020B0604020202020204" pitchFamily="34" charset="0"/>
+                <a:cs typeface="Arial" panose="020B0604020202020204" pitchFamily="34" charset="0"/>
+              </a:rPr>
               <a:t>Tournaments: </a:t>
             </a:r>
             <a:r>
-              <a:rPr dirty="0" err="1"/>
+              <a:rPr sz="2000" dirty="0" err="1">
+                <a:latin typeface="Arial" panose="020B0604020202020204" pitchFamily="34" charset="0"/>
+                <a:cs typeface="Arial" panose="020B0604020202020204" pitchFamily="34" charset="0"/>
+              </a:rPr>
               <a:t>clasamente</a:t>
             </a:r>
             <a:r>
-              <a:rPr dirty="0"/>
+              <a:rPr sz="2000" dirty="0">
+                <a:latin typeface="Arial" panose="020B0604020202020204" pitchFamily="34" charset="0"/>
+                <a:cs typeface="Arial" panose="020B0604020202020204" pitchFamily="34" charset="0"/>
+              </a:rPr>
               <a:t> + bracket playoff</a:t>
             </a:r>
           </a:p>
@@ -9935,30 +11577,51 @@
               </a:defRPr>
             </a:pPr>
             <a:r>
-              <a:rPr dirty="0"/>
+              <a:rPr sz="2000" dirty="0">
+                <a:latin typeface="Arial" panose="020B0604020202020204" pitchFamily="34" charset="0"/>
+                <a:cs typeface="Arial" panose="020B0604020202020204" pitchFamily="34" charset="0"/>
+              </a:rPr>
               <a:t>Matches: </a:t>
             </a:r>
             <a:r>
-              <a:rPr dirty="0" err="1"/>
+              <a:rPr sz="2000" dirty="0" err="1">
+                <a:latin typeface="Arial" panose="020B0604020202020204" pitchFamily="34" charset="0"/>
+                <a:cs typeface="Arial" panose="020B0604020202020204" pitchFamily="34" charset="0"/>
+              </a:rPr>
               <a:t>detalii</a:t>
             </a:r>
             <a:r>
-              <a:rPr dirty="0"/>
+              <a:rPr sz="2000" dirty="0">
+                <a:latin typeface="Arial" panose="020B0604020202020204" pitchFamily="34" charset="0"/>
+                <a:cs typeface="Arial" panose="020B0604020202020204" pitchFamily="34" charset="0"/>
+              </a:rPr>
               <a:t> </a:t>
             </a:r>
             <a:r>
-              <a:rPr dirty="0" err="1"/>
+              <a:rPr sz="2000" dirty="0" err="1">
+                <a:latin typeface="Arial" panose="020B0604020202020204" pitchFamily="34" charset="0"/>
+                <a:cs typeface="Arial" panose="020B0604020202020204" pitchFamily="34" charset="0"/>
+              </a:rPr>
               <a:t>expandabile</a:t>
             </a:r>
             <a:r>
-              <a:rPr dirty="0"/>
+              <a:rPr sz="2000" dirty="0">
+                <a:latin typeface="Arial" panose="020B0604020202020204" pitchFamily="34" charset="0"/>
+                <a:cs typeface="Arial" panose="020B0604020202020204" pitchFamily="34" charset="0"/>
+              </a:rPr>
               <a:t> per </a:t>
             </a:r>
             <a:r>
-              <a:rPr dirty="0" err="1"/>
+              <a:rPr sz="2000" dirty="0" err="1">
+                <a:latin typeface="Arial" panose="020B0604020202020204" pitchFamily="34" charset="0"/>
+                <a:cs typeface="Arial" panose="020B0604020202020204" pitchFamily="34" charset="0"/>
+              </a:rPr>
               <a:t>joc</a:t>
             </a:r>
-            <a:endParaRPr dirty="0"/>
+            <a:endParaRPr sz="2000" dirty="0">
+              <a:latin typeface="Arial" panose="020B0604020202020204" pitchFamily="34" charset="0"/>
+              <a:cs typeface="Arial" panose="020B0604020202020204" pitchFamily="34" charset="0"/>
+            </a:endParaRPr>
           </a:p>
         </p:txBody>
       </p:sp>
@@ -9971,7 +11634,7 @@
         <p:spPr>
           <a:xfrm>
             <a:off x="4404207" y="1371600"/>
-            <a:ext cx="3383280" cy="4846320"/>
+            <a:ext cx="3383280" cy="5307106"/>
           </a:xfrm>
           <a:prstGeom prst="roundRect">
             <a:avLst/>
@@ -10018,7 +11681,7 @@
         <p:spPr>
           <a:xfrm>
             <a:off x="4587087" y="1508760"/>
-            <a:ext cx="3017520" cy="457200"/>
+            <a:ext cx="3017520" cy="461665"/>
           </a:xfrm>
           <a:prstGeom prst="rect">
             <a:avLst/>
@@ -10040,8 +11703,16 @@
               </a:defRPr>
             </a:pPr>
             <a:r>
+              <a:rPr lang="en-US" sz="2400" dirty="0" err="1">
+                <a:latin typeface="Arial" panose="020B0604020202020204" pitchFamily="34" charset="0"/>
+                <a:cs typeface="Arial" panose="020B0604020202020204" pitchFamily="34" charset="0"/>
+              </a:rPr>
               <a:t>Autentificare</a:t>
             </a:r>
+            <a:endParaRPr sz="2400" dirty="0">
+              <a:latin typeface="Arial" panose="020B0604020202020204" pitchFamily="34" charset="0"/>
+              <a:cs typeface="Arial" panose="020B0604020202020204" pitchFamily="34" charset="0"/>
+            </a:endParaRPr>
           </a:p>
         </p:txBody>
       </p:sp>
@@ -10099,7 +11770,7 @@
         <p:spPr>
           <a:xfrm>
             <a:off x="4632807" y="2286000"/>
-            <a:ext cx="2926080" cy="1897955"/>
+            <a:ext cx="2926080" cy="3683060"/>
           </a:xfrm>
           <a:prstGeom prst="rect">
             <a:avLst/>
@@ -10124,15 +11795,24 @@
               </a:defRPr>
             </a:pPr>
             <a:r>
-              <a:rPr dirty="0"/>
+              <a:rPr sz="2000" dirty="0">
+                <a:latin typeface="Arial" panose="020B0604020202020204" pitchFamily="34" charset="0"/>
+                <a:cs typeface="Arial" panose="020B0604020202020204" pitchFamily="34" charset="0"/>
+              </a:rPr>
               <a:t>Register / Login cu </a:t>
             </a:r>
             <a:r>
-              <a:rPr dirty="0" err="1"/>
+              <a:rPr sz="2000" dirty="0" err="1">
+                <a:latin typeface="Arial" panose="020B0604020202020204" pitchFamily="34" charset="0"/>
+                <a:cs typeface="Arial" panose="020B0604020202020204" pitchFamily="34" charset="0"/>
+              </a:rPr>
               <a:t>JWT</a:t>
             </a:r>
             <a:r>
-              <a:rPr dirty="0"/>
+              <a:rPr sz="2000" dirty="0">
+                <a:latin typeface="Arial" panose="020B0604020202020204" pitchFamily="34" charset="0"/>
+                <a:cs typeface="Arial" panose="020B0604020202020204" pitchFamily="34" charset="0"/>
+              </a:rPr>
               <a:t> tokens</a:t>
             </a:r>
           </a:p>
@@ -10149,14 +11829,23 @@
               </a:defRPr>
             </a:pPr>
             <a:r>
-              <a:rPr dirty="0"/>
+              <a:rPr sz="2000" dirty="0">
+                <a:latin typeface="Arial" panose="020B0604020202020204" pitchFamily="34" charset="0"/>
+                <a:cs typeface="Arial" panose="020B0604020202020204" pitchFamily="34" charset="0"/>
+              </a:rPr>
               <a:t>Refresh automat via interceptor </a:t>
             </a:r>
             <a:r>
-              <a:rPr dirty="0" err="1"/>
+              <a:rPr sz="2000" dirty="0" err="1">
+                <a:latin typeface="Arial" panose="020B0604020202020204" pitchFamily="34" charset="0"/>
+                <a:cs typeface="Arial" panose="020B0604020202020204" pitchFamily="34" charset="0"/>
+              </a:rPr>
               <a:t>Axios</a:t>
             </a:r>
-            <a:endParaRPr dirty="0"/>
+            <a:endParaRPr sz="2000" dirty="0">
+              <a:latin typeface="Arial" panose="020B0604020202020204" pitchFamily="34" charset="0"/>
+              <a:cs typeface="Arial" panose="020B0604020202020204" pitchFamily="34" charset="0"/>
+            </a:endParaRPr>
           </a:p>
           <a:p>
             <a:pPr>
@@ -10171,19 +11860,31 @@
               </a:defRPr>
             </a:pPr>
             <a:r>
-              <a:rPr dirty="0" err="1"/>
+              <a:rPr sz="2000" dirty="0" err="1">
+                <a:latin typeface="Arial" panose="020B0604020202020204" pitchFamily="34" charset="0"/>
+                <a:cs typeface="Arial" panose="020B0604020202020204" pitchFamily="34" charset="0"/>
+              </a:rPr>
               <a:t>Profil</a:t>
             </a:r>
             <a:r>
-              <a:rPr dirty="0"/>
+              <a:rPr sz="2000" dirty="0">
+                <a:latin typeface="Arial" panose="020B0604020202020204" pitchFamily="34" charset="0"/>
+                <a:cs typeface="Arial" panose="020B0604020202020204" pitchFamily="34" charset="0"/>
+              </a:rPr>
               <a:t> cu </a:t>
             </a:r>
             <a:r>
-              <a:rPr dirty="0" err="1"/>
+              <a:rPr sz="2000" dirty="0" err="1">
+                <a:latin typeface="Arial" panose="020B0604020202020204" pitchFamily="34" charset="0"/>
+                <a:cs typeface="Arial" panose="020B0604020202020204" pitchFamily="34" charset="0"/>
+              </a:rPr>
               <a:t>gestionare</a:t>
             </a:r>
             <a:r>
-              <a:rPr dirty="0"/>
+              <a:rPr sz="2000" dirty="0">
+                <a:latin typeface="Arial" panose="020B0604020202020204" pitchFamily="34" charset="0"/>
+                <a:cs typeface="Arial" panose="020B0604020202020204" pitchFamily="34" charset="0"/>
+              </a:rPr>
               <a:t> favorite</a:t>
             </a:r>
           </a:p>
@@ -10200,27 +11901,45 @@
               </a:defRPr>
             </a:pPr>
             <a:r>
-              <a:rPr dirty="0"/>
+              <a:rPr sz="2000" dirty="0">
+                <a:latin typeface="Arial" panose="020B0604020202020204" pitchFamily="34" charset="0"/>
+                <a:cs typeface="Arial" panose="020B0604020202020204" pitchFamily="34" charset="0"/>
+              </a:rPr>
               <a:t>Delete account (</a:t>
             </a:r>
             <a:r>
-              <a:rPr dirty="0" err="1"/>
+              <a:rPr sz="2000" dirty="0" err="1">
+                <a:latin typeface="Arial" panose="020B0604020202020204" pitchFamily="34" charset="0"/>
+                <a:cs typeface="Arial" panose="020B0604020202020204" pitchFamily="34" charset="0"/>
+              </a:rPr>
               <a:t>confirmare</a:t>
             </a:r>
             <a:r>
-              <a:rPr dirty="0"/>
+              <a:rPr sz="2000" dirty="0">
+                <a:latin typeface="Arial" panose="020B0604020202020204" pitchFamily="34" charset="0"/>
+                <a:cs typeface="Arial" panose="020B0604020202020204" pitchFamily="34" charset="0"/>
+              </a:rPr>
               <a:t> 2 pa</a:t>
             </a:r>
             <a:r>
-              <a:rPr lang="ro-RO" dirty="0"/>
+              <a:rPr lang="ro-RO" sz="2000" dirty="0">
+                <a:latin typeface="Arial" panose="020B0604020202020204" pitchFamily="34" charset="0"/>
+                <a:cs typeface="Arial" panose="020B0604020202020204" pitchFamily="34" charset="0"/>
+              </a:rPr>
               <a:t>ș</a:t>
             </a:r>
             <a:r>
-              <a:rPr dirty="0" err="1"/>
+              <a:rPr sz="2000" dirty="0" err="1">
+                <a:latin typeface="Arial" panose="020B0604020202020204" pitchFamily="34" charset="0"/>
+                <a:cs typeface="Arial" panose="020B0604020202020204" pitchFamily="34" charset="0"/>
+              </a:rPr>
               <a:t>i</a:t>
             </a:r>
             <a:r>
-              <a:rPr dirty="0"/>
+              <a:rPr sz="2000" dirty="0">
+                <a:latin typeface="Arial" panose="020B0604020202020204" pitchFamily="34" charset="0"/>
+                <a:cs typeface="Arial" panose="020B0604020202020204" pitchFamily="34" charset="0"/>
+              </a:rPr>
               <a:t>)</a:t>
             </a:r>
           </a:p>
@@ -10237,7 +11956,10 @@
               </a:defRPr>
             </a:pPr>
             <a:r>
-              <a:rPr dirty="0"/>
+              <a:rPr sz="2000" dirty="0">
+                <a:latin typeface="Arial" panose="020B0604020202020204" pitchFamily="34" charset="0"/>
+                <a:cs typeface="Arial" panose="020B0604020202020204" pitchFamily="34" charset="0"/>
+              </a:rPr>
               <a:t>Protected routes (redirect /login)</a:t>
             </a:r>
           </a:p>
@@ -10251,8 +11973,8 @@
         </p:nvSpPr>
         <p:spPr>
           <a:xfrm>
-            <a:off x="8061807" y="1371600"/>
-            <a:ext cx="3383280" cy="4846320"/>
+            <a:off x="8061807" y="1371599"/>
+            <a:ext cx="3383280" cy="5307105"/>
           </a:xfrm>
           <a:prstGeom prst="roundRect">
             <a:avLst/>
@@ -10299,7 +12021,7 @@
         <p:spPr>
           <a:xfrm>
             <a:off x="8244687" y="1508760"/>
-            <a:ext cx="3017520" cy="457200"/>
+            <a:ext cx="3017520" cy="461665"/>
           </a:xfrm>
           <a:prstGeom prst="rect">
             <a:avLst/>
@@ -10321,7 +12043,18 @@
               </a:defRPr>
             </a:pPr>
             <a:r>
-              <a:t>UX &amp; Design</a:t>
+              <a:rPr sz="2400" dirty="0" err="1">
+                <a:latin typeface="Arial" panose="020B0604020202020204" pitchFamily="34" charset="0"/>
+                <a:cs typeface="Arial" panose="020B0604020202020204" pitchFamily="34" charset="0"/>
+              </a:rPr>
+              <a:t>UX</a:t>
+            </a:r>
+            <a:r>
+              <a:rPr sz="2400" dirty="0">
+                <a:latin typeface="Arial" panose="020B0604020202020204" pitchFamily="34" charset="0"/>
+                <a:cs typeface="Arial" panose="020B0604020202020204" pitchFamily="34" charset="0"/>
+              </a:rPr>
+              <a:t> &amp; Design</a:t>
             </a:r>
           </a:p>
         </p:txBody>
@@ -10380,7 +12113,7 @@
         <p:spPr>
           <a:xfrm>
             <a:off x="8290407" y="2286000"/>
-            <a:ext cx="2926080" cy="2328843"/>
+            <a:ext cx="2926080" cy="3990836"/>
           </a:xfrm>
           <a:prstGeom prst="rect">
             <a:avLst/>
@@ -10405,22 +12138,37 @@
               </a:defRPr>
             </a:pPr>
             <a:r>
-              <a:rPr dirty="0"/>
+              <a:rPr sz="2000" dirty="0">
+                <a:latin typeface="Arial" panose="020B0604020202020204" pitchFamily="34" charset="0"/>
+                <a:cs typeface="Arial" panose="020B0604020202020204" pitchFamily="34" charset="0"/>
+              </a:rPr>
               <a:t>Responsive: desktop, tablet</a:t>
             </a:r>
             <a:r>
-              <a:rPr lang="ro-RO" dirty="0"/>
+              <a:rPr lang="ro-RO" sz="2000" dirty="0">
+                <a:latin typeface="Arial" panose="020B0604020202020204" pitchFamily="34" charset="0"/>
+                <a:cs typeface="Arial" panose="020B0604020202020204" pitchFamily="34" charset="0"/>
+              </a:rPr>
               <a:t>ă</a:t>
             </a:r>
             <a:r>
-              <a:rPr dirty="0"/>
+              <a:rPr sz="2000" dirty="0">
+                <a:latin typeface="Arial" panose="020B0604020202020204" pitchFamily="34" charset="0"/>
+                <a:cs typeface="Arial" panose="020B0604020202020204" pitchFamily="34" charset="0"/>
+              </a:rPr>
               <a:t>,</a:t>
             </a:r>
             <a:r>
-              <a:rPr lang="ro-RO" dirty="0"/>
+              <a:rPr lang="ro-RO" sz="2000" dirty="0">
+                <a:latin typeface="Arial" panose="020B0604020202020204" pitchFamily="34" charset="0"/>
+                <a:cs typeface="Arial" panose="020B0604020202020204" pitchFamily="34" charset="0"/>
+              </a:rPr>
               <a:t> smartphone</a:t>
             </a:r>
-            <a:endParaRPr dirty="0"/>
+            <a:endParaRPr sz="2000" dirty="0">
+              <a:latin typeface="Arial" panose="020B0604020202020204" pitchFamily="34" charset="0"/>
+              <a:cs typeface="Arial" panose="020B0604020202020204" pitchFamily="34" charset="0"/>
+            </a:endParaRPr>
           </a:p>
           <a:p>
             <a:pPr>
@@ -10435,11 +12183,17 @@
               </a:defRPr>
             </a:pPr>
             <a:r>
-              <a:rPr dirty="0" err="1"/>
+              <a:rPr sz="2000" dirty="0" err="1">
+                <a:latin typeface="Arial" panose="020B0604020202020204" pitchFamily="34" charset="0"/>
+                <a:cs typeface="Arial" panose="020B0604020202020204" pitchFamily="34" charset="0"/>
+              </a:rPr>
               <a:t>Tema</a:t>
             </a:r>
             <a:r>
-              <a:rPr dirty="0"/>
+              <a:rPr sz="2000" dirty="0">
+                <a:latin typeface="Arial" panose="020B0604020202020204" pitchFamily="34" charset="0"/>
+                <a:cs typeface="Arial" panose="020B0604020202020204" pitchFamily="34" charset="0"/>
+              </a:rPr>
               <a:t> dark (implicit) / light toggle</a:t>
             </a:r>
           </a:p>
@@ -10456,26 +12210,44 @@
               </a:defRPr>
             </a:pPr>
             <a:r>
-              <a:rPr dirty="0" err="1"/>
+              <a:rPr sz="2000" dirty="0" err="1">
+                <a:latin typeface="Arial" panose="020B0604020202020204" pitchFamily="34" charset="0"/>
+                <a:cs typeface="Arial" panose="020B0604020202020204" pitchFamily="34" charset="0"/>
+              </a:rPr>
               <a:t>Naviga</a:t>
             </a:r>
             <a:r>
-              <a:rPr lang="ro-RO" dirty="0"/>
+              <a:rPr lang="ro-RO" sz="2000" dirty="0">
+                <a:latin typeface="Arial" panose="020B0604020202020204" pitchFamily="34" charset="0"/>
+                <a:cs typeface="Arial" panose="020B0604020202020204" pitchFamily="34" charset="0"/>
+              </a:rPr>
               <a:t>ț</a:t>
             </a:r>
             <a:r>
-              <a:rPr dirty="0" err="1"/>
+              <a:rPr sz="2000" dirty="0" err="1">
+                <a:latin typeface="Arial" panose="020B0604020202020204" pitchFamily="34" charset="0"/>
+                <a:cs typeface="Arial" panose="020B0604020202020204" pitchFamily="34" charset="0"/>
+              </a:rPr>
               <a:t>ie</a:t>
             </a:r>
             <a:r>
-              <a:rPr dirty="0"/>
+              <a:rPr sz="2000" dirty="0">
+                <a:latin typeface="Arial" panose="020B0604020202020204" pitchFamily="34" charset="0"/>
+                <a:cs typeface="Arial" panose="020B0604020202020204" pitchFamily="34" charset="0"/>
+              </a:rPr>
               <a:t> cu hamburger menu pe </a:t>
             </a:r>
             <a:r>
-              <a:rPr dirty="0" err="1"/>
+              <a:rPr sz="2000" dirty="0" err="1">
+                <a:latin typeface="Arial" panose="020B0604020202020204" pitchFamily="34" charset="0"/>
+                <a:cs typeface="Arial" panose="020B0604020202020204" pitchFamily="34" charset="0"/>
+              </a:rPr>
               <a:t>mobil</a:t>
             </a:r>
-            <a:endParaRPr dirty="0"/>
+            <a:endParaRPr sz="2000" dirty="0">
+              <a:latin typeface="Arial" panose="020B0604020202020204" pitchFamily="34" charset="0"/>
+              <a:cs typeface="Arial" panose="020B0604020202020204" pitchFamily="34" charset="0"/>
+            </a:endParaRPr>
           </a:p>
           <a:p>
             <a:pPr>
@@ -10490,7 +12262,10 @@
               </a:defRPr>
             </a:pPr>
             <a:r>
-              <a:rPr dirty="0"/>
+              <a:rPr sz="2000" dirty="0">
+                <a:latin typeface="Arial" panose="020B0604020202020204" pitchFamily="34" charset="0"/>
+                <a:cs typeface="Arial" panose="020B0604020202020204" pitchFamily="34" charset="0"/>
+              </a:rPr>
               <a:t>Loading spinners, empty states, error alerts</a:t>
             </a:r>
           </a:p>
@@ -10507,15 +12282,24 @@
               </a:defRPr>
             </a:pPr>
             <a:r>
-              <a:rPr dirty="0"/>
+              <a:rPr sz="2000" dirty="0">
+                <a:latin typeface="Arial" panose="020B0604020202020204" pitchFamily="34" charset="0"/>
+                <a:cs typeface="Arial" panose="020B0604020202020204" pitchFamily="34" charset="0"/>
+              </a:rPr>
               <a:t>Anima</a:t>
             </a:r>
             <a:r>
-              <a:rPr lang="ro-RO" dirty="0"/>
+              <a:rPr lang="ro-RO" sz="2000" dirty="0">
+                <a:latin typeface="Arial" panose="020B0604020202020204" pitchFamily="34" charset="0"/>
+                <a:cs typeface="Arial" panose="020B0604020202020204" pitchFamily="34" charset="0"/>
+              </a:rPr>
               <a:t>ț</a:t>
             </a:r>
             <a:r>
-              <a:rPr dirty="0"/>
+              <a:rPr sz="2000" dirty="0">
+                <a:latin typeface="Arial" panose="020B0604020202020204" pitchFamily="34" charset="0"/>
+                <a:cs typeface="Arial" panose="020B0604020202020204" pitchFamily="34" charset="0"/>
+              </a:rPr>
               <a:t>ii CSS (fade-in, hover glow)</a:t>
             </a:r>
           </a:p>
@@ -10608,7 +12392,7 @@
         <p:spPr>
           <a:xfrm>
             <a:off x="731520" y="365760"/>
-            <a:ext cx="9144000" cy="548640"/>
+            <a:ext cx="9144000" cy="615553"/>
           </a:xfrm>
           <a:prstGeom prst="rect">
             <a:avLst/>
@@ -10630,8 +12414,16 @@
               </a:defRPr>
             </a:pPr>
             <a:r>
+              <a:rPr lang="en-US" dirty="0" err="1">
+                <a:latin typeface="Arial" panose="020B0604020202020204" pitchFamily="34" charset="0"/>
+                <a:cs typeface="Arial" panose="020B0604020202020204" pitchFamily="34" charset="0"/>
+              </a:rPr>
               <a:t>Concluzii</a:t>
             </a:r>
+            <a:endParaRPr dirty="0">
+              <a:latin typeface="Arial" panose="020B0604020202020204" pitchFamily="34" charset="0"/>
+              <a:cs typeface="Arial" panose="020B0604020202020204" pitchFamily="34" charset="0"/>
+            </a:endParaRPr>
           </a:p>
         </p:txBody>
       </p:sp>
@@ -10689,7 +12481,7 @@
         <p:spPr>
           <a:xfrm>
             <a:off x="1371600" y="1371600"/>
-            <a:ext cx="9144000" cy="4846320"/>
+            <a:ext cx="9144000" cy="4009608"/>
           </a:xfrm>
           <a:prstGeom prst="roundRect">
             <a:avLst/>
@@ -10736,7 +12528,7 @@
         <p:spPr>
           <a:xfrm>
             <a:off x="1554480" y="1463040"/>
-            <a:ext cx="8778240" cy="415498"/>
+            <a:ext cx="8778240" cy="461665"/>
           </a:xfrm>
           <a:prstGeom prst="rect">
             <a:avLst/>
@@ -10758,66 +12550,114 @@
               </a:defRPr>
             </a:pPr>
             <a:r>
-              <a:rPr dirty="0" err="1"/>
+              <a:rPr sz="2400" dirty="0" err="1">
+                <a:latin typeface="Arial" panose="020B0604020202020204" pitchFamily="34" charset="0"/>
+                <a:cs typeface="Arial" panose="020B0604020202020204" pitchFamily="34" charset="0"/>
+              </a:rPr>
               <a:t>Reali</a:t>
             </a:r>
             <a:r>
-              <a:rPr lang="ro-RO" dirty="0"/>
+              <a:rPr lang="ro-RO" sz="2400" dirty="0">
+                <a:latin typeface="Arial" panose="020B0604020202020204" pitchFamily="34" charset="0"/>
+                <a:cs typeface="Arial" panose="020B0604020202020204" pitchFamily="34" charset="0"/>
+              </a:rPr>
               <a:t>ză</a:t>
             </a:r>
             <a:r>
-              <a:rPr dirty="0" err="1"/>
+              <a:rPr sz="2400" dirty="0" err="1">
+                <a:latin typeface="Arial" panose="020B0604020202020204" pitchFamily="34" charset="0"/>
+                <a:cs typeface="Arial" panose="020B0604020202020204" pitchFamily="34" charset="0"/>
+              </a:rPr>
               <a:t>ri</a:t>
             </a:r>
             <a:r>
-              <a:rPr dirty="0"/>
+              <a:rPr sz="2400" dirty="0">
+                <a:latin typeface="Arial" panose="020B0604020202020204" pitchFamily="34" charset="0"/>
+                <a:cs typeface="Arial" panose="020B0604020202020204" pitchFamily="34" charset="0"/>
+              </a:rPr>
               <a:t> </a:t>
             </a:r>
             <a:r>
-              <a:rPr lang="ro-RO" dirty="0"/>
+              <a:rPr lang="ro-RO" sz="2400" dirty="0">
+                <a:latin typeface="Arial" panose="020B0604020202020204" pitchFamily="34" charset="0"/>
+                <a:cs typeface="Arial" panose="020B0604020202020204" pitchFamily="34" charset="0"/>
+              </a:rPr>
               <a:t>ș</a:t>
             </a:r>
             <a:r>
-              <a:rPr dirty="0" err="1"/>
+              <a:rPr sz="2400" dirty="0" err="1">
+                <a:latin typeface="Arial" panose="020B0604020202020204" pitchFamily="34" charset="0"/>
+                <a:cs typeface="Arial" panose="020B0604020202020204" pitchFamily="34" charset="0"/>
+              </a:rPr>
               <a:t>i</a:t>
             </a:r>
             <a:r>
-              <a:rPr dirty="0"/>
+              <a:rPr sz="2400" dirty="0">
+                <a:latin typeface="Arial" panose="020B0604020202020204" pitchFamily="34" charset="0"/>
+                <a:cs typeface="Arial" panose="020B0604020202020204" pitchFamily="34" charset="0"/>
+              </a:rPr>
               <a:t> </a:t>
             </a:r>
             <a:r>
-              <a:rPr lang="ro-RO" dirty="0"/>
+              <a:rPr lang="ro-RO" sz="2400" dirty="0">
+                <a:latin typeface="Arial" panose="020B0604020202020204" pitchFamily="34" charset="0"/>
+                <a:cs typeface="Arial" panose="020B0604020202020204" pitchFamily="34" charset="0"/>
+              </a:rPr>
               <a:t>c</a:t>
             </a:r>
             <a:r>
-              <a:rPr dirty="0" err="1"/>
+              <a:rPr sz="2400" dirty="0" err="1">
+                <a:latin typeface="Arial" panose="020B0604020202020204" pitchFamily="34" charset="0"/>
+                <a:cs typeface="Arial" panose="020B0604020202020204" pitchFamily="34" charset="0"/>
+              </a:rPr>
               <a:t>unostin</a:t>
             </a:r>
             <a:r>
-              <a:rPr lang="ro-RO" dirty="0"/>
+              <a:rPr lang="ro-RO" sz="2400" dirty="0">
+                <a:latin typeface="Arial" panose="020B0604020202020204" pitchFamily="34" charset="0"/>
+                <a:cs typeface="Arial" panose="020B0604020202020204" pitchFamily="34" charset="0"/>
+              </a:rPr>
               <a:t>ț</a:t>
             </a:r>
             <a:r>
-              <a:rPr dirty="0"/>
+              <a:rPr sz="2400" dirty="0">
+                <a:latin typeface="Arial" panose="020B0604020202020204" pitchFamily="34" charset="0"/>
+                <a:cs typeface="Arial" panose="020B0604020202020204" pitchFamily="34" charset="0"/>
+              </a:rPr>
               <a:t>e </a:t>
             </a:r>
             <a:r>
-              <a:rPr lang="ro-RO" dirty="0"/>
+              <a:rPr lang="ro-RO" sz="2400" dirty="0">
+                <a:latin typeface="Arial" panose="020B0604020202020204" pitchFamily="34" charset="0"/>
+                <a:cs typeface="Arial" panose="020B0604020202020204" pitchFamily="34" charset="0"/>
+              </a:rPr>
               <a:t>d</a:t>
             </a:r>
             <a:r>
-              <a:rPr dirty="0" err="1"/>
+              <a:rPr sz="2400" dirty="0" err="1">
+                <a:latin typeface="Arial" panose="020B0604020202020204" pitchFamily="34" charset="0"/>
+                <a:cs typeface="Arial" panose="020B0604020202020204" pitchFamily="34" charset="0"/>
+              </a:rPr>
               <a:t>ob</a:t>
             </a:r>
             <a:r>
-              <a:rPr lang="ro-RO" dirty="0"/>
+              <a:rPr lang="ro-RO" sz="2400" dirty="0">
+                <a:latin typeface="Arial" panose="020B0604020202020204" pitchFamily="34" charset="0"/>
+                <a:cs typeface="Arial" panose="020B0604020202020204" pitchFamily="34" charset="0"/>
+              </a:rPr>
               <a:t>â</a:t>
             </a:r>
             <a:r>
-              <a:rPr dirty="0" err="1"/>
+              <a:rPr sz="2400" dirty="0" err="1">
+                <a:latin typeface="Arial" panose="020B0604020202020204" pitchFamily="34" charset="0"/>
+                <a:cs typeface="Arial" panose="020B0604020202020204" pitchFamily="34" charset="0"/>
+              </a:rPr>
               <a:t>ndite</a:t>
             </a:r>
-            <a:endParaRPr dirty="0"/>
+            <a:endParaRPr sz="2400" dirty="0">
+              <a:latin typeface="Arial" panose="020B0604020202020204" pitchFamily="34" charset="0"/>
+              <a:cs typeface="Arial" panose="020B0604020202020204" pitchFamily="34" charset="0"/>
+            </a:endParaRPr>
           </a:p>
         </p:txBody>
       </p:sp>
@@ -10875,7 +12715,7 @@
         <p:spPr>
           <a:xfrm>
             <a:off x="2163927" y="2306320"/>
-            <a:ext cx="7863840" cy="2339102"/>
+            <a:ext cx="7863840" cy="2708434"/>
           </a:xfrm>
           <a:prstGeom prst="rect">
             <a:avLst/>
@@ -10900,31 +12740,52 @@
               </a:defRPr>
             </a:pPr>
             <a:r>
-              <a:rPr dirty="0" err="1"/>
+              <a:rPr sz="2000" dirty="0" err="1">
+                <a:latin typeface="Arial" panose="020B0604020202020204" pitchFamily="34" charset="0"/>
+                <a:cs typeface="Arial" panose="020B0604020202020204" pitchFamily="34" charset="0"/>
+              </a:rPr>
               <a:t>Aplica</a:t>
             </a:r>
             <a:r>
-              <a:rPr lang="ro-RO" dirty="0"/>
+              <a:rPr lang="ro-RO" sz="2000" dirty="0">
+                <a:latin typeface="Arial" panose="020B0604020202020204" pitchFamily="34" charset="0"/>
+                <a:cs typeface="Arial" panose="020B0604020202020204" pitchFamily="34" charset="0"/>
+              </a:rPr>
               <a:t>ț</a:t>
             </a:r>
             <a:r>
-              <a:rPr dirty="0" err="1"/>
+              <a:rPr sz="2000" dirty="0" err="1">
+                <a:latin typeface="Arial" panose="020B0604020202020204" pitchFamily="34" charset="0"/>
+                <a:cs typeface="Arial" panose="020B0604020202020204" pitchFamily="34" charset="0"/>
+              </a:rPr>
               <a:t>ie</a:t>
             </a:r>
             <a:r>
-              <a:rPr dirty="0"/>
+              <a:rPr sz="2000" dirty="0">
+                <a:latin typeface="Arial" panose="020B0604020202020204" pitchFamily="34" charset="0"/>
+                <a:cs typeface="Arial" panose="020B0604020202020204" pitchFamily="34" charset="0"/>
+              </a:rPr>
               <a:t> full-stack </a:t>
             </a:r>
             <a:r>
-              <a:rPr dirty="0" err="1"/>
+              <a:rPr sz="2000" dirty="0" err="1">
+                <a:latin typeface="Arial" panose="020B0604020202020204" pitchFamily="34" charset="0"/>
+                <a:cs typeface="Arial" panose="020B0604020202020204" pitchFamily="34" charset="0"/>
+              </a:rPr>
               <a:t>complet</a:t>
             </a:r>
             <a:r>
-              <a:rPr lang="ro-RO" dirty="0"/>
+              <a:rPr lang="ro-RO" sz="2000" dirty="0">
+                <a:latin typeface="Arial" panose="020B0604020202020204" pitchFamily="34" charset="0"/>
+                <a:cs typeface="Arial" panose="020B0604020202020204" pitchFamily="34" charset="0"/>
+              </a:rPr>
               <a:t>ă</a:t>
             </a:r>
             <a:r>
-              <a:rPr dirty="0"/>
+              <a:rPr sz="2000" dirty="0">
+                <a:latin typeface="Arial" panose="020B0604020202020204" pitchFamily="34" charset="0"/>
+                <a:cs typeface="Arial" panose="020B0604020202020204" pitchFamily="34" charset="0"/>
+              </a:rPr>
               <a:t> (Django + React)</a:t>
             </a:r>
           </a:p>
@@ -10941,34 +12802,58 @@
               </a:defRPr>
             </a:pPr>
             <a:r>
-              <a:rPr dirty="0"/>
+              <a:rPr sz="2000" dirty="0">
+                <a:latin typeface="Arial" panose="020B0604020202020204" pitchFamily="34" charset="0"/>
+                <a:cs typeface="Arial" panose="020B0604020202020204" pitchFamily="34" charset="0"/>
+              </a:rPr>
               <a:t>API REST cu </a:t>
             </a:r>
             <a:r>
-              <a:rPr dirty="0" err="1"/>
+              <a:rPr sz="2000" dirty="0" err="1">
+                <a:latin typeface="Arial" panose="020B0604020202020204" pitchFamily="34" charset="0"/>
+                <a:cs typeface="Arial" panose="020B0604020202020204" pitchFamily="34" charset="0"/>
+              </a:rPr>
               <a:t>autentificare</a:t>
             </a:r>
             <a:r>
-              <a:rPr dirty="0"/>
+              <a:rPr sz="2000" dirty="0">
+                <a:latin typeface="Arial" panose="020B0604020202020204" pitchFamily="34" charset="0"/>
+                <a:cs typeface="Arial" panose="020B0604020202020204" pitchFamily="34" charset="0"/>
+              </a:rPr>
               <a:t> </a:t>
             </a:r>
             <a:r>
-              <a:rPr dirty="0" err="1"/>
+              <a:rPr sz="2000" dirty="0" err="1">
+                <a:latin typeface="Arial" panose="020B0604020202020204" pitchFamily="34" charset="0"/>
+                <a:cs typeface="Arial" panose="020B0604020202020204" pitchFamily="34" charset="0"/>
+              </a:rPr>
               <a:t>JWT</a:t>
             </a:r>
             <a:r>
-              <a:rPr dirty="0"/>
+              <a:rPr sz="2000" dirty="0">
+                <a:latin typeface="Arial" panose="020B0604020202020204" pitchFamily="34" charset="0"/>
+                <a:cs typeface="Arial" panose="020B0604020202020204" pitchFamily="34" charset="0"/>
+              </a:rPr>
               <a:t> </a:t>
             </a:r>
             <a:r>
-              <a:rPr dirty="0" err="1"/>
+              <a:rPr sz="2000" dirty="0" err="1">
+                <a:latin typeface="Arial" panose="020B0604020202020204" pitchFamily="34" charset="0"/>
+                <a:cs typeface="Arial" panose="020B0604020202020204" pitchFamily="34" charset="0"/>
+              </a:rPr>
               <a:t>securizat</a:t>
             </a:r>
             <a:r>
-              <a:rPr lang="ro-RO" dirty="0"/>
+              <a:rPr lang="ro-RO" sz="2000" dirty="0">
+                <a:latin typeface="Arial" panose="020B0604020202020204" pitchFamily="34" charset="0"/>
+                <a:cs typeface="Arial" panose="020B0604020202020204" pitchFamily="34" charset="0"/>
+              </a:rPr>
               <a:t>ă</a:t>
             </a:r>
-            <a:endParaRPr dirty="0"/>
+            <a:endParaRPr sz="2000" dirty="0">
+              <a:latin typeface="Arial" panose="020B0604020202020204" pitchFamily="34" charset="0"/>
+              <a:cs typeface="Arial" panose="020B0604020202020204" pitchFamily="34" charset="0"/>
+            </a:endParaRPr>
           </a:p>
           <a:p>
             <a:pPr>
@@ -10983,15 +12868,24 @@
               </a:defRPr>
             </a:pPr>
             <a:r>
-              <a:rPr dirty="0"/>
+              <a:rPr sz="2000" dirty="0">
+                <a:latin typeface="Arial" panose="020B0604020202020204" pitchFamily="34" charset="0"/>
+                <a:cs typeface="Arial" panose="020B0604020202020204" pitchFamily="34" charset="0"/>
+              </a:rPr>
               <a:t>Pipeline automat cu </a:t>
             </a:r>
             <a:r>
-              <a:rPr dirty="0" err="1"/>
+              <a:rPr sz="2000" dirty="0" err="1">
+                <a:latin typeface="Arial" panose="020B0604020202020204" pitchFamily="34" charset="0"/>
+                <a:cs typeface="Arial" panose="020B0604020202020204" pitchFamily="34" charset="0"/>
+              </a:rPr>
               <a:t>integrare</a:t>
             </a:r>
             <a:r>
-              <a:rPr dirty="0"/>
+              <a:rPr sz="2000" dirty="0">
+                <a:latin typeface="Arial" panose="020B0604020202020204" pitchFamily="34" charset="0"/>
+                <a:cs typeface="Arial" panose="020B0604020202020204" pitchFamily="34" charset="0"/>
+              </a:rPr>
               <a:t> API extern</a:t>
             </a:r>
           </a:p>
@@ -11008,47 +12902,80 @@
               </a:defRPr>
             </a:pPr>
             <a:r>
-              <a:rPr dirty="0"/>
+              <a:rPr sz="2000" dirty="0">
+                <a:latin typeface="Arial" panose="020B0604020202020204" pitchFamily="34" charset="0"/>
+                <a:cs typeface="Arial" panose="020B0604020202020204" pitchFamily="34" charset="0"/>
+              </a:rPr>
               <a:t>WebSocket </a:t>
             </a:r>
             <a:r>
-              <a:rPr dirty="0" err="1"/>
+              <a:rPr sz="2000" dirty="0" err="1">
+                <a:latin typeface="Arial" panose="020B0604020202020204" pitchFamily="34" charset="0"/>
+                <a:cs typeface="Arial" panose="020B0604020202020204" pitchFamily="34" charset="0"/>
+              </a:rPr>
               <a:t>pentru</a:t>
             </a:r>
             <a:r>
-              <a:rPr dirty="0"/>
+              <a:rPr sz="2000" dirty="0">
+                <a:latin typeface="Arial" panose="020B0604020202020204" pitchFamily="34" charset="0"/>
+                <a:cs typeface="Arial" panose="020B0604020202020204" pitchFamily="34" charset="0"/>
+              </a:rPr>
               <a:t> </a:t>
             </a:r>
             <a:r>
-              <a:rPr dirty="0" err="1"/>
+              <a:rPr sz="2000" dirty="0" err="1">
+                <a:latin typeface="Arial" panose="020B0604020202020204" pitchFamily="34" charset="0"/>
+                <a:cs typeface="Arial" panose="020B0604020202020204" pitchFamily="34" charset="0"/>
+              </a:rPr>
               <a:t>actualiz</a:t>
             </a:r>
             <a:r>
-              <a:rPr lang="ro-RO" dirty="0"/>
+              <a:rPr lang="ro-RO" sz="2000" dirty="0">
+                <a:latin typeface="Arial" panose="020B0604020202020204" pitchFamily="34" charset="0"/>
+                <a:cs typeface="Arial" panose="020B0604020202020204" pitchFamily="34" charset="0"/>
+              </a:rPr>
               <a:t>ă</a:t>
             </a:r>
             <a:r>
-              <a:rPr dirty="0" err="1"/>
+              <a:rPr sz="2000" dirty="0" err="1">
+                <a:latin typeface="Arial" panose="020B0604020202020204" pitchFamily="34" charset="0"/>
+                <a:cs typeface="Arial" panose="020B0604020202020204" pitchFamily="34" charset="0"/>
+              </a:rPr>
               <a:t>ri</a:t>
             </a:r>
             <a:r>
-              <a:rPr dirty="0"/>
+              <a:rPr sz="2000" dirty="0">
+                <a:latin typeface="Arial" panose="020B0604020202020204" pitchFamily="34" charset="0"/>
+                <a:cs typeface="Arial" panose="020B0604020202020204" pitchFamily="34" charset="0"/>
+              </a:rPr>
               <a:t> </a:t>
             </a:r>
             <a:r>
-              <a:rPr lang="ro-RO" dirty="0"/>
+              <a:rPr lang="ro-RO" sz="2000" dirty="0">
+                <a:latin typeface="Arial" panose="020B0604020202020204" pitchFamily="34" charset="0"/>
+                <a:cs typeface="Arial" panose="020B0604020202020204" pitchFamily="34" charset="0"/>
+              </a:rPr>
               <a:t>î</a:t>
             </a:r>
             <a:r>
-              <a:rPr dirty="0"/>
+              <a:rPr sz="2000" dirty="0">
+                <a:latin typeface="Arial" panose="020B0604020202020204" pitchFamily="34" charset="0"/>
+                <a:cs typeface="Arial" panose="020B0604020202020204" pitchFamily="34" charset="0"/>
+              </a:rPr>
               <a:t>n </a:t>
             </a:r>
             <a:r>
-              <a:rPr dirty="0" err="1"/>
+              <a:rPr sz="2000" dirty="0" err="1">
+                <a:latin typeface="Arial" panose="020B0604020202020204" pitchFamily="34" charset="0"/>
+                <a:cs typeface="Arial" panose="020B0604020202020204" pitchFamily="34" charset="0"/>
+              </a:rPr>
               <a:t>timp</a:t>
             </a:r>
             <a:r>
-              <a:rPr dirty="0"/>
+              <a:rPr sz="2000" dirty="0">
+                <a:latin typeface="Arial" panose="020B0604020202020204" pitchFamily="34" charset="0"/>
+                <a:cs typeface="Arial" panose="020B0604020202020204" pitchFamily="34" charset="0"/>
+              </a:rPr>
               <a:t> real</a:t>
             </a:r>
           </a:p>
@@ -11065,42 +12992,72 @@
               </a:defRPr>
             </a:pPr>
             <a:r>
-              <a:rPr dirty="0" err="1"/>
+              <a:rPr sz="2000" dirty="0" err="1">
+                <a:latin typeface="Arial" panose="020B0604020202020204" pitchFamily="34" charset="0"/>
+                <a:cs typeface="Arial" panose="020B0604020202020204" pitchFamily="34" charset="0"/>
+              </a:rPr>
               <a:t>Sistem</a:t>
             </a:r>
             <a:r>
-              <a:rPr dirty="0"/>
+              <a:rPr sz="2000" dirty="0">
+                <a:latin typeface="Arial" panose="020B0604020202020204" pitchFamily="34" charset="0"/>
+                <a:cs typeface="Arial" panose="020B0604020202020204" pitchFamily="34" charset="0"/>
+              </a:rPr>
               <a:t> de </a:t>
             </a:r>
             <a:r>
-              <a:rPr dirty="0" err="1"/>
+              <a:rPr sz="2000" dirty="0" err="1">
+                <a:latin typeface="Arial" panose="020B0604020202020204" pitchFamily="34" charset="0"/>
+                <a:cs typeface="Arial" panose="020B0604020202020204" pitchFamily="34" charset="0"/>
+              </a:rPr>
               <a:t>notific</a:t>
             </a:r>
             <a:r>
-              <a:rPr lang="ro-RO" dirty="0"/>
+              <a:rPr lang="ro-RO" sz="2000" dirty="0">
+                <a:latin typeface="Arial" panose="020B0604020202020204" pitchFamily="34" charset="0"/>
+                <a:cs typeface="Arial" panose="020B0604020202020204" pitchFamily="34" charset="0"/>
+              </a:rPr>
               <a:t>ă</a:t>
             </a:r>
             <a:r>
-              <a:rPr dirty="0" err="1"/>
+              <a:rPr sz="2000" dirty="0" err="1">
+                <a:latin typeface="Arial" panose="020B0604020202020204" pitchFamily="34" charset="0"/>
+                <a:cs typeface="Arial" panose="020B0604020202020204" pitchFamily="34" charset="0"/>
+              </a:rPr>
               <a:t>ri</a:t>
             </a:r>
             <a:r>
-              <a:rPr dirty="0"/>
+              <a:rPr sz="2000" dirty="0">
+                <a:latin typeface="Arial" panose="020B0604020202020204" pitchFamily="34" charset="0"/>
+                <a:cs typeface="Arial" panose="020B0604020202020204" pitchFamily="34" charset="0"/>
+              </a:rPr>
               <a:t> email cu </a:t>
             </a:r>
             <a:r>
-              <a:rPr dirty="0" err="1"/>
+              <a:rPr sz="2000" dirty="0" err="1">
+                <a:latin typeface="Arial" panose="020B0604020202020204" pitchFamily="34" charset="0"/>
+                <a:cs typeface="Arial" panose="020B0604020202020204" pitchFamily="34" charset="0"/>
+              </a:rPr>
               <a:t>prevenire</a:t>
             </a:r>
             <a:r>
-              <a:rPr dirty="0"/>
+              <a:rPr sz="2000" dirty="0">
+                <a:latin typeface="Arial" panose="020B0604020202020204" pitchFamily="34" charset="0"/>
+                <a:cs typeface="Arial" panose="020B0604020202020204" pitchFamily="34" charset="0"/>
+              </a:rPr>
               <a:t> </a:t>
             </a:r>
             <a:r>
-              <a:rPr dirty="0" err="1"/>
+              <a:rPr sz="2000" dirty="0" err="1">
+                <a:latin typeface="Arial" panose="020B0604020202020204" pitchFamily="34" charset="0"/>
+                <a:cs typeface="Arial" panose="020B0604020202020204" pitchFamily="34" charset="0"/>
+              </a:rPr>
               <a:t>duplicare</a:t>
             </a:r>
-            <a:endParaRPr dirty="0"/>
+            <a:endParaRPr sz="2000" dirty="0">
+              <a:latin typeface="Arial" panose="020B0604020202020204" pitchFamily="34" charset="0"/>
+              <a:cs typeface="Arial" panose="020B0604020202020204" pitchFamily="34" charset="0"/>
+            </a:endParaRPr>
           </a:p>
           <a:p>
             <a:pPr>
@@ -11115,27 +13072,45 @@
               </a:defRPr>
             </a:pPr>
             <a:r>
-              <a:rPr dirty="0" err="1"/>
+              <a:rPr sz="2000" dirty="0" err="1">
+                <a:latin typeface="Arial" panose="020B0604020202020204" pitchFamily="34" charset="0"/>
+                <a:cs typeface="Arial" panose="020B0604020202020204" pitchFamily="34" charset="0"/>
+              </a:rPr>
               <a:t>Interfa</a:t>
             </a:r>
             <a:r>
-              <a:rPr lang="ro-RO" dirty="0"/>
+              <a:rPr lang="ro-RO" sz="2000" dirty="0">
+                <a:latin typeface="Arial" panose="020B0604020202020204" pitchFamily="34" charset="0"/>
+                <a:cs typeface="Arial" panose="020B0604020202020204" pitchFamily="34" charset="0"/>
+              </a:rPr>
               <a:t>ț</a:t>
             </a:r>
             <a:r>
-              <a:rPr dirty="0"/>
+              <a:rPr sz="2000" dirty="0">
+                <a:latin typeface="Arial" panose="020B0604020202020204" pitchFamily="34" charset="0"/>
+                <a:cs typeface="Arial" panose="020B0604020202020204" pitchFamily="34" charset="0"/>
+              </a:rPr>
               <a:t>a responsive cu </a:t>
             </a:r>
             <a:r>
-              <a:rPr dirty="0" err="1"/>
+              <a:rPr sz="2000" dirty="0" err="1">
+                <a:latin typeface="Arial" panose="020B0604020202020204" pitchFamily="34" charset="0"/>
+                <a:cs typeface="Arial" panose="020B0604020202020204" pitchFamily="34" charset="0"/>
+              </a:rPr>
               <a:t>tem</a:t>
             </a:r>
             <a:r>
-              <a:rPr lang="ro-RO" dirty="0"/>
+              <a:rPr lang="ro-RO" sz="2000" dirty="0">
+                <a:latin typeface="Arial" panose="020B0604020202020204" pitchFamily="34" charset="0"/>
+                <a:cs typeface="Arial" panose="020B0604020202020204" pitchFamily="34" charset="0"/>
+              </a:rPr>
               <a:t>ă</a:t>
             </a:r>
             <a:r>
-              <a:rPr dirty="0"/>
+              <a:rPr sz="2000" dirty="0">
+                <a:latin typeface="Arial" panose="020B0604020202020204" pitchFamily="34" charset="0"/>
+                <a:cs typeface="Arial" panose="020B0604020202020204" pitchFamily="34" charset="0"/>
+              </a:rPr>
               <a:t> dark/light</a:t>
             </a:r>
           </a:p>
@@ -11149,8 +13124,8 @@
         </p:nvSpPr>
         <p:spPr>
           <a:xfrm>
-            <a:off x="1371600" y="6400800"/>
-            <a:ext cx="9144000" cy="400110"/>
+            <a:off x="1371600" y="5897880"/>
+            <a:ext cx="9144000" cy="584775"/>
           </a:xfrm>
           <a:prstGeom prst="rect">
             <a:avLst/>
@@ -11172,30 +13147,52 @@
               </a:defRPr>
             </a:pPr>
             <a:r>
-              <a:rPr dirty="0"/>
+              <a:rPr sz="3200" dirty="0">
+                <a:latin typeface="Arial" panose="020B0604020202020204" pitchFamily="34" charset="0"/>
+                <a:cs typeface="Arial" panose="020B0604020202020204" pitchFamily="34" charset="0"/>
+              </a:rPr>
               <a:t>V</a:t>
             </a:r>
             <a:r>
-              <a:rPr lang="ro-RO" dirty="0"/>
+              <a:rPr lang="ro-RO" sz="3200" dirty="0">
+                <a:latin typeface="Arial" panose="020B0604020202020204" pitchFamily="34" charset="0"/>
+                <a:cs typeface="Arial" panose="020B0604020202020204" pitchFamily="34" charset="0"/>
+              </a:rPr>
               <a:t>ă</a:t>
             </a:r>
             <a:r>
-              <a:rPr dirty="0"/>
+              <a:rPr sz="3200" dirty="0">
+                <a:latin typeface="Arial" panose="020B0604020202020204" pitchFamily="34" charset="0"/>
+                <a:cs typeface="Arial" panose="020B0604020202020204" pitchFamily="34" charset="0"/>
+              </a:rPr>
               <a:t> </a:t>
             </a:r>
             <a:r>
-              <a:rPr dirty="0" err="1"/>
+              <a:rPr sz="3200" dirty="0" err="1">
+                <a:latin typeface="Arial" panose="020B0604020202020204" pitchFamily="34" charset="0"/>
+                <a:cs typeface="Arial" panose="020B0604020202020204" pitchFamily="34" charset="0"/>
+              </a:rPr>
               <a:t>mul</a:t>
             </a:r>
             <a:r>
-              <a:rPr lang="ro-RO"/>
+              <a:rPr lang="ro-RO" sz="3200" dirty="0">
+                <a:latin typeface="Arial" panose="020B0604020202020204" pitchFamily="34" charset="0"/>
+                <a:cs typeface="Arial" panose="020B0604020202020204" pitchFamily="34" charset="0"/>
+              </a:rPr>
               <a:t>ț</a:t>
             </a:r>
             <a:r>
+              <a:rPr sz="3200" dirty="0" err="1">
+                <a:latin typeface="Arial" panose="020B0604020202020204" pitchFamily="34" charset="0"/>
+                <a:cs typeface="Arial" panose="020B0604020202020204" pitchFamily="34" charset="0"/>
+              </a:rPr>
               <a:t>umesc</a:t>
             </a:r>
             <a:r>
-              <a:rPr dirty="0"/>
+              <a:rPr sz="3200" dirty="0">
+                <a:latin typeface="Arial" panose="020B0604020202020204" pitchFamily="34" charset="0"/>
+                <a:cs typeface="Arial" panose="020B0604020202020204" pitchFamily="34" charset="0"/>
+              </a:rPr>
               <a:t>!</a:t>
             </a:r>
           </a:p>
